--- a/Slides/casestudy2ppt.pptx
+++ b/Slides/casestudy2ppt.pptx
@@ -314,7 +314,7 @@
           <a:p>
             <a:fld id="{241EB5C9-1307-BA42-ABA2-0BC069CD8E7F}" type="datetimeFigureOut">
               <a:rPr lang="en-US" smtClean="0"/>
-              <a:t>8/12/2020</a:t>
+              <a:t>8/13/2020</a:t>
             </a:fld>
             <a:endParaRPr lang="en-US"/>
           </a:p>
@@ -482,7 +482,7 @@
           <a:p>
             <a:fld id="{241EB5C9-1307-BA42-ABA2-0BC069CD8E7F}" type="datetimeFigureOut">
               <a:rPr lang="en-US" smtClean="0"/>
-              <a:t>8/12/2020</a:t>
+              <a:t>8/13/2020</a:t>
             </a:fld>
             <a:endParaRPr lang="en-US"/>
           </a:p>
@@ -660,7 +660,7 @@
           <a:p>
             <a:fld id="{241EB5C9-1307-BA42-ABA2-0BC069CD8E7F}" type="datetimeFigureOut">
               <a:rPr lang="en-US" smtClean="0"/>
-              <a:t>8/12/2020</a:t>
+              <a:t>8/13/2020</a:t>
             </a:fld>
             <a:endParaRPr lang="en-US"/>
           </a:p>
@@ -828,7 +828,7 @@
           <a:p>
             <a:fld id="{241EB5C9-1307-BA42-ABA2-0BC069CD8E7F}" type="datetimeFigureOut">
               <a:rPr lang="en-US" smtClean="0"/>
-              <a:t>8/12/2020</a:t>
+              <a:t>8/13/2020</a:t>
             </a:fld>
             <a:endParaRPr lang="en-US"/>
           </a:p>
@@ -1073,7 +1073,7 @@
           <a:p>
             <a:fld id="{241EB5C9-1307-BA42-ABA2-0BC069CD8E7F}" type="datetimeFigureOut">
               <a:rPr lang="en-US" smtClean="0"/>
-              <a:t>8/12/2020</a:t>
+              <a:t>8/13/2020</a:t>
             </a:fld>
             <a:endParaRPr lang="en-US"/>
           </a:p>
@@ -1358,7 +1358,7 @@
           <a:p>
             <a:fld id="{241EB5C9-1307-BA42-ABA2-0BC069CD8E7F}" type="datetimeFigureOut">
               <a:rPr lang="en-US" smtClean="0"/>
-              <a:t>8/12/2020</a:t>
+              <a:t>8/13/2020</a:t>
             </a:fld>
             <a:endParaRPr lang="en-US"/>
           </a:p>
@@ -1777,7 +1777,7 @@
           <a:p>
             <a:fld id="{241EB5C9-1307-BA42-ABA2-0BC069CD8E7F}" type="datetimeFigureOut">
               <a:rPr lang="en-US" smtClean="0"/>
-              <a:t>8/12/2020</a:t>
+              <a:t>8/13/2020</a:t>
             </a:fld>
             <a:endParaRPr lang="en-US"/>
           </a:p>
@@ -1894,7 +1894,7 @@
           <a:p>
             <a:fld id="{241EB5C9-1307-BA42-ABA2-0BC069CD8E7F}" type="datetimeFigureOut">
               <a:rPr lang="en-US" smtClean="0"/>
-              <a:t>8/12/2020</a:t>
+              <a:t>8/13/2020</a:t>
             </a:fld>
             <a:endParaRPr lang="en-US"/>
           </a:p>
@@ -1989,7 +1989,7 @@
           <a:p>
             <a:fld id="{241EB5C9-1307-BA42-ABA2-0BC069CD8E7F}" type="datetimeFigureOut">
               <a:rPr lang="en-US" smtClean="0"/>
-              <a:t>8/12/2020</a:t>
+              <a:t>8/13/2020</a:t>
             </a:fld>
             <a:endParaRPr lang="en-US"/>
           </a:p>
@@ -2264,7 +2264,7 @@
           <a:p>
             <a:fld id="{241EB5C9-1307-BA42-ABA2-0BC069CD8E7F}" type="datetimeFigureOut">
               <a:rPr lang="en-US" smtClean="0"/>
-              <a:t>8/12/2020</a:t>
+              <a:t>8/13/2020</a:t>
             </a:fld>
             <a:endParaRPr lang="en-US"/>
           </a:p>
@@ -2516,7 +2516,7 @@
           <a:p>
             <a:fld id="{241EB5C9-1307-BA42-ABA2-0BC069CD8E7F}" type="datetimeFigureOut">
               <a:rPr lang="en-US" smtClean="0"/>
-              <a:t>8/12/2020</a:t>
+              <a:t>8/13/2020</a:t>
             </a:fld>
             <a:endParaRPr lang="en-US"/>
           </a:p>
@@ -2727,7 +2727,7 @@
           <a:p>
             <a:fld id="{241EB5C9-1307-BA42-ABA2-0BC069CD8E7F}" type="datetimeFigureOut">
               <a:rPr lang="en-US" smtClean="0"/>
-              <a:t>8/12/2020</a:t>
+              <a:t>8/13/2020</a:t>
             </a:fld>
             <a:endParaRPr lang="en-US"/>
           </a:p>
@@ -3299,7 +3299,7 @@
           <p:nvPr>
             <p:extLst>
               <p:ext uri="{D42A27DB-BD31-4B8C-83A1-F6EECF244321}">
-                <p14:modId xmlns:p14="http://schemas.microsoft.com/office/powerpoint/2010/main" val="2728630963"/>
+                <p14:modId xmlns:p14="http://schemas.microsoft.com/office/powerpoint/2010/main" val="467203956"/>
               </p:ext>
             </p:extLst>
           </p:nvPr>
@@ -3399,38 +3399,40 @@
                         <a:buNone/>
                       </a:pPr>
                       <a:r>
-                        <a:t>1066.327</a:t>
-                      </a:r>
-                    </a:p>
-                  </a:txBody>
-                  <a:tcPr/>
-                </a:tc>
-                <a:tc>
-                  <a:txBody>
-                    <a:bodyPr/>
-                    <a:lstStyle/>
-                    <a:p>
-                      <a:pPr marL="0" lvl="0" indent="0" algn="r">
-                        <a:buNone/>
-                      </a:pPr>
-                      <a:r>
-                        <a:t>927.9713</a:t>
-                      </a:r>
-                    </a:p>
-                  </a:txBody>
-                  <a:tcPr/>
-                </a:tc>
-                <a:tc>
-                  <a:txBody>
-                    <a:bodyPr/>
-                    <a:lstStyle/>
-                    <a:p>
-                      <a:pPr marL="0" lvl="0" indent="0" algn="r">
-                        <a:buNone/>
-                      </a:pPr>
-                      <a:r>
                         <a:rPr dirty="0"/>
-                        <a:t>1093.938</a:t>
+                        <a:t>1344.524</a:t>
+                      </a:r>
+                    </a:p>
+                  </a:txBody>
+                  <a:tcPr/>
+                </a:tc>
+                <a:tc>
+                  <a:txBody>
+                    <a:bodyPr/>
+                    <a:lstStyle/>
+                    <a:p>
+                      <a:pPr marL="0" lvl="0" indent="0" algn="r">
+                        <a:buNone/>
+                      </a:pPr>
+                      <a:r>
+                        <a:rPr dirty="0"/>
+                        <a:t>838.0656</a:t>
+                      </a:r>
+                    </a:p>
+                  </a:txBody>
+                  <a:tcPr/>
+                </a:tc>
+                <a:tc>
+                  <a:txBody>
+                    <a:bodyPr/>
+                    <a:lstStyle/>
+                    <a:p>
+                      <a:pPr marL="0" lvl="0" indent="0" algn="r">
+                        <a:buNone/>
+                      </a:pPr>
+                      <a:r>
+                        <a:rPr dirty="0"/>
+                        <a:t>1177.885</a:t>
                       </a:r>
                     </a:p>
                   </a:txBody>
@@ -3481,7 +3483,12 @@
             <p:ph type="title"/>
           </p:nvPr>
         </p:nvSpPr>
-        <p:spPr/>
+        <p:spPr>
+          <a:xfrm>
+            <a:off x="457200" y="46343"/>
+            <a:ext cx="8229600" cy="1143000"/>
+          </a:xfrm>
+        </p:spPr>
         <p:txBody>
           <a:bodyPr/>
           <a:lstStyle/>
@@ -3490,8 +3497,14 @@
               <a:buNone/>
             </a:pPr>
             <a:r>
+              <a:rPr dirty="0"/>
               <a:t>Residual Plot</a:t>
             </a:r>
+            <a:r>
+              <a:rPr lang="en-US" dirty="0"/>
+              <a:t>s</a:t>
+            </a:r>
+            <a:endParaRPr dirty="0"/>
           </a:p>
         </p:txBody>
       </p:sp>
@@ -3505,7 +3518,12 @@
             <p:ph idx="1"/>
           </p:nvPr>
         </p:nvSpPr>
-        <p:spPr/>
+        <p:spPr>
+          <a:xfrm>
+            <a:off x="457200" y="950865"/>
+            <a:ext cx="8229600" cy="4525963"/>
+          </a:xfrm>
+        </p:spPr>
         <p:txBody>
           <a:bodyPr>
             <a:normAutofit/>
@@ -3564,8 +3582,80 @@
         </p:blipFill>
         <p:spPr bwMode="auto">
           <a:xfrm>
-            <a:off x="1752600" y="2062162"/>
-            <a:ext cx="5651500" cy="4521200"/>
+            <a:off x="341424" y="1381172"/>
+            <a:ext cx="3495477" cy="2796381"/>
+          </a:xfrm>
+          <a:prstGeom prst="rect">
+            <a:avLst/>
+          </a:prstGeom>
+          <a:noFill/>
+          <a:ln w="9525">
+            <a:noFill/>
+            <a:headEnd/>
+            <a:tailEnd/>
+          </a:ln>
+        </p:spPr>
+      </p:pic>
+      <p:pic>
+        <p:nvPicPr>
+          <p:cNvPr id="4" name="Picture 3" descr="casestudy2ppt_files/figure-pptx/unnamed-chunk-17-1.png">
+            <a:extLst>
+              <a:ext uri="{FF2B5EF4-FFF2-40B4-BE49-F238E27FC236}">
+                <a16:creationId xmlns:a16="http://schemas.microsoft.com/office/drawing/2014/main" id="{58107595-7B6D-414E-9D1F-DA0BD00B6E3E}"/>
+              </a:ext>
+            </a:extLst>
+          </p:cNvPr>
+          <p:cNvPicPr>
+            <a:picLocks noGrp="1" noChangeAspect="1"/>
+          </p:cNvPicPr>
+          <p:nvPr/>
+        </p:nvPicPr>
+        <p:blipFill>
+          <a:blip r:embed="rId3"/>
+          <a:stretch>
+            <a:fillRect/>
+          </a:stretch>
+        </p:blipFill>
+        <p:spPr bwMode="auto">
+          <a:xfrm>
+            <a:off x="5307098" y="1381171"/>
+            <a:ext cx="3495478" cy="2796382"/>
+          </a:xfrm>
+          <a:prstGeom prst="rect">
+            <a:avLst/>
+          </a:prstGeom>
+          <a:noFill/>
+          <a:ln w="9525">
+            <a:noFill/>
+            <a:headEnd/>
+            <a:tailEnd/>
+          </a:ln>
+        </p:spPr>
+      </p:pic>
+      <p:pic>
+        <p:nvPicPr>
+          <p:cNvPr id="8" name="Picture 7" descr="casestudy2ppt_files/figure-pptx/unnamed-chunk-18-1.png">
+            <a:extLst>
+              <a:ext uri="{FF2B5EF4-FFF2-40B4-BE49-F238E27FC236}">
+                <a16:creationId xmlns:a16="http://schemas.microsoft.com/office/drawing/2014/main" id="{B3A8981F-E35B-4C84-B4B1-B51E0CB33E86}"/>
+              </a:ext>
+            </a:extLst>
+          </p:cNvPr>
+          <p:cNvPicPr>
+            <a:picLocks noGrp="1" noChangeAspect="1"/>
+          </p:cNvPicPr>
+          <p:nvPr/>
+        </p:nvPicPr>
+        <p:blipFill>
+          <a:blip r:embed="rId4"/>
+          <a:stretch>
+            <a:fillRect/>
+          </a:stretch>
+        </p:blipFill>
+        <p:spPr bwMode="auto">
+          <a:xfrm>
+            <a:off x="2824261" y="4015276"/>
+            <a:ext cx="3495477" cy="2796381"/>
           </a:xfrm>
           <a:prstGeom prst="rect">
             <a:avLst/>
@@ -3637,7 +3727,7 @@
             <p:ph idx="1"/>
             <p:extLst>
               <p:ext uri="{D42A27DB-BD31-4B8C-83A1-F6EECF244321}">
-                <p14:modId xmlns:p14="http://schemas.microsoft.com/office/powerpoint/2010/main" val="3065221719"/>
+                <p14:modId xmlns:p14="http://schemas.microsoft.com/office/powerpoint/2010/main" val="3423641811"/>
               </p:ext>
             </p:extLst>
           </p:nvPr>
@@ -3736,7 +3826,7 @@
                       </a:r>
                       <a:r>
                         <a:rPr dirty="0"/>
-                        <a:t>5596.86</a:t>
+                        <a:t>6037.08</a:t>
                       </a:r>
                     </a:p>
                   </a:txBody>
@@ -3778,7 +3868,7 @@
                       </a:r>
                       <a:r>
                         <a:rPr dirty="0"/>
-                        <a:t>3093.20</a:t>
+                        <a:t>3369.88</a:t>
                       </a:r>
                     </a:p>
                   </a:txBody>
@@ -3820,7 +3910,7 @@
                       </a:r>
                       <a:r>
                         <a:rPr dirty="0"/>
-                        <a:t>13333.05</a:t>
+                        <a:t>11645.96</a:t>
                       </a:r>
                     </a:p>
                   </a:txBody>
@@ -3862,7 +3952,7 @@
                       </a:r>
                       <a:r>
                         <a:rPr dirty="0"/>
-                        <a:t>1914.13</a:t>
+                        <a:t>2810.90</a:t>
                       </a:r>
                     </a:p>
                   </a:txBody>
@@ -3904,7 +3994,7 @@
                       </a:r>
                       <a:r>
                         <a:rPr dirty="0"/>
-                        <a:t>2054.78</a:t>
+                        <a:t>2861.54</a:t>
                       </a:r>
                     </a:p>
                   </a:txBody>
@@ -3946,7 +4036,7 @@
                       </a:r>
                       <a:r>
                         <a:rPr dirty="0"/>
-                        <a:t>4633.11</a:t>
+                        <a:t>4670.47</a:t>
                       </a:r>
                     </a:p>
                   </a:txBody>
@@ -4051,10 +4141,10 @@
       </p:sp>
       <p:pic>
         <p:nvPicPr>
-          <p:cNvPr id="9" name="Picture 8">
+          <p:cNvPr id="6" name="Picture 5">
             <a:extLst>
               <a:ext uri="{FF2B5EF4-FFF2-40B4-BE49-F238E27FC236}">
-                <a16:creationId xmlns:a16="http://schemas.microsoft.com/office/drawing/2014/main" id="{50124770-F02A-4259-8A12-5CF61D48BB52}"/>
+                <a16:creationId xmlns:a16="http://schemas.microsoft.com/office/drawing/2014/main" id="{90845AAA-5811-4C64-B372-919B185C55AE}"/>
               </a:ext>
             </a:extLst>
           </p:cNvPr>
@@ -4071,8 +4161,8 @@
         </p:blipFill>
         <p:spPr>
           <a:xfrm>
-            <a:off x="4977047" y="2201126"/>
-            <a:ext cx="3709753" cy="3056674"/>
+            <a:off x="4977050" y="2180770"/>
+            <a:ext cx="3709753" cy="3077030"/>
           </a:xfrm>
           <a:prstGeom prst="rect">
             <a:avLst/>
@@ -4081,10 +4171,10 @@
       </p:pic>
       <p:pic>
         <p:nvPicPr>
-          <p:cNvPr id="11" name="Picture 10">
+          <p:cNvPr id="8" name="Picture 7">
             <a:extLst>
               <a:ext uri="{FF2B5EF4-FFF2-40B4-BE49-F238E27FC236}">
-                <a16:creationId xmlns:a16="http://schemas.microsoft.com/office/drawing/2014/main" id="{B3AD77EF-A0EC-426D-AAA9-1A2AA735E96C}"/>
+                <a16:creationId xmlns:a16="http://schemas.microsoft.com/office/drawing/2014/main" id="{BE335028-FCE9-4EFF-A264-4AE887C0DC3E}"/>
               </a:ext>
             </a:extLst>
           </p:cNvPr>
@@ -4101,8 +4191,8 @@
         </p:blipFill>
         <p:spPr>
           <a:xfrm>
-            <a:off x="457200" y="2201126"/>
-            <a:ext cx="3709752" cy="3056674"/>
+            <a:off x="457200" y="2180770"/>
+            <a:ext cx="3709754" cy="3077031"/>
           </a:xfrm>
           <a:prstGeom prst="rect">
             <a:avLst/>
@@ -4293,16 +4383,26 @@
       </p:sp>
       <p:graphicFrame>
         <p:nvGraphicFramePr>
-          <p:cNvPr id="6" name="Content Placeholder 5"/>
+          <p:cNvPr id="7" name="Content Placeholder 5">
+            <a:extLst>
+              <a:ext uri="{FF2B5EF4-FFF2-40B4-BE49-F238E27FC236}">
+                <a16:creationId xmlns:a16="http://schemas.microsoft.com/office/drawing/2014/main" id="{7AC8EBC0-92B9-444E-A9C6-E8BB9872742A}"/>
+              </a:ext>
+            </a:extLst>
+          </p:cNvPr>
           <p:cNvGraphicFramePr>
-            <a:graphicFrameLocks noGrp="1"/>
+            <a:graphicFrameLocks/>
           </p:cNvGraphicFramePr>
           <p:nvPr>
-            <p:ph idx="1"/>
+            <p:extLst>
+              <p:ext uri="{D42A27DB-BD31-4B8C-83A1-F6EECF244321}">
+                <p14:modId xmlns:p14="http://schemas.microsoft.com/office/powerpoint/2010/main" val="382809416"/>
+              </p:ext>
+            </p:extLst>
           </p:nvPr>
         </p:nvGraphicFramePr>
         <p:xfrm>
-          <a:off x="457200" y="1600200"/>
+          <a:off x="457200" y="1678482"/>
           <a:ext cx="8229600" cy="3657600"/>
         </p:xfrm>
         <a:graphic>
@@ -4312,26 +4412,44 @@
                 <a:tableStyleId>{5C22544A-7EE6-4342-B048-85BDC9FD1C3A}</a:tableStyleId>
               </a:tblPr>
               <a:tblGrid>
-                <a:gridCol w="8229600">
+                <a:gridCol w="4114800">
                   <a:extLst>
                     <a:ext uri="{9D8B030D-6E8A-4147-A177-3AD203B41FA5}">
                       <a16:colId xmlns:a16="http://schemas.microsoft.com/office/drawing/2014/main" val="20000"/>
                     </a:ext>
                   </a:extLst>
                 </a:gridCol>
+                <a:gridCol w="4114800">
+                  <a:extLst>
+                    <a:ext uri="{9D8B030D-6E8A-4147-A177-3AD203B41FA5}">
+                      <a16:colId xmlns:a16="http://schemas.microsoft.com/office/drawing/2014/main" val="3136652607"/>
+                    </a:ext>
+                  </a:extLst>
+                </a:gridCol>
               </a:tblGrid>
               <a:tr h="0">
-                <a:tc>
-                  <a:txBody>
-                    <a:bodyPr/>
-                    <a:lstStyle/>
-                    <a:p>
-                      <a:pPr marL="0" lvl="0" indent="0" algn="l">
-                        <a:buNone/>
-                      </a:pPr>
-                      <a:r>
+                <a:tc gridSpan="2">
+                  <a:txBody>
+                    <a:bodyPr/>
+                    <a:lstStyle/>
+                    <a:p>
+                      <a:pPr marL="0" lvl="0" indent="0" algn="ctr">
+                        <a:buNone/>
+                      </a:pPr>
+                      <a:r>
+                        <a:rPr sz="1800" dirty="0"/>
                         <a:t>Factor Variables</a:t>
                       </a:r>
+                    </a:p>
+                  </a:txBody>
+                  <a:tcPr/>
+                </a:tc>
+                <a:tc hMerge="1">
+                  <a:txBody>
+                    <a:bodyPr/>
+                    <a:lstStyle/>
+                    <a:p>
+                      <a:endParaRPr lang="en-US"/>
                     </a:p>
                   </a:txBody>
                   <a:tcPr/>
@@ -4352,8 +4470,27 @@
                         <a:buNone/>
                       </a:pPr>
                       <a:r>
-                        <a:t>Education</a:t>
-                      </a:r>
+                        <a:rPr sz="1800" dirty="0" err="1"/>
+                        <a:t>BusinessTravel</a:t>
+                      </a:r>
+                      <a:endParaRPr sz="1800" dirty="0"/>
+                    </a:p>
+                  </a:txBody>
+                  <a:tcPr/>
+                </a:tc>
+                <a:tc>
+                  <a:txBody>
+                    <a:bodyPr/>
+                    <a:lstStyle/>
+                    <a:p>
+                      <a:pPr marL="0" lvl="0" indent="0" algn="l">
+                        <a:buNone/>
+                      </a:pPr>
+                      <a:r>
+                        <a:rPr lang="en-US" sz="1800" dirty="0" err="1"/>
+                        <a:t>JobSatisfaction</a:t>
+                      </a:r>
+                      <a:endParaRPr lang="en-US" sz="1800" dirty="0"/>
                     </a:p>
                   </a:txBody>
                   <a:tcPr/>
@@ -4374,8 +4511,26 @@
                         <a:buNone/>
                       </a:pPr>
                       <a:r>
-                        <a:t>EnvironmentSatisfaction</a:t>
-                      </a:r>
+                        <a:rPr sz="1800" dirty="0"/>
+                        <a:t>Department</a:t>
+                      </a:r>
+                    </a:p>
+                  </a:txBody>
+                  <a:tcPr/>
+                </a:tc>
+                <a:tc>
+                  <a:txBody>
+                    <a:bodyPr/>
+                    <a:lstStyle/>
+                    <a:p>
+                      <a:pPr marL="0" lvl="0" indent="0" algn="l">
+                        <a:buNone/>
+                      </a:pPr>
+                      <a:r>
+                        <a:rPr lang="en-US" sz="1800"/>
+                        <a:t>MaritalStatus</a:t>
+                      </a:r>
+                      <a:endParaRPr lang="en-US" sz="1800" dirty="0"/>
                     </a:p>
                   </a:txBody>
                   <a:tcPr/>
@@ -4396,8 +4551,26 @@
                         <a:buNone/>
                       </a:pPr>
                       <a:r>
-                        <a:t>JobInvolvement</a:t>
-                      </a:r>
+                        <a:rPr sz="1800" dirty="0"/>
+                        <a:t>Education</a:t>
+                      </a:r>
+                    </a:p>
+                  </a:txBody>
+                  <a:tcPr/>
+                </a:tc>
+                <a:tc>
+                  <a:txBody>
+                    <a:bodyPr/>
+                    <a:lstStyle/>
+                    <a:p>
+                      <a:pPr marL="0" lvl="0" indent="0" algn="l">
+                        <a:buNone/>
+                      </a:pPr>
+                      <a:r>
+                        <a:rPr lang="en-US" sz="1800"/>
+                        <a:t>NumCompaniesWorked</a:t>
+                      </a:r>
+                      <a:endParaRPr lang="en-US" sz="1800" dirty="0"/>
                     </a:p>
                   </a:txBody>
                   <a:tcPr/>
@@ -4418,8 +4591,27 @@
                         <a:buNone/>
                       </a:pPr>
                       <a:r>
-                        <a:t>JobLevel</a:t>
-                      </a:r>
+                        <a:rPr sz="1800" dirty="0" err="1"/>
+                        <a:t>EducationField</a:t>
+                      </a:r>
+                      <a:endParaRPr sz="1800" dirty="0"/>
+                    </a:p>
+                  </a:txBody>
+                  <a:tcPr/>
+                </a:tc>
+                <a:tc>
+                  <a:txBody>
+                    <a:bodyPr/>
+                    <a:lstStyle/>
+                    <a:p>
+                      <a:pPr marL="0" lvl="0" indent="0" algn="l">
+                        <a:buNone/>
+                      </a:pPr>
+                      <a:r>
+                        <a:rPr lang="en-US" sz="1800"/>
+                        <a:t>OverTime</a:t>
+                      </a:r>
+                      <a:endParaRPr lang="en-US" sz="1800" dirty="0"/>
                     </a:p>
                   </a:txBody>
                   <a:tcPr/>
@@ -4440,8 +4632,27 @@
                         <a:buNone/>
                       </a:pPr>
                       <a:r>
-                        <a:t>JobSatisfaction</a:t>
-                      </a:r>
+                        <a:rPr sz="1800" dirty="0" err="1"/>
+                        <a:t>EnvironmentSatisfaction</a:t>
+                      </a:r>
+                      <a:endParaRPr sz="1800" dirty="0"/>
+                    </a:p>
+                  </a:txBody>
+                  <a:tcPr/>
+                </a:tc>
+                <a:tc>
+                  <a:txBody>
+                    <a:bodyPr/>
+                    <a:lstStyle/>
+                    <a:p>
+                      <a:pPr marL="0" lvl="0" indent="0" algn="l">
+                        <a:buNone/>
+                      </a:pPr>
+                      <a:r>
+                        <a:rPr lang="en-US" sz="1800"/>
+                        <a:t>PerformanceRating</a:t>
+                      </a:r>
+                      <a:endParaRPr lang="en-US" sz="1800" dirty="0"/>
                     </a:p>
                   </a:txBody>
                   <a:tcPr/>
@@ -4462,8 +4673,26 @@
                         <a:buNone/>
                       </a:pPr>
                       <a:r>
-                        <a:t>PerformanceRating</a:t>
-                      </a:r>
+                        <a:rPr sz="1800" dirty="0"/>
+                        <a:t>Gender</a:t>
+                      </a:r>
+                    </a:p>
+                  </a:txBody>
+                  <a:tcPr/>
+                </a:tc>
+                <a:tc>
+                  <a:txBody>
+                    <a:bodyPr/>
+                    <a:lstStyle/>
+                    <a:p>
+                      <a:pPr marL="0" lvl="0" indent="0" algn="l">
+                        <a:buNone/>
+                      </a:pPr>
+                      <a:r>
+                        <a:rPr lang="en-US" sz="1800"/>
+                        <a:t>RelationshipSatisfaction</a:t>
+                      </a:r>
+                      <a:endParaRPr lang="en-US" sz="1800" dirty="0"/>
                     </a:p>
                   </a:txBody>
                   <a:tcPr/>
@@ -4484,8 +4713,27 @@
                         <a:buNone/>
                       </a:pPr>
                       <a:r>
-                        <a:t>RelationshipSatisfaction</a:t>
-                      </a:r>
+                        <a:rPr sz="1800" dirty="0" err="1"/>
+                        <a:t>JobInvolvement</a:t>
+                      </a:r>
+                      <a:endParaRPr sz="1800" dirty="0"/>
+                    </a:p>
+                  </a:txBody>
+                  <a:tcPr/>
+                </a:tc>
+                <a:tc>
+                  <a:txBody>
+                    <a:bodyPr/>
+                    <a:lstStyle/>
+                    <a:p>
+                      <a:pPr marL="0" lvl="0" indent="0" algn="l">
+                        <a:buNone/>
+                      </a:pPr>
+                      <a:r>
+                        <a:rPr lang="en-US" sz="1800"/>
+                        <a:t>StockOptionLevel</a:t>
+                      </a:r>
+                      <a:endParaRPr lang="en-US" sz="1800" dirty="0"/>
                     </a:p>
                   </a:txBody>
                   <a:tcPr/>
@@ -4506,8 +4754,27 @@
                         <a:buNone/>
                       </a:pPr>
                       <a:r>
-                        <a:t>StockOptionLevel</a:t>
-                      </a:r>
+                        <a:rPr sz="1800" dirty="0" err="1"/>
+                        <a:t>JobLevel</a:t>
+                      </a:r>
+                      <a:endParaRPr sz="1800" dirty="0"/>
+                    </a:p>
+                  </a:txBody>
+                  <a:tcPr/>
+                </a:tc>
+                <a:tc>
+                  <a:txBody>
+                    <a:bodyPr/>
+                    <a:lstStyle/>
+                    <a:p>
+                      <a:pPr marL="0" lvl="0" indent="0" algn="l">
+                        <a:buNone/>
+                      </a:pPr>
+                      <a:r>
+                        <a:rPr lang="en-US" sz="1800"/>
+                        <a:t>TrainingTimesLastYear</a:t>
+                      </a:r>
+                      <a:endParaRPr lang="en-US" sz="1800" dirty="0"/>
                     </a:p>
                   </a:txBody>
                   <a:tcPr/>
@@ -4528,8 +4795,27 @@
                         <a:buNone/>
                       </a:pPr>
                       <a:r>
+                        <a:rPr lang="en-US" sz="1800"/>
+                        <a:t>JobRole</a:t>
+                      </a:r>
+                      <a:endParaRPr lang="en-US" sz="1800" dirty="0"/>
+                    </a:p>
+                  </a:txBody>
+                  <a:tcPr/>
+                </a:tc>
+                <a:tc>
+                  <a:txBody>
+                    <a:bodyPr/>
+                    <a:lstStyle/>
+                    <a:p>
+                      <a:pPr marL="0" lvl="0" indent="0" algn="l">
+                        <a:buNone/>
+                      </a:pPr>
+                      <a:r>
+                        <a:rPr lang="en-US" sz="1800" dirty="0" err="1"/>
                         <a:t>WorkLifeBalance</a:t>
                       </a:r>
+                      <a:endParaRPr lang="en-US" sz="1800" dirty="0"/>
                     </a:p>
                   </a:txBody>
                   <a:tcPr/>
@@ -6264,7 +6550,12 @@
             <p:ph idx="1"/>
           </p:nvPr>
         </p:nvSpPr>
-        <p:spPr/>
+        <p:spPr>
+          <a:xfrm>
+            <a:off x="457200" y="1166018"/>
+            <a:ext cx="8229600" cy="4525963"/>
+          </a:xfrm>
+        </p:spPr>
         <p:txBody>
           <a:bodyPr>
             <a:normAutofit/>
@@ -6330,13 +6621,13 @@
           <p:nvPr>
             <p:extLst>
               <p:ext uri="{D42A27DB-BD31-4B8C-83A1-F6EECF244321}">
-                <p14:modId xmlns:p14="http://schemas.microsoft.com/office/powerpoint/2010/main" val="881858719"/>
+                <p14:modId xmlns:p14="http://schemas.microsoft.com/office/powerpoint/2010/main" val="3605197556"/>
               </p:ext>
             </p:extLst>
           </p:nvPr>
         </p:nvGraphicFramePr>
         <p:xfrm>
-          <a:off x="457200" y="2697480"/>
+          <a:off x="457200" y="2321767"/>
           <a:ext cx="8229600" cy="731520"/>
         </p:xfrm>
         <a:graphic>
@@ -6431,38 +6722,40 @@
                         <a:buNone/>
                       </a:pPr>
                       <a:r>
-                        <a:t>0.8809524</a:t>
-                      </a:r>
-                    </a:p>
-                  </a:txBody>
-                  <a:tcPr/>
-                </a:tc>
-                <a:tc>
-                  <a:txBody>
-                    <a:bodyPr/>
-                    <a:lstStyle/>
-                    <a:p>
-                      <a:pPr marL="0" lvl="0" indent="0" algn="r">
-                        <a:buNone/>
-                      </a:pPr>
-                      <a:r>
-                        <a:t>0.8157895</a:t>
-                      </a:r>
-                    </a:p>
-                  </a:txBody>
-                  <a:tcPr/>
-                </a:tc>
-                <a:tc>
-                  <a:txBody>
-                    <a:bodyPr/>
-                    <a:lstStyle/>
-                    <a:p>
-                      <a:pPr marL="0" lvl="0" indent="0" algn="r">
-                        <a:buNone/>
-                      </a:pPr>
-                      <a:r>
                         <a:rPr dirty="0"/>
-                        <a:t>0.9347826</a:t>
+                        <a:t>0.8333333</a:t>
+                      </a:r>
+                    </a:p>
+                  </a:txBody>
+                  <a:tcPr/>
+                </a:tc>
+                <a:tc>
+                  <a:txBody>
+                    <a:bodyPr/>
+                    <a:lstStyle/>
+                    <a:p>
+                      <a:pPr marL="0" lvl="0" indent="0" algn="r">
+                        <a:buNone/>
+                      </a:pPr>
+                      <a:r>
+                        <a:rPr dirty="0"/>
+                        <a:t>0.8717949</a:t>
+                      </a:r>
+                    </a:p>
+                  </a:txBody>
+                  <a:tcPr/>
+                </a:tc>
+                <a:tc>
+                  <a:txBody>
+                    <a:bodyPr/>
+                    <a:lstStyle/>
+                    <a:p>
+                      <a:pPr marL="0" lvl="0" indent="0" algn="r">
+                        <a:buNone/>
+                      </a:pPr>
+                      <a:r>
+                        <a:rPr dirty="0"/>
+                        <a:t>0.8</a:t>
                       </a:r>
                     </a:p>
                   </a:txBody>
@@ -6493,13 +6786,13 @@
           <p:nvPr>
             <p:extLst>
               <p:ext uri="{D42A27DB-BD31-4B8C-83A1-F6EECF244321}">
-                <p14:modId xmlns:p14="http://schemas.microsoft.com/office/powerpoint/2010/main" val="679042462"/>
+                <p14:modId xmlns:p14="http://schemas.microsoft.com/office/powerpoint/2010/main" val="906155064"/>
               </p:ext>
             </p:extLst>
           </p:nvPr>
         </p:nvGraphicFramePr>
         <p:xfrm>
-          <a:off x="2377440" y="4079655"/>
+          <a:off x="2377440" y="3447036"/>
           <a:ext cx="4389120" cy="1097280"/>
         </p:xfrm>
         <a:graphic>
@@ -6617,7 +6910,7 @@
                       </a:pPr>
                       <a:r>
                         <a:rPr lang="en-US" dirty="0"/>
-                        <a:t>31</a:t>
+                        <a:t>34</a:t>
                       </a:r>
                       <a:endParaRPr dirty="0"/>
                     </a:p>
@@ -6638,7 +6931,7 @@
                       </a:pPr>
                       <a:r>
                         <a:rPr lang="en-US" dirty="0"/>
-                        <a:t>3</a:t>
+                        <a:t>9</a:t>
                       </a:r>
                       <a:endParaRPr dirty="0"/>
                     </a:p>
@@ -6679,7 +6972,7 @@
                       </a:pPr>
                       <a:r>
                         <a:rPr lang="en-US" dirty="0"/>
-                        <a:t>7</a:t>
+                        <a:t>5</a:t>
                       </a:r>
                       <a:endParaRPr dirty="0"/>
                     </a:p>
@@ -6696,7 +6989,7 @@
                       </a:pPr>
                       <a:r>
                         <a:rPr lang="en-US" dirty="0"/>
-                        <a:t>43</a:t>
+                        <a:t>36</a:t>
                       </a:r>
                       <a:endParaRPr dirty="0"/>
                     </a:p>
@@ -6717,53 +7010,274 @@
           </a:graphicData>
         </a:graphic>
       </p:graphicFrame>
-      <p:sp>
-        <p:nvSpPr>
-          <p:cNvPr id="14" name="TextBox 13">
+      <p:graphicFrame>
+        <p:nvGraphicFramePr>
+          <p:cNvPr id="9" name="Content Placeholder 5">
             <a:extLst>
               <a:ext uri="{FF2B5EF4-FFF2-40B4-BE49-F238E27FC236}">
-                <a16:creationId xmlns:a16="http://schemas.microsoft.com/office/drawing/2014/main" id="{3F3E8F14-1C2C-43F6-8107-E28E7B81200C}"/>
+                <a16:creationId xmlns:a16="http://schemas.microsoft.com/office/drawing/2014/main" id="{01203C29-C663-41CD-84BF-B2C621FAB6B1}"/>
               </a:ext>
             </a:extLst>
           </p:cNvPr>
-          <p:cNvSpPr txBox="1"/>
-          <p:nvPr/>
-        </p:nvSpPr>
-        <p:spPr>
-          <a:xfrm>
-            <a:off x="4332514" y="1225510"/>
-            <a:ext cx="4572000" cy="923330"/>
-          </a:xfrm>
-          <a:prstGeom prst="rect">
-            <a:avLst/>
-          </a:prstGeom>
-          <a:noFill/>
-        </p:spPr>
-        <p:txBody>
-          <a:bodyPr wrap="square">
-            <a:spAutoFit/>
-          </a:bodyPr>
-          <a:lstStyle/>
-          <a:p>
-            <a:r>
-              <a:rPr lang="en-US" dirty="0"/>
-              <a:t>	No	Yes</a:t>
-            </a:r>
-          </a:p>
-          <a:p>
-            <a:r>
-              <a:rPr lang="en-US" dirty="0"/>
-              <a:t>No	31	3</a:t>
-            </a:r>
-          </a:p>
-          <a:p>
-            <a:r>
-              <a:rPr lang="en-US" dirty="0"/>
-              <a:t>Yes	7	43</a:t>
-            </a:r>
-          </a:p>
-        </p:txBody>
-      </p:sp>
+          <p:cNvGraphicFramePr>
+            <a:graphicFrameLocks/>
+          </p:cNvGraphicFramePr>
+          <p:nvPr>
+            <p:extLst>
+              <p:ext uri="{D42A27DB-BD31-4B8C-83A1-F6EECF244321}">
+                <p14:modId xmlns:p14="http://schemas.microsoft.com/office/powerpoint/2010/main" val="185216458"/>
+              </p:ext>
+            </p:extLst>
+          </p:nvPr>
+        </p:nvGraphicFramePr>
+        <p:xfrm>
+          <a:off x="457200" y="4859675"/>
+          <a:ext cx="8229600" cy="1463040"/>
+        </p:xfrm>
+        <a:graphic>
+          <a:graphicData uri="http://schemas.openxmlformats.org/drawingml/2006/table">
+            <a:tbl>
+              <a:tblPr firstRow="1" bandRow="1">
+                <a:tableStyleId>{5C22544A-7EE6-4342-B048-85BDC9FD1C3A}</a:tableStyleId>
+              </a:tblPr>
+              <a:tblGrid>
+                <a:gridCol w="2743200">
+                  <a:extLst>
+                    <a:ext uri="{9D8B030D-6E8A-4147-A177-3AD203B41FA5}">
+                      <a16:colId xmlns:a16="http://schemas.microsoft.com/office/drawing/2014/main" val="20000"/>
+                    </a:ext>
+                  </a:extLst>
+                </a:gridCol>
+                <a:gridCol w="2743200">
+                  <a:extLst>
+                    <a:ext uri="{9D8B030D-6E8A-4147-A177-3AD203B41FA5}">
+                      <a16:colId xmlns:a16="http://schemas.microsoft.com/office/drawing/2014/main" val="20001"/>
+                    </a:ext>
+                  </a:extLst>
+                </a:gridCol>
+                <a:gridCol w="2743200">
+                  <a:extLst>
+                    <a:ext uri="{9D8B030D-6E8A-4147-A177-3AD203B41FA5}">
+                      <a16:colId xmlns:a16="http://schemas.microsoft.com/office/drawing/2014/main" val="20002"/>
+                    </a:ext>
+                  </a:extLst>
+                </a:gridCol>
+              </a:tblGrid>
+              <a:tr h="0">
+                <a:tc>
+                  <a:txBody>
+                    <a:bodyPr/>
+                    <a:lstStyle/>
+                    <a:p>
+                      <a:pPr marL="0" lvl="0" indent="0" algn="l">
+                        <a:buNone/>
+                      </a:pPr>
+                      <a:r>
+                        <a:rPr dirty="0"/>
+                        <a:t>Factor</a:t>
+                      </a:r>
+                    </a:p>
+                  </a:txBody>
+                  <a:tcPr/>
+                </a:tc>
+                <a:tc>
+                  <a:txBody>
+                    <a:bodyPr/>
+                    <a:lstStyle/>
+                    <a:p>
+                      <a:pPr marL="0" lvl="0" indent="0" algn="l">
+                        <a:buNone/>
+                      </a:pPr>
+                      <a:r>
+                        <a:rPr dirty="0"/>
+                        <a:t>Level</a:t>
+                      </a:r>
+                    </a:p>
+                  </a:txBody>
+                  <a:tcPr/>
+                </a:tc>
+                <a:tc>
+                  <a:txBody>
+                    <a:bodyPr/>
+                    <a:lstStyle/>
+                    <a:p>
+                      <a:pPr marL="0" lvl="0" indent="0" algn="r">
+                        <a:buNone/>
+                      </a:pPr>
+                      <a:r>
+                        <a:t>Probability</a:t>
+                      </a:r>
+                    </a:p>
+                  </a:txBody>
+                  <a:tcPr/>
+                </a:tc>
+                <a:extLst>
+                  <a:ext uri="{0D108BD9-81ED-4DB2-BD59-A6C34878D82A}">
+                    <a16:rowId xmlns:a16="http://schemas.microsoft.com/office/drawing/2014/main" val="10000"/>
+                  </a:ext>
+                </a:extLst>
+              </a:tr>
+              <a:tr h="0">
+                <a:tc>
+                  <a:txBody>
+                    <a:bodyPr/>
+                    <a:lstStyle/>
+                    <a:p>
+                      <a:pPr marL="0" lvl="0" indent="0" algn="l">
+                        <a:buNone/>
+                      </a:pPr>
+                      <a:r>
+                        <a:t>BusinessTravel</a:t>
+                      </a:r>
+                    </a:p>
+                  </a:txBody>
+                  <a:tcPr/>
+                </a:tc>
+                <a:tc>
+                  <a:txBody>
+                    <a:bodyPr/>
+                    <a:lstStyle/>
+                    <a:p>
+                      <a:pPr marL="0" lvl="0" indent="0" algn="l">
+                        <a:buNone/>
+                      </a:pPr>
+                      <a:r>
+                        <a:t>Travel_Rarely</a:t>
+                      </a:r>
+                    </a:p>
+                  </a:txBody>
+                  <a:tcPr/>
+                </a:tc>
+                <a:tc>
+                  <a:txBody>
+                    <a:bodyPr/>
+                    <a:lstStyle/>
+                    <a:p>
+                      <a:pPr marL="0" lvl="0" indent="0" algn="r">
+                        <a:buNone/>
+                      </a:pPr>
+                      <a:r>
+                        <a:t>0.6842105</a:t>
+                      </a:r>
+                    </a:p>
+                  </a:txBody>
+                  <a:tcPr/>
+                </a:tc>
+                <a:extLst>
+                  <a:ext uri="{0D108BD9-81ED-4DB2-BD59-A6C34878D82A}">
+                    <a16:rowId xmlns:a16="http://schemas.microsoft.com/office/drawing/2014/main" val="10001"/>
+                  </a:ext>
+                </a:extLst>
+              </a:tr>
+              <a:tr h="0">
+                <a:tc>
+                  <a:txBody>
+                    <a:bodyPr/>
+                    <a:lstStyle/>
+                    <a:p>
+                      <a:pPr marL="0" lvl="0" indent="0" algn="l">
+                        <a:buNone/>
+                      </a:pPr>
+                      <a:r>
+                        <a:t>StockOptionLevel</a:t>
+                      </a:r>
+                    </a:p>
+                  </a:txBody>
+                  <a:tcPr/>
+                </a:tc>
+                <a:tc>
+                  <a:txBody>
+                    <a:bodyPr/>
+                    <a:lstStyle/>
+                    <a:p>
+                      <a:pPr marL="0" lvl="0" indent="0" algn="l">
+                        <a:buNone/>
+                      </a:pPr>
+                      <a:r>
+                        <a:t>0</a:t>
+                      </a:r>
+                    </a:p>
+                  </a:txBody>
+                  <a:tcPr/>
+                </a:tc>
+                <a:tc>
+                  <a:txBody>
+                    <a:bodyPr/>
+                    <a:lstStyle/>
+                    <a:p>
+                      <a:pPr marL="0" lvl="0" indent="0" algn="r">
+                        <a:buNone/>
+                      </a:pPr>
+                      <a:r>
+                        <a:t>0.7157895</a:t>
+                      </a:r>
+                    </a:p>
+                  </a:txBody>
+                  <a:tcPr/>
+                </a:tc>
+                <a:extLst>
+                  <a:ext uri="{0D108BD9-81ED-4DB2-BD59-A6C34878D82A}">
+                    <a16:rowId xmlns:a16="http://schemas.microsoft.com/office/drawing/2014/main" val="10002"/>
+                  </a:ext>
+                </a:extLst>
+              </a:tr>
+              <a:tr h="0">
+                <a:tc>
+                  <a:txBody>
+                    <a:bodyPr/>
+                    <a:lstStyle/>
+                    <a:p>
+                      <a:pPr marL="0" lvl="0" indent="0" algn="l">
+                        <a:buNone/>
+                      </a:pPr>
+                      <a:r>
+                        <a:t>PerformanceRating</a:t>
+                      </a:r>
+                    </a:p>
+                  </a:txBody>
+                  <a:tcPr/>
+                </a:tc>
+                <a:tc>
+                  <a:txBody>
+                    <a:bodyPr/>
+                    <a:lstStyle/>
+                    <a:p>
+                      <a:pPr marL="0" lvl="0" indent="0" algn="l">
+                        <a:buNone/>
+                      </a:pPr>
+                      <a:r>
+                        <a:t>3</a:t>
+                      </a:r>
+                    </a:p>
+                  </a:txBody>
+                  <a:tcPr/>
+                </a:tc>
+                <a:tc>
+                  <a:txBody>
+                    <a:bodyPr/>
+                    <a:lstStyle/>
+                    <a:p>
+                      <a:pPr marL="0" lvl="0" indent="0" algn="r">
+                        <a:buNone/>
+                      </a:pPr>
+                      <a:r>
+                        <a:rPr dirty="0"/>
+                        <a:t>0.8526316</a:t>
+                      </a:r>
+                    </a:p>
+                  </a:txBody>
+                  <a:tcPr/>
+                </a:tc>
+                <a:extLst>
+                  <a:ext uri="{0D108BD9-81ED-4DB2-BD59-A6C34878D82A}">
+                    <a16:rowId xmlns:a16="http://schemas.microsoft.com/office/drawing/2014/main" val="10003"/>
+                  </a:ext>
+                </a:extLst>
+              </a:tr>
+            </a:tbl>
+          </a:graphicData>
+        </a:graphic>
+      </p:graphicFrame>
     </p:spTree>
   </p:cSld>
   <p:clrMapOvr>
@@ -7300,7 +7814,7 @@
           <p:nvPr>
             <p:extLst>
               <p:ext uri="{D42A27DB-BD31-4B8C-83A1-F6EECF244321}">
-                <p14:modId xmlns:p14="http://schemas.microsoft.com/office/powerpoint/2010/main" val="757780110"/>
+                <p14:modId xmlns:p14="http://schemas.microsoft.com/office/powerpoint/2010/main" val="664112568"/>
               </p:ext>
             </p:extLst>
           </p:nvPr>
@@ -7467,7 +7981,7 @@
                         <a:buNone/>
                       </a:pPr>
                       <a:r>
-                        <a:t>0.0025671</a:t>
+                        <a:t>0.0081896</a:t>
                       </a:r>
                     </a:p>
                   </a:txBody>
@@ -7542,7 +8056,7 @@
                         <a:buNone/>
                       </a:pPr>
                       <a:r>
-                        <a:t>0.0000000</a:t>
+                        <a:t>0.0000171</a:t>
                       </a:r>
                     </a:p>
                   </a:txBody>
@@ -7579,7 +8093,7 @@
                         <a:buNone/>
                       </a:pPr>
                       <a:r>
-                        <a:t>0.0002550</a:t>
+                        <a:t>0.0000008</a:t>
                       </a:r>
                     </a:p>
                   </a:txBody>
@@ -7601,22 +8115,22 @@
                         <a:buNone/>
                       </a:pPr>
                       <a:r>
-                        <a:t>EmployeeNumber</a:t>
-                      </a:r>
-                    </a:p>
-                  </a:txBody>
-                  <a:tcPr/>
-                </a:tc>
-                <a:tc>
-                  <a:txBody>
-                    <a:bodyPr/>
-                    <a:lstStyle/>
-                    <a:p>
-                      <a:pPr marL="0" lvl="0" indent="0" algn="r">
-                        <a:buNone/>
-                      </a:pPr>
-                      <a:r>
-                        <a:t>0.0000001</a:t>
+                        <a:t>EnvironmentSatisfaction</a:t>
+                      </a:r>
+                    </a:p>
+                  </a:txBody>
+                  <a:tcPr/>
+                </a:tc>
+                <a:tc>
+                  <a:txBody>
+                    <a:bodyPr/>
+                    <a:lstStyle/>
+                    <a:p>
+                      <a:pPr marL="0" lvl="0" indent="0" algn="r">
+                        <a:buNone/>
+                      </a:pPr>
+                      <a:r>
+                        <a:t>0.0002293</a:t>
                       </a:r>
                     </a:p>
                   </a:txBody>
@@ -7638,22 +8152,22 @@
                         <a:buNone/>
                       </a:pPr>
                       <a:r>
-                        <a:t>EnvironmentSatisfaction</a:t>
-                      </a:r>
-                    </a:p>
-                  </a:txBody>
-                  <a:tcPr/>
-                </a:tc>
-                <a:tc>
-                  <a:txBody>
-                    <a:bodyPr/>
-                    <a:lstStyle/>
-                    <a:p>
-                      <a:pPr marL="0" lvl="0" indent="0" algn="r">
-                        <a:buNone/>
-                      </a:pPr>
-                      <a:r>
-                        <a:t>0.0000148</a:t>
+                        <a:t>Gender</a:t>
+                      </a:r>
+                    </a:p>
+                  </a:txBody>
+                  <a:tcPr/>
+                </a:tc>
+                <a:tc>
+                  <a:txBody>
+                    <a:bodyPr/>
+                    <a:lstStyle/>
+                    <a:p>
+                      <a:pPr marL="0" lvl="0" indent="0" algn="r">
+                        <a:buNone/>
+                      </a:pPr>
+                      <a:r>
+                        <a:t>0.0007025</a:t>
                       </a:r>
                     </a:p>
                   </a:txBody>
@@ -7675,7 +8189,7 @@
                         <a:buNone/>
                       </a:pPr>
                       <a:r>
-                        <a:t>JobLevel</a:t>
+                        <a:t>JobInvolvement</a:t>
                       </a:r>
                     </a:p>
                   </a:txBody>
@@ -7712,7 +8226,7 @@
                         <a:buNone/>
                       </a:pPr>
                       <a:r>
-                        <a:t>JobRole</a:t>
+                        <a:t>JobLevel</a:t>
                       </a:r>
                     </a:p>
                   </a:txBody>

--- a/Slides/casestudy2ppt.pptx
+++ b/Slides/casestudy2ppt.pptx
@@ -6,18 +6,15 @@
   </p:sldMasterIdLst>
   <p:sldIdLst>
     <p:sldId id="256" r:id="rId2"/>
-    <p:sldId id="257" r:id="rId3"/>
-    <p:sldId id="259" r:id="rId4"/>
-    <p:sldId id="260" r:id="rId5"/>
-    <p:sldId id="262" r:id="rId6"/>
-    <p:sldId id="265" r:id="rId7"/>
-    <p:sldId id="267" r:id="rId8"/>
-    <p:sldId id="268" r:id="rId9"/>
-    <p:sldId id="269" r:id="rId10"/>
-    <p:sldId id="271" r:id="rId11"/>
-    <p:sldId id="273" r:id="rId12"/>
-    <p:sldId id="275" r:id="rId13"/>
-    <p:sldId id="276" r:id="rId14"/>
+    <p:sldId id="265" r:id="rId3"/>
+    <p:sldId id="268" r:id="rId4"/>
+    <p:sldId id="269" r:id="rId5"/>
+    <p:sldId id="271" r:id="rId6"/>
+    <p:sldId id="273" r:id="rId7"/>
+    <p:sldId id="276" r:id="rId8"/>
+    <p:sldId id="277" r:id="rId9"/>
+    <p:sldId id="278" r:id="rId10"/>
+    <p:sldId id="279" r:id="rId11"/>
   </p:sldIdLst>
   <p:sldSz cx="9144000" cy="6858000" type="screen4x3"/>
   <p:notesSz cx="6858000" cy="9144000"/>
@@ -314,7 +311,7 @@
           <a:p>
             <a:fld id="{241EB5C9-1307-BA42-ABA2-0BC069CD8E7F}" type="datetimeFigureOut">
               <a:rPr lang="en-US" smtClean="0"/>
-              <a:t>8/13/2020</a:t>
+              <a:t>8/14/2020</a:t>
             </a:fld>
             <a:endParaRPr lang="en-US"/>
           </a:p>
@@ -482,7 +479,7 @@
           <a:p>
             <a:fld id="{241EB5C9-1307-BA42-ABA2-0BC069CD8E7F}" type="datetimeFigureOut">
               <a:rPr lang="en-US" smtClean="0"/>
-              <a:t>8/13/2020</a:t>
+              <a:t>8/14/2020</a:t>
             </a:fld>
             <a:endParaRPr lang="en-US"/>
           </a:p>
@@ -660,7 +657,7 @@
           <a:p>
             <a:fld id="{241EB5C9-1307-BA42-ABA2-0BC069CD8E7F}" type="datetimeFigureOut">
               <a:rPr lang="en-US" smtClean="0"/>
-              <a:t>8/13/2020</a:t>
+              <a:t>8/14/2020</a:t>
             </a:fld>
             <a:endParaRPr lang="en-US"/>
           </a:p>
@@ -828,7 +825,7 @@
           <a:p>
             <a:fld id="{241EB5C9-1307-BA42-ABA2-0BC069CD8E7F}" type="datetimeFigureOut">
               <a:rPr lang="en-US" smtClean="0"/>
-              <a:t>8/13/2020</a:t>
+              <a:t>8/14/2020</a:t>
             </a:fld>
             <a:endParaRPr lang="en-US"/>
           </a:p>
@@ -1073,7 +1070,7 @@
           <a:p>
             <a:fld id="{241EB5C9-1307-BA42-ABA2-0BC069CD8E7F}" type="datetimeFigureOut">
               <a:rPr lang="en-US" smtClean="0"/>
-              <a:t>8/13/2020</a:t>
+              <a:t>8/14/2020</a:t>
             </a:fld>
             <a:endParaRPr lang="en-US"/>
           </a:p>
@@ -1358,7 +1355,7 @@
           <a:p>
             <a:fld id="{241EB5C9-1307-BA42-ABA2-0BC069CD8E7F}" type="datetimeFigureOut">
               <a:rPr lang="en-US" smtClean="0"/>
-              <a:t>8/13/2020</a:t>
+              <a:t>8/14/2020</a:t>
             </a:fld>
             <a:endParaRPr lang="en-US"/>
           </a:p>
@@ -1777,7 +1774,7 @@
           <a:p>
             <a:fld id="{241EB5C9-1307-BA42-ABA2-0BC069CD8E7F}" type="datetimeFigureOut">
               <a:rPr lang="en-US" smtClean="0"/>
-              <a:t>8/13/2020</a:t>
+              <a:t>8/14/2020</a:t>
             </a:fld>
             <a:endParaRPr lang="en-US"/>
           </a:p>
@@ -1894,7 +1891,7 @@
           <a:p>
             <a:fld id="{241EB5C9-1307-BA42-ABA2-0BC069CD8E7F}" type="datetimeFigureOut">
               <a:rPr lang="en-US" smtClean="0"/>
-              <a:t>8/13/2020</a:t>
+              <a:t>8/14/2020</a:t>
             </a:fld>
             <a:endParaRPr lang="en-US"/>
           </a:p>
@@ -1989,7 +1986,7 @@
           <a:p>
             <a:fld id="{241EB5C9-1307-BA42-ABA2-0BC069CD8E7F}" type="datetimeFigureOut">
               <a:rPr lang="en-US" smtClean="0"/>
-              <a:t>8/13/2020</a:t>
+              <a:t>8/14/2020</a:t>
             </a:fld>
             <a:endParaRPr lang="en-US"/>
           </a:p>
@@ -2264,7 +2261,7 @@
           <a:p>
             <a:fld id="{241EB5C9-1307-BA42-ABA2-0BC069CD8E7F}" type="datetimeFigureOut">
               <a:rPr lang="en-US" smtClean="0"/>
-              <a:t>8/13/2020</a:t>
+              <a:t>8/14/2020</a:t>
             </a:fld>
             <a:endParaRPr lang="en-US"/>
           </a:p>
@@ -2516,7 +2513,7 @@
           <a:p>
             <a:fld id="{241EB5C9-1307-BA42-ABA2-0BC069CD8E7F}" type="datetimeFigureOut">
               <a:rPr lang="en-US" smtClean="0"/>
-              <a:t>8/13/2020</a:t>
+              <a:t>8/14/2020</a:t>
             </a:fld>
             <a:endParaRPr lang="en-US"/>
           </a:p>
@@ -2727,7 +2724,7 @@
           <a:p>
             <a:fld id="{241EB5C9-1307-BA42-ABA2-0BC069CD8E7F}" type="datetimeFigureOut">
               <a:rPr lang="en-US" smtClean="0"/>
-              <a:t>8/13/2020</a:t>
+              <a:t>8/14/2020</a:t>
             </a:fld>
             <a:endParaRPr lang="en-US"/>
           </a:p>
@@ -3126,8 +3123,21 @@
               <a:buNone/>
             </a:pPr>
             <a:r>
-              <a:t>Case Study 2 DDS</a:t>
-            </a:r>
+              <a:rPr lang="en-US" dirty="0" err="1"/>
+              <a:t>DDSAnalytics</a:t>
+            </a:r>
+            <a:r>
+              <a:rPr lang="en-US" dirty="0"/>
+              <a:t> Modeling for </a:t>
+            </a:r>
+            <a:br>
+              <a:rPr lang="en-US" dirty="0"/>
+            </a:br>
+            <a:r>
+              <a:rPr lang="en-US" dirty="0"/>
+              <a:t>Frito-Lay</a:t>
+            </a:r>
+            <a:endParaRPr dirty="0"/>
           </a:p>
         </p:txBody>
       </p:sp>
@@ -3211,995 +3221,90 @@
           <a:chExt cx="0" cy="0"/>
         </a:xfrm>
       </p:grpSpPr>
-      <p:sp>
-        <p:nvSpPr>
-          <p:cNvPr id="2" name="Title 1"/>
-          <p:cNvSpPr>
-            <a:spLocks noGrp="1"/>
-          </p:cNvSpPr>
-          <p:nvPr>
-            <p:ph type="title"/>
-          </p:nvPr>
-        </p:nvSpPr>
-        <p:spPr/>
-        <p:txBody>
-          <a:bodyPr>
-            <a:normAutofit fontScale="90000"/>
-          </a:bodyPr>
-          <a:lstStyle/>
-          <a:p>
-            <a:pPr marL="0" lvl="0" indent="0">
-              <a:buNone/>
-            </a:pPr>
-            <a:r>
-              <a:t>Use linear model to make prediction on test set.</a:t>
-            </a:r>
-          </a:p>
-        </p:txBody>
-      </p:sp>
-      <p:sp>
-        <p:nvSpPr>
-          <p:cNvPr id="3" name="Content Placeholder 2"/>
-          <p:cNvSpPr>
-            <a:spLocks noGrp="1"/>
-          </p:cNvSpPr>
-          <p:nvPr>
-            <p:ph idx="1"/>
-          </p:nvPr>
-        </p:nvSpPr>
-        <p:spPr/>
-        <p:txBody>
-          <a:bodyPr>
-            <a:normAutofit/>
-          </a:bodyPr>
-          <a:lstStyle/>
-          <a:p>
-            <a:pPr marL="0" lvl="0" indent="0">
-              <a:spcBef>
-                <a:spcPts val="3000"/>
-              </a:spcBef>
-              <a:buNone/>
-            </a:pPr>
-            <a:r>
-              <a:rPr sz="1200" b="1" dirty="0"/>
-              <a:t>RMSE tells deviation from our model in dollars.</a:t>
-            </a:r>
-            <a:br>
-              <a:rPr lang="en-US" sz="1200" b="1" dirty="0"/>
-            </a:br>
-            <a:r>
-              <a:rPr sz="1200" b="1" dirty="0"/>
-              <a:t>Here we can see the RMSE when the model is run on our test, training, and full datasets.</a:t>
-            </a:r>
-            <a:endParaRPr lang="en-US" sz="1200" b="1" dirty="0"/>
-          </a:p>
-          <a:p>
-            <a:pPr marL="0" lvl="0" indent="0">
-              <a:spcBef>
-                <a:spcPts val="3000"/>
-              </a:spcBef>
-              <a:buNone/>
-            </a:pPr>
-            <a:endParaRPr sz="1200" b="1" dirty="0"/>
-          </a:p>
-        </p:txBody>
-      </p:sp>
-      <p:graphicFrame>
-        <p:nvGraphicFramePr>
-          <p:cNvPr id="4" name="Content Placeholder 5">
+      <p:pic>
+        <p:nvPicPr>
+          <p:cNvPr id="2" name="Picture 1">
             <a:extLst>
               <a:ext uri="{FF2B5EF4-FFF2-40B4-BE49-F238E27FC236}">
-                <a16:creationId xmlns:a16="http://schemas.microsoft.com/office/drawing/2014/main" id="{75951429-1F96-4BBE-9381-BE5BE07A6702}"/>
+                <a16:creationId xmlns:a16="http://schemas.microsoft.com/office/drawing/2014/main" id="{0311EE8F-3EE0-4937-9DFC-BC68EC1B23D3}"/>
               </a:ext>
             </a:extLst>
           </p:cNvPr>
-          <p:cNvGraphicFramePr>
-            <a:graphicFrameLocks/>
-          </p:cNvGraphicFramePr>
-          <p:nvPr>
-            <p:extLst>
-              <p:ext uri="{D42A27DB-BD31-4B8C-83A1-F6EECF244321}">
-                <p14:modId xmlns:p14="http://schemas.microsoft.com/office/powerpoint/2010/main" val="467203956"/>
-              </p:ext>
-            </p:extLst>
-          </p:nvPr>
-        </p:nvGraphicFramePr>
-        <p:xfrm>
-          <a:off x="2103120" y="2468569"/>
-          <a:ext cx="4937760" cy="731520"/>
-        </p:xfrm>
-        <a:graphic>
-          <a:graphicData uri="http://schemas.openxmlformats.org/drawingml/2006/table">
-            <a:tbl>
-              <a:tblPr firstRow="1" bandRow="1">
-                <a:tableStyleId>{5C22544A-7EE6-4342-B048-85BDC9FD1C3A}</a:tableStyleId>
-              </a:tblPr>
-              <a:tblGrid>
-                <a:gridCol w="1645920">
-                  <a:extLst>
-                    <a:ext uri="{9D8B030D-6E8A-4147-A177-3AD203B41FA5}">
-                      <a16:colId xmlns:a16="http://schemas.microsoft.com/office/drawing/2014/main" val="20000"/>
-                    </a:ext>
-                  </a:extLst>
-                </a:gridCol>
-                <a:gridCol w="1645920">
-                  <a:extLst>
-                    <a:ext uri="{9D8B030D-6E8A-4147-A177-3AD203B41FA5}">
-                      <a16:colId xmlns:a16="http://schemas.microsoft.com/office/drawing/2014/main" val="20001"/>
-                    </a:ext>
-                  </a:extLst>
-                </a:gridCol>
-                <a:gridCol w="1645920">
-                  <a:extLst>
-                    <a:ext uri="{9D8B030D-6E8A-4147-A177-3AD203B41FA5}">
-                      <a16:colId xmlns:a16="http://schemas.microsoft.com/office/drawing/2014/main" val="20002"/>
-                    </a:ext>
-                  </a:extLst>
-                </a:gridCol>
-              </a:tblGrid>
-              <a:tr h="0">
-                <a:tc>
-                  <a:txBody>
-                    <a:bodyPr/>
-                    <a:lstStyle/>
-                    <a:p>
-                      <a:pPr marL="0" lvl="0" indent="0" algn="r">
-                        <a:buNone/>
-                      </a:pPr>
-                      <a:r>
-                        <a:t>Test RMSE</a:t>
-                      </a:r>
-                    </a:p>
-                  </a:txBody>
-                  <a:tcPr/>
-                </a:tc>
-                <a:tc>
-                  <a:txBody>
-                    <a:bodyPr/>
-                    <a:lstStyle/>
-                    <a:p>
-                      <a:pPr marL="0" lvl="0" indent="0" algn="r">
-                        <a:buNone/>
-                      </a:pPr>
-                      <a:r>
-                        <a:t>Train RMSE</a:t>
-                      </a:r>
-                    </a:p>
-                  </a:txBody>
-                  <a:tcPr/>
-                </a:tc>
-                <a:tc>
-                  <a:txBody>
-                    <a:bodyPr/>
-                    <a:lstStyle/>
-                    <a:p>
-                      <a:pPr marL="0" lvl="0" indent="0" algn="r">
-                        <a:buNone/>
-                      </a:pPr>
-                      <a:r>
-                        <a:t>Full RMSE</a:t>
-                      </a:r>
-                    </a:p>
-                  </a:txBody>
-                  <a:tcPr/>
-                </a:tc>
-                <a:extLst>
-                  <a:ext uri="{0D108BD9-81ED-4DB2-BD59-A6C34878D82A}">
-                    <a16:rowId xmlns:a16="http://schemas.microsoft.com/office/drawing/2014/main" val="10000"/>
-                  </a:ext>
-                </a:extLst>
-              </a:tr>
-              <a:tr h="0">
-                <a:tc>
-                  <a:txBody>
-                    <a:bodyPr/>
-                    <a:lstStyle/>
-                    <a:p>
-                      <a:pPr marL="0" lvl="0" indent="0" algn="r">
-                        <a:buNone/>
-                      </a:pPr>
-                      <a:r>
-                        <a:rPr dirty="0"/>
-                        <a:t>1344.524</a:t>
-                      </a:r>
-                    </a:p>
-                  </a:txBody>
-                  <a:tcPr/>
-                </a:tc>
-                <a:tc>
-                  <a:txBody>
-                    <a:bodyPr/>
-                    <a:lstStyle/>
-                    <a:p>
-                      <a:pPr marL="0" lvl="0" indent="0" algn="r">
-                        <a:buNone/>
-                      </a:pPr>
-                      <a:r>
-                        <a:rPr dirty="0"/>
-                        <a:t>838.0656</a:t>
-                      </a:r>
-                    </a:p>
-                  </a:txBody>
-                  <a:tcPr/>
-                </a:tc>
-                <a:tc>
-                  <a:txBody>
-                    <a:bodyPr/>
-                    <a:lstStyle/>
-                    <a:p>
-                      <a:pPr marL="0" lvl="0" indent="0" algn="r">
-                        <a:buNone/>
-                      </a:pPr>
-                      <a:r>
-                        <a:rPr dirty="0"/>
-                        <a:t>1177.885</a:t>
-                      </a:r>
-                    </a:p>
-                  </a:txBody>
-                  <a:tcPr/>
-                </a:tc>
-                <a:extLst>
-                  <a:ext uri="{0D108BD9-81ED-4DB2-BD59-A6C34878D82A}">
-                    <a16:rowId xmlns:a16="http://schemas.microsoft.com/office/drawing/2014/main" val="10001"/>
-                  </a:ext>
-                </a:extLst>
-              </a:tr>
-            </a:tbl>
-          </a:graphicData>
-        </a:graphic>
-      </p:graphicFrame>
-    </p:spTree>
-  </p:cSld>
-  <p:clrMapOvr>
-    <a:masterClrMapping/>
-  </p:clrMapOvr>
-</p:sld>
-</file>
-
-<file path=ppt/slides/slide11.xml><?xml version="1.0" encoding="utf-8"?>
-<p:sld xmlns:a="http://schemas.openxmlformats.org/drawingml/2006/main" xmlns:r="http://schemas.openxmlformats.org/officeDocument/2006/relationships" xmlns:p="http://schemas.openxmlformats.org/presentationml/2006/main">
-  <p:cSld>
-    <p:spTree>
-      <p:nvGrpSpPr>
-        <p:cNvPr id="1" name=""/>
-        <p:cNvGrpSpPr/>
-        <p:nvPr/>
-      </p:nvGrpSpPr>
-      <p:grpSpPr>
-        <a:xfrm>
-          <a:off x="0" y="0"/>
-          <a:ext cx="0" cy="0"/>
-          <a:chOff x="0" y="0"/>
-          <a:chExt cx="0" cy="0"/>
-        </a:xfrm>
-      </p:grpSpPr>
-      <p:sp>
-        <p:nvSpPr>
-          <p:cNvPr id="2" name="Title 1"/>
-          <p:cNvSpPr>
-            <a:spLocks noGrp="1"/>
-          </p:cNvSpPr>
-          <p:nvPr>
-            <p:ph type="title"/>
-          </p:nvPr>
-        </p:nvSpPr>
-        <p:spPr>
-          <a:xfrm>
-            <a:off x="457200" y="46343"/>
-            <a:ext cx="8229600" cy="1143000"/>
-          </a:xfrm>
-        </p:spPr>
-        <p:txBody>
-          <a:bodyPr/>
-          <a:lstStyle/>
-          <a:p>
-            <a:pPr marL="0" lvl="0" indent="0">
-              <a:buNone/>
-            </a:pPr>
-            <a:r>
-              <a:rPr dirty="0"/>
-              <a:t>Residual Plot</a:t>
-            </a:r>
-            <a:r>
-              <a:rPr lang="en-US" dirty="0"/>
-              <a:t>s</a:t>
-            </a:r>
-            <a:endParaRPr dirty="0"/>
-          </a:p>
-        </p:txBody>
-      </p:sp>
-      <p:sp>
-        <p:nvSpPr>
-          <p:cNvPr id="3" name="Content Placeholder 2"/>
-          <p:cNvSpPr>
-            <a:spLocks noGrp="1"/>
-          </p:cNvSpPr>
-          <p:nvPr>
-            <p:ph idx="1"/>
-          </p:nvPr>
-        </p:nvSpPr>
-        <p:spPr>
-          <a:xfrm>
-            <a:off x="457200" y="950865"/>
-            <a:ext cx="8229600" cy="4525963"/>
-          </a:xfrm>
-        </p:spPr>
-        <p:txBody>
-          <a:bodyPr>
-            <a:normAutofit/>
-          </a:bodyPr>
-          <a:lstStyle/>
-          <a:p>
-            <a:pPr marL="0" lvl="0" indent="0">
-              <a:spcBef>
-                <a:spcPts val="3000"/>
-              </a:spcBef>
-              <a:buNone/>
-            </a:pPr>
-            <a:r>
-              <a:rPr sz="1200" b="1" dirty="0"/>
-              <a:t>Plot predicted values vs actual to observe residuals on zero line.</a:t>
-            </a:r>
-            <a:br>
-              <a:rPr lang="en-US" sz="1200" b="1" dirty="0"/>
-            </a:br>
-            <a:r>
-              <a:rPr sz="1200" b="1" dirty="0"/>
-              <a:t>Random scattering on both sides of the reference line.</a:t>
-            </a:r>
-            <a:endParaRPr lang="en-US" sz="1200" b="1" dirty="0"/>
-          </a:p>
-          <a:p>
-            <a:pPr marL="0" lvl="0" indent="0">
-              <a:spcBef>
-                <a:spcPts val="3000"/>
-              </a:spcBef>
-              <a:buNone/>
-            </a:pPr>
-            <a:endParaRPr sz="1200" b="1" dirty="0"/>
-          </a:p>
-        </p:txBody>
-      </p:sp>
-      <p:pic>
-        <p:nvPicPr>
-          <p:cNvPr id="5" name="Picture 4" descr="casestudy2ppt_files/figure-pptx/unnamed-chunk-15-1.png">
-            <a:extLst>
-              <a:ext uri="{FF2B5EF4-FFF2-40B4-BE49-F238E27FC236}">
-                <a16:creationId xmlns:a16="http://schemas.microsoft.com/office/drawing/2014/main" id="{EE30EBBC-77AB-4964-9624-4309DCCA438E}"/>
-              </a:ext>
-            </a:extLst>
-          </p:cNvPr>
-          <p:cNvPicPr>
-            <a:picLocks noGrp="1" noChangeAspect="1"/>
-          </p:cNvPicPr>
+          <p:cNvPicPr/>
           <p:nvPr/>
         </p:nvPicPr>
         <p:blipFill>
-          <a:blip r:embed="rId2"/>
+          <a:blip r:embed="rId2" cstate="print">
+            <a:extLst>
+              <a:ext uri="{28A0092B-C50C-407E-A947-70E740481C1C}">
+                <a14:useLocalDpi xmlns:a14="http://schemas.microsoft.com/office/drawing/2010/main" val="0"/>
+              </a:ext>
+            </a:extLst>
+          </a:blip>
+          <a:srcRect/>
           <a:stretch>
             <a:fillRect/>
           </a:stretch>
         </p:blipFill>
         <p:spPr bwMode="auto">
           <a:xfrm>
-            <a:off x="341424" y="1381172"/>
-            <a:ext cx="3495477" cy="2796381"/>
+            <a:off x="555777" y="1950776"/>
+            <a:ext cx="4016221" cy="2810707"/>
           </a:xfrm>
           <a:prstGeom prst="rect">
             <a:avLst/>
           </a:prstGeom>
           <a:noFill/>
-          <a:ln w="9525">
+          <a:ln>
             <a:noFill/>
-            <a:headEnd/>
-            <a:tailEnd/>
           </a:ln>
         </p:spPr>
       </p:pic>
       <p:pic>
         <p:nvPicPr>
-          <p:cNvPr id="4" name="Picture 3" descr="casestudy2ppt_files/figure-pptx/unnamed-chunk-17-1.png">
+          <p:cNvPr id="3" name="Picture 2">
             <a:extLst>
               <a:ext uri="{FF2B5EF4-FFF2-40B4-BE49-F238E27FC236}">
-                <a16:creationId xmlns:a16="http://schemas.microsoft.com/office/drawing/2014/main" id="{58107595-7B6D-414E-9D1F-DA0BD00B6E3E}"/>
+                <a16:creationId xmlns:a16="http://schemas.microsoft.com/office/drawing/2014/main" id="{6D89DFDD-3D90-4F2B-A1DD-FC96A97BCE75}"/>
               </a:ext>
             </a:extLst>
           </p:cNvPr>
-          <p:cNvPicPr>
-            <a:picLocks noGrp="1" noChangeAspect="1"/>
-          </p:cNvPicPr>
+          <p:cNvPicPr/>
           <p:nvPr/>
         </p:nvPicPr>
         <p:blipFill>
-          <a:blip r:embed="rId3"/>
+          <a:blip r:embed="rId3" cstate="print">
+            <a:extLst>
+              <a:ext uri="{28A0092B-C50C-407E-A947-70E740481C1C}">
+                <a14:useLocalDpi xmlns:a14="http://schemas.microsoft.com/office/drawing/2010/main" val="0"/>
+              </a:ext>
+            </a:extLst>
+          </a:blip>
+          <a:srcRect/>
           <a:stretch>
             <a:fillRect/>
           </a:stretch>
         </p:blipFill>
         <p:spPr bwMode="auto">
           <a:xfrm>
-            <a:off x="5307098" y="1381171"/>
-            <a:ext cx="3495478" cy="2796382"/>
+            <a:off x="4571999" y="1950776"/>
+            <a:ext cx="4016222" cy="2810707"/>
           </a:xfrm>
           <a:prstGeom prst="rect">
             <a:avLst/>
           </a:prstGeom>
           <a:noFill/>
-          <a:ln w="9525">
+          <a:ln>
             <a:noFill/>
-            <a:headEnd/>
-            <a:tailEnd/>
-          </a:ln>
-        </p:spPr>
-      </p:pic>
-      <p:pic>
-        <p:nvPicPr>
-          <p:cNvPr id="8" name="Picture 7" descr="casestudy2ppt_files/figure-pptx/unnamed-chunk-18-1.png">
-            <a:extLst>
-              <a:ext uri="{FF2B5EF4-FFF2-40B4-BE49-F238E27FC236}">
-                <a16:creationId xmlns:a16="http://schemas.microsoft.com/office/drawing/2014/main" id="{B3A8981F-E35B-4C84-B4B1-B51E0CB33E86}"/>
-              </a:ext>
-            </a:extLst>
-          </p:cNvPr>
-          <p:cNvPicPr>
-            <a:picLocks noGrp="1" noChangeAspect="1"/>
-          </p:cNvPicPr>
-          <p:nvPr/>
-        </p:nvPicPr>
-        <p:blipFill>
-          <a:blip r:embed="rId4"/>
-          <a:stretch>
-            <a:fillRect/>
-          </a:stretch>
-        </p:blipFill>
-        <p:spPr bwMode="auto">
-          <a:xfrm>
-            <a:off x="2824261" y="4015276"/>
-            <a:ext cx="3495477" cy="2796381"/>
-          </a:xfrm>
-          <a:prstGeom prst="rect">
-            <a:avLst/>
-          </a:prstGeom>
-          <a:noFill/>
-          <a:ln w="9525">
-            <a:noFill/>
-            <a:headEnd/>
-            <a:tailEnd/>
           </a:ln>
         </p:spPr>
       </p:pic>
     </p:spTree>
-  </p:cSld>
-  <p:clrMapOvr>
-    <a:masterClrMapping/>
-  </p:clrMapOvr>
-</p:sld>
-</file>
-
-<file path=ppt/slides/slide12.xml><?xml version="1.0" encoding="utf-8"?>
-<p:sld xmlns:a="http://schemas.openxmlformats.org/drawingml/2006/main" xmlns:r="http://schemas.openxmlformats.org/officeDocument/2006/relationships" xmlns:p="http://schemas.openxmlformats.org/presentationml/2006/main">
-  <p:cSld>
-    <p:spTree>
-      <p:nvGrpSpPr>
-        <p:cNvPr id="1" name=""/>
-        <p:cNvGrpSpPr/>
-        <p:nvPr/>
-      </p:nvGrpSpPr>
-      <p:grpSpPr>
-        <a:xfrm>
-          <a:off x="0" y="0"/>
-          <a:ext cx="0" cy="0"/>
-          <a:chOff x="0" y="0"/>
-          <a:chExt cx="0" cy="0"/>
-        </a:xfrm>
-      </p:grpSpPr>
-      <p:sp>
-        <p:nvSpPr>
-          <p:cNvPr id="2" name="Title 1"/>
-          <p:cNvSpPr>
-            <a:spLocks noGrp="1"/>
-          </p:cNvSpPr>
-          <p:nvPr>
-            <p:ph type="title"/>
-          </p:nvPr>
-        </p:nvSpPr>
-        <p:spPr/>
-        <p:txBody>
-          <a:bodyPr/>
-          <a:lstStyle/>
-          <a:p>
-            <a:pPr marL="0" lvl="0" indent="0">
-              <a:buNone/>
-            </a:pPr>
-            <a:r>
-              <a:t>Predicted Monthly Incomes</a:t>
-            </a:r>
-          </a:p>
-        </p:txBody>
-      </p:sp>
-      <p:graphicFrame>
-        <p:nvGraphicFramePr>
-          <p:cNvPr id="6" name="Content Placeholder 5"/>
-          <p:cNvGraphicFramePr>
-            <a:graphicFrameLocks noGrp="1"/>
-          </p:cNvGraphicFramePr>
-          <p:nvPr>
-            <p:ph idx="1"/>
-            <p:extLst>
-              <p:ext uri="{D42A27DB-BD31-4B8C-83A1-F6EECF244321}">
-                <p14:modId xmlns:p14="http://schemas.microsoft.com/office/powerpoint/2010/main" val="3423641811"/>
-              </p:ext>
-            </p:extLst>
-          </p:nvPr>
-        </p:nvGraphicFramePr>
-        <p:xfrm>
-          <a:off x="2468880" y="2066731"/>
-          <a:ext cx="4206240" cy="2560320"/>
-        </p:xfrm>
-        <a:graphic>
-          <a:graphicData uri="http://schemas.openxmlformats.org/drawingml/2006/table">
-            <a:tbl>
-              <a:tblPr firstRow="1" bandRow="1">
-                <a:tableStyleId>{5C22544A-7EE6-4342-B048-85BDC9FD1C3A}</a:tableStyleId>
-              </a:tblPr>
-              <a:tblGrid>
-                <a:gridCol w="2103120">
-                  <a:extLst>
-                    <a:ext uri="{9D8B030D-6E8A-4147-A177-3AD203B41FA5}">
-                      <a16:colId xmlns:a16="http://schemas.microsoft.com/office/drawing/2014/main" val="20000"/>
-                    </a:ext>
-                  </a:extLst>
-                </a:gridCol>
-                <a:gridCol w="2103120">
-                  <a:extLst>
-                    <a:ext uri="{9D8B030D-6E8A-4147-A177-3AD203B41FA5}">
-                      <a16:colId xmlns:a16="http://schemas.microsoft.com/office/drawing/2014/main" val="20001"/>
-                    </a:ext>
-                  </a:extLst>
-                </a:gridCol>
-              </a:tblGrid>
-              <a:tr h="0">
-                <a:tc>
-                  <a:txBody>
-                    <a:bodyPr/>
-                    <a:lstStyle/>
-                    <a:p>
-                      <a:pPr marL="0" lvl="0" indent="0" algn="r">
-                        <a:buNone/>
-                      </a:pPr>
-                      <a:r>
-                        <a:t>ID</a:t>
-                      </a:r>
-                    </a:p>
-                  </a:txBody>
-                  <a:tcPr/>
-                </a:tc>
-                <a:tc>
-                  <a:txBody>
-                    <a:bodyPr/>
-                    <a:lstStyle/>
-                    <a:p>
-                      <a:pPr marL="0" lvl="0" indent="0" algn="r">
-                        <a:buNone/>
-                      </a:pPr>
-                      <a:r>
-                        <a:t>MonthlyIncome</a:t>
-                      </a:r>
-                    </a:p>
-                  </a:txBody>
-                  <a:tcPr/>
-                </a:tc>
-                <a:extLst>
-                  <a:ext uri="{0D108BD9-81ED-4DB2-BD59-A6C34878D82A}">
-                    <a16:rowId xmlns:a16="http://schemas.microsoft.com/office/drawing/2014/main" val="10000"/>
-                  </a:ext>
-                </a:extLst>
-              </a:tr>
-              <a:tr h="0">
-                <a:tc>
-                  <a:txBody>
-                    <a:bodyPr/>
-                    <a:lstStyle/>
-                    <a:p>
-                      <a:pPr marL="0" lvl="0" indent="0" algn="r">
-                        <a:buNone/>
-                      </a:pPr>
-                      <a:r>
-                        <a:rPr dirty="0"/>
-                        <a:t>871</a:t>
-                      </a:r>
-                    </a:p>
-                  </a:txBody>
-                  <a:tcPr/>
-                </a:tc>
-                <a:tc>
-                  <a:txBody>
-                    <a:bodyPr/>
-                    <a:lstStyle/>
-                    <a:p>
-                      <a:pPr marL="0" lvl="0" indent="0" algn="r">
-                        <a:buNone/>
-                      </a:pPr>
-                      <a:r>
-                        <a:rPr lang="en-US" dirty="0"/>
-                        <a:t>$</a:t>
-                      </a:r>
-                      <a:r>
-                        <a:rPr dirty="0"/>
-                        <a:t>6037.08</a:t>
-                      </a:r>
-                    </a:p>
-                  </a:txBody>
-                  <a:tcPr/>
-                </a:tc>
-                <a:extLst>
-                  <a:ext uri="{0D108BD9-81ED-4DB2-BD59-A6C34878D82A}">
-                    <a16:rowId xmlns:a16="http://schemas.microsoft.com/office/drawing/2014/main" val="10001"/>
-                  </a:ext>
-                </a:extLst>
-              </a:tr>
-              <a:tr h="0">
-                <a:tc>
-                  <a:txBody>
-                    <a:bodyPr/>
-                    <a:lstStyle/>
-                    <a:p>
-                      <a:pPr marL="0" lvl="0" indent="0" algn="r">
-                        <a:buNone/>
-                      </a:pPr>
-                      <a:r>
-                        <a:t>872</a:t>
-                      </a:r>
-                    </a:p>
-                  </a:txBody>
-                  <a:tcPr/>
-                </a:tc>
-                <a:tc>
-                  <a:txBody>
-                    <a:bodyPr/>
-                    <a:lstStyle/>
-                    <a:p>
-                      <a:pPr marL="0" lvl="0" indent="0" algn="r">
-                        <a:buNone/>
-                      </a:pPr>
-                      <a:r>
-                        <a:rPr lang="en-US" dirty="0"/>
-                        <a:t>$</a:t>
-                      </a:r>
-                      <a:r>
-                        <a:rPr dirty="0"/>
-                        <a:t>3369.88</a:t>
-                      </a:r>
-                    </a:p>
-                  </a:txBody>
-                  <a:tcPr/>
-                </a:tc>
-                <a:extLst>
-                  <a:ext uri="{0D108BD9-81ED-4DB2-BD59-A6C34878D82A}">
-                    <a16:rowId xmlns:a16="http://schemas.microsoft.com/office/drawing/2014/main" val="10002"/>
-                  </a:ext>
-                </a:extLst>
-              </a:tr>
-              <a:tr h="0">
-                <a:tc>
-                  <a:txBody>
-                    <a:bodyPr/>
-                    <a:lstStyle/>
-                    <a:p>
-                      <a:pPr marL="0" lvl="0" indent="0" algn="r">
-                        <a:buNone/>
-                      </a:pPr>
-                      <a:r>
-                        <a:t>873</a:t>
-                      </a:r>
-                    </a:p>
-                  </a:txBody>
-                  <a:tcPr/>
-                </a:tc>
-                <a:tc>
-                  <a:txBody>
-                    <a:bodyPr/>
-                    <a:lstStyle/>
-                    <a:p>
-                      <a:pPr marL="0" lvl="0" indent="0" algn="r">
-                        <a:buNone/>
-                      </a:pPr>
-                      <a:r>
-                        <a:rPr lang="en-US" dirty="0"/>
-                        <a:t>$</a:t>
-                      </a:r>
-                      <a:r>
-                        <a:rPr dirty="0"/>
-                        <a:t>11645.96</a:t>
-                      </a:r>
-                    </a:p>
-                  </a:txBody>
-                  <a:tcPr/>
-                </a:tc>
-                <a:extLst>
-                  <a:ext uri="{0D108BD9-81ED-4DB2-BD59-A6C34878D82A}">
-                    <a16:rowId xmlns:a16="http://schemas.microsoft.com/office/drawing/2014/main" val="10003"/>
-                  </a:ext>
-                </a:extLst>
-              </a:tr>
-              <a:tr h="0">
-                <a:tc>
-                  <a:txBody>
-                    <a:bodyPr/>
-                    <a:lstStyle/>
-                    <a:p>
-                      <a:pPr marL="0" lvl="0" indent="0" algn="r">
-                        <a:buNone/>
-                      </a:pPr>
-                      <a:r>
-                        <a:t>874</a:t>
-                      </a:r>
-                    </a:p>
-                  </a:txBody>
-                  <a:tcPr/>
-                </a:tc>
-                <a:tc>
-                  <a:txBody>
-                    <a:bodyPr/>
-                    <a:lstStyle/>
-                    <a:p>
-                      <a:pPr marL="0" lvl="0" indent="0" algn="r">
-                        <a:buNone/>
-                      </a:pPr>
-                      <a:r>
-                        <a:rPr lang="en-US" dirty="0"/>
-                        <a:t>$</a:t>
-                      </a:r>
-                      <a:r>
-                        <a:rPr dirty="0"/>
-                        <a:t>2810.90</a:t>
-                      </a:r>
-                    </a:p>
-                  </a:txBody>
-                  <a:tcPr/>
-                </a:tc>
-                <a:extLst>
-                  <a:ext uri="{0D108BD9-81ED-4DB2-BD59-A6C34878D82A}">
-                    <a16:rowId xmlns:a16="http://schemas.microsoft.com/office/drawing/2014/main" val="10004"/>
-                  </a:ext>
-                </a:extLst>
-              </a:tr>
-              <a:tr h="0">
-                <a:tc>
-                  <a:txBody>
-                    <a:bodyPr/>
-                    <a:lstStyle/>
-                    <a:p>
-                      <a:pPr marL="0" lvl="0" indent="0" algn="r">
-                        <a:buNone/>
-                      </a:pPr>
-                      <a:r>
-                        <a:t>875</a:t>
-                      </a:r>
-                    </a:p>
-                  </a:txBody>
-                  <a:tcPr/>
-                </a:tc>
-                <a:tc>
-                  <a:txBody>
-                    <a:bodyPr/>
-                    <a:lstStyle/>
-                    <a:p>
-                      <a:pPr marL="0" lvl="0" indent="0" algn="r">
-                        <a:buNone/>
-                      </a:pPr>
-                      <a:r>
-                        <a:rPr lang="en-US" dirty="0"/>
-                        <a:t>$</a:t>
-                      </a:r>
-                      <a:r>
-                        <a:rPr dirty="0"/>
-                        <a:t>2861.54</a:t>
-                      </a:r>
-                    </a:p>
-                  </a:txBody>
-                  <a:tcPr/>
-                </a:tc>
-                <a:extLst>
-                  <a:ext uri="{0D108BD9-81ED-4DB2-BD59-A6C34878D82A}">
-                    <a16:rowId xmlns:a16="http://schemas.microsoft.com/office/drawing/2014/main" val="10005"/>
-                  </a:ext>
-                </a:extLst>
-              </a:tr>
-              <a:tr h="0">
-                <a:tc>
-                  <a:txBody>
-                    <a:bodyPr/>
-                    <a:lstStyle/>
-                    <a:p>
-                      <a:pPr marL="0" lvl="0" indent="0" algn="r">
-                        <a:buNone/>
-                      </a:pPr>
-                      <a:r>
-                        <a:t>876</a:t>
-                      </a:r>
-                    </a:p>
-                  </a:txBody>
-                  <a:tcPr/>
-                </a:tc>
-                <a:tc>
-                  <a:txBody>
-                    <a:bodyPr/>
-                    <a:lstStyle/>
-                    <a:p>
-                      <a:pPr marL="0" lvl="0" indent="0" algn="r">
-                        <a:buNone/>
-                      </a:pPr>
-                      <a:r>
-                        <a:rPr lang="en-US" dirty="0"/>
-                        <a:t>$</a:t>
-                      </a:r>
-                      <a:r>
-                        <a:rPr dirty="0"/>
-                        <a:t>4670.47</a:t>
-                      </a:r>
-                    </a:p>
-                  </a:txBody>
-                  <a:tcPr/>
-                </a:tc>
-                <a:extLst>
-                  <a:ext uri="{0D108BD9-81ED-4DB2-BD59-A6C34878D82A}">
-                    <a16:rowId xmlns:a16="http://schemas.microsoft.com/office/drawing/2014/main" val="10006"/>
-                  </a:ext>
-                </a:extLst>
-              </a:tr>
-            </a:tbl>
-          </a:graphicData>
-        </a:graphic>
-      </p:graphicFrame>
-    </p:spTree>
-  </p:cSld>
-  <p:clrMapOvr>
-    <a:masterClrMapping/>
-  </p:clrMapOvr>
-</p:sld>
-</file>
-
-<file path=ppt/slides/slide13.xml><?xml version="1.0" encoding="utf-8"?>
-<p:sld xmlns:a="http://schemas.openxmlformats.org/drawingml/2006/main" xmlns:r="http://schemas.openxmlformats.org/officeDocument/2006/relationships" xmlns:p="http://schemas.openxmlformats.org/presentationml/2006/main">
-  <p:cSld>
-    <p:spTree>
-      <p:nvGrpSpPr>
-        <p:cNvPr id="1" name=""/>
-        <p:cNvGrpSpPr/>
-        <p:nvPr/>
-      </p:nvGrpSpPr>
-      <p:grpSpPr>
-        <a:xfrm>
-          <a:off x="0" y="0"/>
-          <a:ext cx="0" cy="0"/>
-          <a:chOff x="0" y="0"/>
-          <a:chExt cx="0" cy="0"/>
-        </a:xfrm>
-      </p:grpSpPr>
-      <p:sp>
-        <p:nvSpPr>
-          <p:cNvPr id="2" name="Title 1"/>
-          <p:cNvSpPr>
-            <a:spLocks noGrp="1"/>
-          </p:cNvSpPr>
-          <p:nvPr>
-            <p:ph type="title"/>
-          </p:nvPr>
-        </p:nvSpPr>
-        <p:spPr/>
-        <p:txBody>
-          <a:bodyPr/>
-          <a:lstStyle/>
-          <a:p>
-            <a:pPr marL="0" lvl="0" indent="0">
-              <a:buNone/>
-            </a:pPr>
-            <a:r>
-              <a:t>Percentage Distribution of Results</a:t>
-            </a:r>
-          </a:p>
-        </p:txBody>
-      </p:sp>
-      <p:sp>
-        <p:nvSpPr>
-          <p:cNvPr id="3" name="Content Placeholder 2"/>
-          <p:cNvSpPr>
-            <a:spLocks noGrp="1"/>
-          </p:cNvSpPr>
-          <p:nvPr>
-            <p:ph idx="1"/>
-          </p:nvPr>
-        </p:nvSpPr>
-        <p:spPr/>
-        <p:txBody>
-          <a:bodyPr>
-            <a:normAutofit/>
-          </a:bodyPr>
-          <a:lstStyle/>
-          <a:p>
-            <a:pPr marL="0" lvl="0" indent="0">
-              <a:spcBef>
-                <a:spcPts val="3000"/>
-              </a:spcBef>
-              <a:buNone/>
-            </a:pPr>
-            <a:r>
-              <a:rPr sz="1200" b="1" dirty="0"/>
-              <a:t>Similar shape to </a:t>
-            </a:r>
-            <a:r>
-              <a:rPr sz="1200" b="1" dirty="0" err="1"/>
-              <a:t>downsampled</a:t>
-            </a:r>
-            <a:r>
-              <a:rPr sz="1200" b="1" dirty="0"/>
-              <a:t> dataset.</a:t>
-            </a:r>
-          </a:p>
-        </p:txBody>
-      </p:sp>
-      <p:pic>
-        <p:nvPicPr>
-          <p:cNvPr id="6" name="Picture 5">
-            <a:extLst>
-              <a:ext uri="{FF2B5EF4-FFF2-40B4-BE49-F238E27FC236}">
-                <a16:creationId xmlns:a16="http://schemas.microsoft.com/office/drawing/2014/main" id="{90845AAA-5811-4C64-B372-919B185C55AE}"/>
-              </a:ext>
-            </a:extLst>
-          </p:cNvPr>
-          <p:cNvPicPr>
-            <a:picLocks noChangeAspect="1"/>
-          </p:cNvPicPr>
-          <p:nvPr/>
-        </p:nvPicPr>
-        <p:blipFill>
-          <a:blip r:embed="rId2"/>
-          <a:stretch>
-            <a:fillRect/>
-          </a:stretch>
-        </p:blipFill>
-        <p:spPr>
-          <a:xfrm>
-            <a:off x="4977050" y="2180770"/>
-            <a:ext cx="3709753" cy="3077030"/>
-          </a:xfrm>
-          <a:prstGeom prst="rect">
-            <a:avLst/>
-          </a:prstGeom>
-        </p:spPr>
-      </p:pic>
-      <p:pic>
-        <p:nvPicPr>
-          <p:cNvPr id="8" name="Picture 7">
-            <a:extLst>
-              <a:ext uri="{FF2B5EF4-FFF2-40B4-BE49-F238E27FC236}">
-                <a16:creationId xmlns:a16="http://schemas.microsoft.com/office/drawing/2014/main" id="{BE335028-FCE9-4EFF-A264-4AE887C0DC3E}"/>
-              </a:ext>
-            </a:extLst>
-          </p:cNvPr>
-          <p:cNvPicPr>
-            <a:picLocks noChangeAspect="1"/>
-          </p:cNvPicPr>
-          <p:nvPr/>
-        </p:nvPicPr>
-        <p:blipFill>
-          <a:blip r:embed="rId3"/>
-          <a:stretch>
-            <a:fillRect/>
-          </a:stretch>
-        </p:blipFill>
-        <p:spPr>
-          <a:xfrm>
-            <a:off x="457200" y="2180770"/>
-            <a:ext cx="3709754" cy="3077031"/>
-          </a:xfrm>
-          <a:prstGeom prst="rect">
-            <a:avLst/>
-          </a:prstGeom>
-        </p:spPr>
-      </p:pic>
-    </p:spTree>
+    <p:extLst>
+      <p:ext uri="{BB962C8B-B14F-4D97-AF65-F5344CB8AC3E}">
+        <p14:creationId xmlns:p14="http://schemas.microsoft.com/office/powerpoint/2010/main" val="1775451569"/>
+      </p:ext>
+    </p:extLst>
   </p:cSld>
   <p:clrMapOvr>
     <a:masterClrMapping/>
@@ -4243,2300 +3348,10 @@
               <a:buNone/>
             </a:pPr>
             <a:r>
-              <a:t>EDA How does the dataset look?</a:t>
-            </a:r>
-          </a:p>
-        </p:txBody>
-      </p:sp>
-      <p:sp>
-        <p:nvSpPr>
-          <p:cNvPr id="3" name="Content Placeholder 2"/>
-          <p:cNvSpPr>
-            <a:spLocks noGrp="1"/>
-          </p:cNvSpPr>
-          <p:nvPr>
-            <p:ph idx="1"/>
-          </p:nvPr>
-        </p:nvSpPr>
-        <p:spPr/>
-        <p:txBody>
-          <a:bodyPr>
-            <a:normAutofit/>
-          </a:bodyPr>
-          <a:lstStyle/>
-          <a:p>
-            <a:pPr marL="0" lvl="0" indent="0">
-              <a:spcBef>
-                <a:spcPts val="3000"/>
-              </a:spcBef>
-              <a:buNone/>
-            </a:pPr>
-            <a:r>
-              <a:rPr sz="1400" b="1" dirty="0"/>
-              <a:t>No missing values</a:t>
-            </a:r>
-            <a:br>
-              <a:rPr lang="en-US" sz="1400" b="1" dirty="0"/>
-            </a:br>
-            <a:br>
-              <a:rPr lang="en-US" sz="1400" b="1" dirty="0"/>
-            </a:br>
-            <a:r>
-              <a:rPr lang="en-US" sz="1400" b="1" dirty="0"/>
-              <a:t>	</a:t>
-            </a:r>
-            <a:r>
-              <a:rPr sz="1400" b="1" dirty="0" err="1"/>
-              <a:t>EmployeeNumber</a:t>
-            </a:r>
-            <a:r>
-              <a:rPr sz="1400" b="1" dirty="0"/>
-              <a:t> was not removed because I do not know if there is a system to assigning them. It may have some meaning I’m unaware of.</a:t>
-            </a:r>
-          </a:p>
-        </p:txBody>
-      </p:sp>
-      <p:pic>
-        <p:nvPicPr>
-          <p:cNvPr id="5" name="Picture 4" descr="casestudy2ppt_files/figure-pptx/unnamed-chunk-2-1.png">
-            <a:extLst>
-              <a:ext uri="{FF2B5EF4-FFF2-40B4-BE49-F238E27FC236}">
-                <a16:creationId xmlns:a16="http://schemas.microsoft.com/office/drawing/2014/main" id="{4A981897-BB9C-48A8-81A2-BCDBAE06B016}"/>
-              </a:ext>
-            </a:extLst>
-          </p:cNvPr>
-          <p:cNvPicPr>
-            <a:picLocks noGrp="1" noChangeAspect="1"/>
-          </p:cNvPicPr>
-          <p:nvPr/>
-        </p:nvPicPr>
-        <p:blipFill>
-          <a:blip r:embed="rId2"/>
-          <a:stretch>
-            <a:fillRect/>
-          </a:stretch>
-        </p:blipFill>
-        <p:spPr bwMode="auto">
-          <a:xfrm>
-            <a:off x="2169367" y="2569741"/>
-            <a:ext cx="4673730" cy="3738984"/>
-          </a:xfrm>
-          <a:prstGeom prst="rect">
-            <a:avLst/>
-          </a:prstGeom>
-          <a:noFill/>
-          <a:ln w="9525">
-            <a:noFill/>
-            <a:headEnd/>
-            <a:tailEnd/>
-          </a:ln>
-        </p:spPr>
-      </p:pic>
-    </p:spTree>
-  </p:cSld>
-  <p:clrMapOvr>
-    <a:masterClrMapping/>
-  </p:clrMapOvr>
-</p:sld>
-</file>
-
-<file path=ppt/slides/slide3.xml><?xml version="1.0" encoding="utf-8"?>
-<p:sld xmlns:a="http://schemas.openxmlformats.org/drawingml/2006/main" xmlns:r="http://schemas.openxmlformats.org/officeDocument/2006/relationships" xmlns:p="http://schemas.openxmlformats.org/presentationml/2006/main">
-  <p:cSld>
-    <p:spTree>
-      <p:nvGrpSpPr>
-        <p:cNvPr id="1" name=""/>
-        <p:cNvGrpSpPr/>
-        <p:nvPr/>
-      </p:nvGrpSpPr>
-      <p:grpSpPr>
-        <a:xfrm>
-          <a:off x="0" y="0"/>
-          <a:ext cx="0" cy="0"/>
-          <a:chOff x="0" y="0"/>
-          <a:chExt cx="0" cy="0"/>
-        </a:xfrm>
-      </p:grpSpPr>
-      <p:sp>
-        <p:nvSpPr>
-          <p:cNvPr id="2" name="Title 1"/>
-          <p:cNvSpPr>
-            <a:spLocks noGrp="1"/>
-          </p:cNvSpPr>
-          <p:nvPr>
-            <p:ph type="title"/>
-          </p:nvPr>
-        </p:nvSpPr>
-        <p:spPr/>
-        <p:txBody>
-          <a:bodyPr/>
-          <a:lstStyle/>
-          <a:p>
-            <a:pPr marL="0" lvl="0" indent="0">
-              <a:buNone/>
-            </a:pPr>
-            <a:r>
-              <a:t>What data is categorical?</a:t>
-            </a:r>
-          </a:p>
-        </p:txBody>
-      </p:sp>
-      <p:graphicFrame>
-        <p:nvGraphicFramePr>
-          <p:cNvPr id="7" name="Content Placeholder 5">
-            <a:extLst>
-              <a:ext uri="{FF2B5EF4-FFF2-40B4-BE49-F238E27FC236}">
-                <a16:creationId xmlns:a16="http://schemas.microsoft.com/office/drawing/2014/main" id="{7AC8EBC0-92B9-444E-A9C6-E8BB9872742A}"/>
-              </a:ext>
-            </a:extLst>
-          </p:cNvPr>
-          <p:cNvGraphicFramePr>
-            <a:graphicFrameLocks/>
-          </p:cNvGraphicFramePr>
-          <p:nvPr>
-            <p:extLst>
-              <p:ext uri="{D42A27DB-BD31-4B8C-83A1-F6EECF244321}">
-                <p14:modId xmlns:p14="http://schemas.microsoft.com/office/powerpoint/2010/main" val="382809416"/>
-              </p:ext>
-            </p:extLst>
-          </p:nvPr>
-        </p:nvGraphicFramePr>
-        <p:xfrm>
-          <a:off x="457200" y="1678482"/>
-          <a:ext cx="8229600" cy="3657600"/>
-        </p:xfrm>
-        <a:graphic>
-          <a:graphicData uri="http://schemas.openxmlformats.org/drawingml/2006/table">
-            <a:tbl>
-              <a:tblPr firstRow="1" bandRow="1">
-                <a:tableStyleId>{5C22544A-7EE6-4342-B048-85BDC9FD1C3A}</a:tableStyleId>
-              </a:tblPr>
-              <a:tblGrid>
-                <a:gridCol w="4114800">
-                  <a:extLst>
-                    <a:ext uri="{9D8B030D-6E8A-4147-A177-3AD203B41FA5}">
-                      <a16:colId xmlns:a16="http://schemas.microsoft.com/office/drawing/2014/main" val="20000"/>
-                    </a:ext>
-                  </a:extLst>
-                </a:gridCol>
-                <a:gridCol w="4114800">
-                  <a:extLst>
-                    <a:ext uri="{9D8B030D-6E8A-4147-A177-3AD203B41FA5}">
-                      <a16:colId xmlns:a16="http://schemas.microsoft.com/office/drawing/2014/main" val="3136652607"/>
-                    </a:ext>
-                  </a:extLst>
-                </a:gridCol>
-              </a:tblGrid>
-              <a:tr h="0">
-                <a:tc gridSpan="2">
-                  <a:txBody>
-                    <a:bodyPr/>
-                    <a:lstStyle/>
-                    <a:p>
-                      <a:pPr marL="0" lvl="0" indent="0" algn="ctr">
-                        <a:buNone/>
-                      </a:pPr>
-                      <a:r>
-                        <a:rPr sz="1800" dirty="0"/>
-                        <a:t>Factor Variables</a:t>
-                      </a:r>
-                    </a:p>
-                  </a:txBody>
-                  <a:tcPr/>
-                </a:tc>
-                <a:tc hMerge="1">
-                  <a:txBody>
-                    <a:bodyPr/>
-                    <a:lstStyle/>
-                    <a:p>
-                      <a:endParaRPr lang="en-US"/>
-                    </a:p>
-                  </a:txBody>
-                  <a:tcPr/>
-                </a:tc>
-                <a:extLst>
-                  <a:ext uri="{0D108BD9-81ED-4DB2-BD59-A6C34878D82A}">
-                    <a16:rowId xmlns:a16="http://schemas.microsoft.com/office/drawing/2014/main" val="10000"/>
-                  </a:ext>
-                </a:extLst>
-              </a:tr>
-              <a:tr h="0">
-                <a:tc>
-                  <a:txBody>
-                    <a:bodyPr/>
-                    <a:lstStyle/>
-                    <a:p>
-                      <a:pPr marL="0" lvl="0" indent="0" algn="l">
-                        <a:buNone/>
-                      </a:pPr>
-                      <a:r>
-                        <a:rPr sz="1800" dirty="0" err="1"/>
-                        <a:t>BusinessTravel</a:t>
-                      </a:r>
-                      <a:endParaRPr sz="1800" dirty="0"/>
-                    </a:p>
-                  </a:txBody>
-                  <a:tcPr/>
-                </a:tc>
-                <a:tc>
-                  <a:txBody>
-                    <a:bodyPr/>
-                    <a:lstStyle/>
-                    <a:p>
-                      <a:pPr marL="0" lvl="0" indent="0" algn="l">
-                        <a:buNone/>
-                      </a:pPr>
-                      <a:r>
-                        <a:rPr lang="en-US" sz="1800" dirty="0" err="1"/>
-                        <a:t>JobSatisfaction</a:t>
-                      </a:r>
-                      <a:endParaRPr lang="en-US" sz="1800" dirty="0"/>
-                    </a:p>
-                  </a:txBody>
-                  <a:tcPr/>
-                </a:tc>
-                <a:extLst>
-                  <a:ext uri="{0D108BD9-81ED-4DB2-BD59-A6C34878D82A}">
-                    <a16:rowId xmlns:a16="http://schemas.microsoft.com/office/drawing/2014/main" val="10001"/>
-                  </a:ext>
-                </a:extLst>
-              </a:tr>
-              <a:tr h="0">
-                <a:tc>
-                  <a:txBody>
-                    <a:bodyPr/>
-                    <a:lstStyle/>
-                    <a:p>
-                      <a:pPr marL="0" lvl="0" indent="0" algn="l">
-                        <a:buNone/>
-                      </a:pPr>
-                      <a:r>
-                        <a:rPr sz="1800" dirty="0"/>
-                        <a:t>Department</a:t>
-                      </a:r>
-                    </a:p>
-                  </a:txBody>
-                  <a:tcPr/>
-                </a:tc>
-                <a:tc>
-                  <a:txBody>
-                    <a:bodyPr/>
-                    <a:lstStyle/>
-                    <a:p>
-                      <a:pPr marL="0" lvl="0" indent="0" algn="l">
-                        <a:buNone/>
-                      </a:pPr>
-                      <a:r>
-                        <a:rPr lang="en-US" sz="1800"/>
-                        <a:t>MaritalStatus</a:t>
-                      </a:r>
-                      <a:endParaRPr lang="en-US" sz="1800" dirty="0"/>
-                    </a:p>
-                  </a:txBody>
-                  <a:tcPr/>
-                </a:tc>
-                <a:extLst>
-                  <a:ext uri="{0D108BD9-81ED-4DB2-BD59-A6C34878D82A}">
-                    <a16:rowId xmlns:a16="http://schemas.microsoft.com/office/drawing/2014/main" val="10002"/>
-                  </a:ext>
-                </a:extLst>
-              </a:tr>
-              <a:tr h="0">
-                <a:tc>
-                  <a:txBody>
-                    <a:bodyPr/>
-                    <a:lstStyle/>
-                    <a:p>
-                      <a:pPr marL="0" lvl="0" indent="0" algn="l">
-                        <a:buNone/>
-                      </a:pPr>
-                      <a:r>
-                        <a:rPr sz="1800" dirty="0"/>
-                        <a:t>Education</a:t>
-                      </a:r>
-                    </a:p>
-                  </a:txBody>
-                  <a:tcPr/>
-                </a:tc>
-                <a:tc>
-                  <a:txBody>
-                    <a:bodyPr/>
-                    <a:lstStyle/>
-                    <a:p>
-                      <a:pPr marL="0" lvl="0" indent="0" algn="l">
-                        <a:buNone/>
-                      </a:pPr>
-                      <a:r>
-                        <a:rPr lang="en-US" sz="1800"/>
-                        <a:t>NumCompaniesWorked</a:t>
-                      </a:r>
-                      <a:endParaRPr lang="en-US" sz="1800" dirty="0"/>
-                    </a:p>
-                  </a:txBody>
-                  <a:tcPr/>
-                </a:tc>
-                <a:extLst>
-                  <a:ext uri="{0D108BD9-81ED-4DB2-BD59-A6C34878D82A}">
-                    <a16:rowId xmlns:a16="http://schemas.microsoft.com/office/drawing/2014/main" val="10003"/>
-                  </a:ext>
-                </a:extLst>
-              </a:tr>
-              <a:tr h="0">
-                <a:tc>
-                  <a:txBody>
-                    <a:bodyPr/>
-                    <a:lstStyle/>
-                    <a:p>
-                      <a:pPr marL="0" lvl="0" indent="0" algn="l">
-                        <a:buNone/>
-                      </a:pPr>
-                      <a:r>
-                        <a:rPr sz="1800" dirty="0" err="1"/>
-                        <a:t>EducationField</a:t>
-                      </a:r>
-                      <a:endParaRPr sz="1800" dirty="0"/>
-                    </a:p>
-                  </a:txBody>
-                  <a:tcPr/>
-                </a:tc>
-                <a:tc>
-                  <a:txBody>
-                    <a:bodyPr/>
-                    <a:lstStyle/>
-                    <a:p>
-                      <a:pPr marL="0" lvl="0" indent="0" algn="l">
-                        <a:buNone/>
-                      </a:pPr>
-                      <a:r>
-                        <a:rPr lang="en-US" sz="1800"/>
-                        <a:t>OverTime</a:t>
-                      </a:r>
-                      <a:endParaRPr lang="en-US" sz="1800" dirty="0"/>
-                    </a:p>
-                  </a:txBody>
-                  <a:tcPr/>
-                </a:tc>
-                <a:extLst>
-                  <a:ext uri="{0D108BD9-81ED-4DB2-BD59-A6C34878D82A}">
-                    <a16:rowId xmlns:a16="http://schemas.microsoft.com/office/drawing/2014/main" val="10004"/>
-                  </a:ext>
-                </a:extLst>
-              </a:tr>
-              <a:tr h="0">
-                <a:tc>
-                  <a:txBody>
-                    <a:bodyPr/>
-                    <a:lstStyle/>
-                    <a:p>
-                      <a:pPr marL="0" lvl="0" indent="0" algn="l">
-                        <a:buNone/>
-                      </a:pPr>
-                      <a:r>
-                        <a:rPr sz="1800" dirty="0" err="1"/>
-                        <a:t>EnvironmentSatisfaction</a:t>
-                      </a:r>
-                      <a:endParaRPr sz="1800" dirty="0"/>
-                    </a:p>
-                  </a:txBody>
-                  <a:tcPr/>
-                </a:tc>
-                <a:tc>
-                  <a:txBody>
-                    <a:bodyPr/>
-                    <a:lstStyle/>
-                    <a:p>
-                      <a:pPr marL="0" lvl="0" indent="0" algn="l">
-                        <a:buNone/>
-                      </a:pPr>
-                      <a:r>
-                        <a:rPr lang="en-US" sz="1800"/>
-                        <a:t>PerformanceRating</a:t>
-                      </a:r>
-                      <a:endParaRPr lang="en-US" sz="1800" dirty="0"/>
-                    </a:p>
-                  </a:txBody>
-                  <a:tcPr/>
-                </a:tc>
-                <a:extLst>
-                  <a:ext uri="{0D108BD9-81ED-4DB2-BD59-A6C34878D82A}">
-                    <a16:rowId xmlns:a16="http://schemas.microsoft.com/office/drawing/2014/main" val="10005"/>
-                  </a:ext>
-                </a:extLst>
-              </a:tr>
-              <a:tr h="0">
-                <a:tc>
-                  <a:txBody>
-                    <a:bodyPr/>
-                    <a:lstStyle/>
-                    <a:p>
-                      <a:pPr marL="0" lvl="0" indent="0" algn="l">
-                        <a:buNone/>
-                      </a:pPr>
-                      <a:r>
-                        <a:rPr sz="1800" dirty="0"/>
-                        <a:t>Gender</a:t>
-                      </a:r>
-                    </a:p>
-                  </a:txBody>
-                  <a:tcPr/>
-                </a:tc>
-                <a:tc>
-                  <a:txBody>
-                    <a:bodyPr/>
-                    <a:lstStyle/>
-                    <a:p>
-                      <a:pPr marL="0" lvl="0" indent="0" algn="l">
-                        <a:buNone/>
-                      </a:pPr>
-                      <a:r>
-                        <a:rPr lang="en-US" sz="1800"/>
-                        <a:t>RelationshipSatisfaction</a:t>
-                      </a:r>
-                      <a:endParaRPr lang="en-US" sz="1800" dirty="0"/>
-                    </a:p>
-                  </a:txBody>
-                  <a:tcPr/>
-                </a:tc>
-                <a:extLst>
-                  <a:ext uri="{0D108BD9-81ED-4DB2-BD59-A6C34878D82A}">
-                    <a16:rowId xmlns:a16="http://schemas.microsoft.com/office/drawing/2014/main" val="10006"/>
-                  </a:ext>
-                </a:extLst>
-              </a:tr>
-              <a:tr h="0">
-                <a:tc>
-                  <a:txBody>
-                    <a:bodyPr/>
-                    <a:lstStyle/>
-                    <a:p>
-                      <a:pPr marL="0" lvl="0" indent="0" algn="l">
-                        <a:buNone/>
-                      </a:pPr>
-                      <a:r>
-                        <a:rPr sz="1800" dirty="0" err="1"/>
-                        <a:t>JobInvolvement</a:t>
-                      </a:r>
-                      <a:endParaRPr sz="1800" dirty="0"/>
-                    </a:p>
-                  </a:txBody>
-                  <a:tcPr/>
-                </a:tc>
-                <a:tc>
-                  <a:txBody>
-                    <a:bodyPr/>
-                    <a:lstStyle/>
-                    <a:p>
-                      <a:pPr marL="0" lvl="0" indent="0" algn="l">
-                        <a:buNone/>
-                      </a:pPr>
-                      <a:r>
-                        <a:rPr lang="en-US" sz="1800"/>
-                        <a:t>StockOptionLevel</a:t>
-                      </a:r>
-                      <a:endParaRPr lang="en-US" sz="1800" dirty="0"/>
-                    </a:p>
-                  </a:txBody>
-                  <a:tcPr/>
-                </a:tc>
-                <a:extLst>
-                  <a:ext uri="{0D108BD9-81ED-4DB2-BD59-A6C34878D82A}">
-                    <a16:rowId xmlns:a16="http://schemas.microsoft.com/office/drawing/2014/main" val="10007"/>
-                  </a:ext>
-                </a:extLst>
-              </a:tr>
-              <a:tr h="0">
-                <a:tc>
-                  <a:txBody>
-                    <a:bodyPr/>
-                    <a:lstStyle/>
-                    <a:p>
-                      <a:pPr marL="0" lvl="0" indent="0" algn="l">
-                        <a:buNone/>
-                      </a:pPr>
-                      <a:r>
-                        <a:rPr sz="1800" dirty="0" err="1"/>
-                        <a:t>JobLevel</a:t>
-                      </a:r>
-                      <a:endParaRPr sz="1800" dirty="0"/>
-                    </a:p>
-                  </a:txBody>
-                  <a:tcPr/>
-                </a:tc>
-                <a:tc>
-                  <a:txBody>
-                    <a:bodyPr/>
-                    <a:lstStyle/>
-                    <a:p>
-                      <a:pPr marL="0" lvl="0" indent="0" algn="l">
-                        <a:buNone/>
-                      </a:pPr>
-                      <a:r>
-                        <a:rPr lang="en-US" sz="1800"/>
-                        <a:t>TrainingTimesLastYear</a:t>
-                      </a:r>
-                      <a:endParaRPr lang="en-US" sz="1800" dirty="0"/>
-                    </a:p>
-                  </a:txBody>
-                  <a:tcPr/>
-                </a:tc>
-                <a:extLst>
-                  <a:ext uri="{0D108BD9-81ED-4DB2-BD59-A6C34878D82A}">
-                    <a16:rowId xmlns:a16="http://schemas.microsoft.com/office/drawing/2014/main" val="10008"/>
-                  </a:ext>
-                </a:extLst>
-              </a:tr>
-              <a:tr h="0">
-                <a:tc>
-                  <a:txBody>
-                    <a:bodyPr/>
-                    <a:lstStyle/>
-                    <a:p>
-                      <a:pPr marL="0" lvl="0" indent="0" algn="l">
-                        <a:buNone/>
-                      </a:pPr>
-                      <a:r>
-                        <a:rPr lang="en-US" sz="1800"/>
-                        <a:t>JobRole</a:t>
-                      </a:r>
-                      <a:endParaRPr lang="en-US" sz="1800" dirty="0"/>
-                    </a:p>
-                  </a:txBody>
-                  <a:tcPr/>
-                </a:tc>
-                <a:tc>
-                  <a:txBody>
-                    <a:bodyPr/>
-                    <a:lstStyle/>
-                    <a:p>
-                      <a:pPr marL="0" lvl="0" indent="0" algn="l">
-                        <a:buNone/>
-                      </a:pPr>
-                      <a:r>
-                        <a:rPr lang="en-US" sz="1800" dirty="0" err="1"/>
-                        <a:t>WorkLifeBalance</a:t>
-                      </a:r>
-                      <a:endParaRPr lang="en-US" sz="1800" dirty="0"/>
-                    </a:p>
-                  </a:txBody>
-                  <a:tcPr/>
-                </a:tc>
-                <a:extLst>
-                  <a:ext uri="{0D108BD9-81ED-4DB2-BD59-A6C34878D82A}">
-                    <a16:rowId xmlns:a16="http://schemas.microsoft.com/office/drawing/2014/main" val="10009"/>
-                  </a:ext>
-                </a:extLst>
-              </a:tr>
-            </a:tbl>
-          </a:graphicData>
-        </a:graphic>
-      </p:graphicFrame>
-    </p:spTree>
-  </p:cSld>
-  <p:clrMapOvr>
-    <a:masterClrMapping/>
-  </p:clrMapOvr>
-</p:sld>
-</file>
-
-<file path=ppt/slides/slide4.xml><?xml version="1.0" encoding="utf-8"?>
-<p:sld xmlns:a="http://schemas.openxmlformats.org/drawingml/2006/main" xmlns:r="http://schemas.openxmlformats.org/officeDocument/2006/relationships" xmlns:p="http://schemas.openxmlformats.org/presentationml/2006/main">
-  <p:cSld>
-    <p:spTree>
-      <p:nvGrpSpPr>
-        <p:cNvPr id="1" name=""/>
-        <p:cNvGrpSpPr/>
-        <p:nvPr/>
-      </p:nvGrpSpPr>
-      <p:grpSpPr>
-        <a:xfrm>
-          <a:off x="0" y="0"/>
-          <a:ext cx="0" cy="0"/>
-          <a:chOff x="0" y="0"/>
-          <a:chExt cx="0" cy="0"/>
-        </a:xfrm>
-      </p:grpSpPr>
-      <p:sp>
-        <p:nvSpPr>
-          <p:cNvPr id="2" name="Title 1"/>
-          <p:cNvSpPr>
-            <a:spLocks noGrp="1"/>
-          </p:cNvSpPr>
-          <p:nvPr>
-            <p:ph type="title"/>
-          </p:nvPr>
-        </p:nvSpPr>
-        <p:spPr/>
-        <p:txBody>
-          <a:bodyPr>
-            <a:normAutofit fontScale="90000"/>
-          </a:bodyPr>
-          <a:lstStyle/>
-          <a:p>
-            <a:pPr marL="0" lvl="0" indent="0">
-              <a:buNone/>
-            </a:pPr>
-            <a:r>
-              <a:t>Can any variables be confidently removed?</a:t>
-            </a:r>
-          </a:p>
-        </p:txBody>
-      </p:sp>
-      <p:sp>
-        <p:nvSpPr>
-          <p:cNvPr id="3" name="Content Placeholder 2"/>
-          <p:cNvSpPr>
-            <a:spLocks noGrp="1"/>
-          </p:cNvSpPr>
-          <p:nvPr>
-            <p:ph idx="1"/>
-          </p:nvPr>
-        </p:nvSpPr>
-        <p:spPr/>
-        <p:txBody>
-          <a:bodyPr>
-            <a:normAutofit/>
-          </a:bodyPr>
-          <a:lstStyle/>
-          <a:p>
-            <a:pPr marL="0" lvl="0" indent="0">
-              <a:spcBef>
-                <a:spcPts val="3000"/>
-              </a:spcBef>
-              <a:buNone/>
-            </a:pPr>
-            <a:r>
-              <a:rPr sz="1200" b="1" dirty="0"/>
-              <a:t>One level: </a:t>
-            </a:r>
-            <a:r>
-              <a:rPr sz="1200" b="1" dirty="0" err="1"/>
-              <a:t>EmployeeCount</a:t>
-            </a:r>
-            <a:r>
-              <a:rPr sz="1200" b="1" dirty="0"/>
-              <a:t>, Over18, </a:t>
-            </a:r>
-            <a:r>
-              <a:rPr sz="1200" b="1" dirty="0" err="1"/>
-              <a:t>StandardHours</a:t>
-            </a:r>
-            <a:endParaRPr sz="1200" b="1" dirty="0"/>
-          </a:p>
-        </p:txBody>
-      </p:sp>
-      <p:graphicFrame>
-        <p:nvGraphicFramePr>
-          <p:cNvPr id="4" name="Content Placeholder 5">
-            <a:extLst>
-              <a:ext uri="{FF2B5EF4-FFF2-40B4-BE49-F238E27FC236}">
-                <a16:creationId xmlns:a16="http://schemas.microsoft.com/office/drawing/2014/main" id="{CD659C46-F5CC-417C-8860-74EA258CBA7E}"/>
-              </a:ext>
-            </a:extLst>
-          </p:cNvPr>
-          <p:cNvGraphicFramePr>
-            <a:graphicFrameLocks/>
-          </p:cNvGraphicFramePr>
-          <p:nvPr>
-            <p:extLst>
-              <p:ext uri="{D42A27DB-BD31-4B8C-83A1-F6EECF244321}">
-                <p14:modId xmlns:p14="http://schemas.microsoft.com/office/powerpoint/2010/main" val="1527034884"/>
-              </p:ext>
-            </p:extLst>
-          </p:nvPr>
-        </p:nvGraphicFramePr>
-        <p:xfrm>
-          <a:off x="1645920" y="2071499"/>
-          <a:ext cx="5852160" cy="4145280"/>
-        </p:xfrm>
-        <a:graphic>
-          <a:graphicData uri="http://schemas.openxmlformats.org/drawingml/2006/table">
-            <a:tbl>
-              <a:tblPr firstRow="1" bandRow="1">
-                <a:tableStyleId>{5C22544A-7EE6-4342-B048-85BDC9FD1C3A}</a:tableStyleId>
-              </a:tblPr>
-              <a:tblGrid>
-                <a:gridCol w="1463040">
-                  <a:extLst>
-                    <a:ext uri="{9D8B030D-6E8A-4147-A177-3AD203B41FA5}">
-                      <a16:colId xmlns:a16="http://schemas.microsoft.com/office/drawing/2014/main" val="20000"/>
-                    </a:ext>
-                  </a:extLst>
-                </a:gridCol>
-                <a:gridCol w="1463040">
-                  <a:extLst>
-                    <a:ext uri="{9D8B030D-6E8A-4147-A177-3AD203B41FA5}">
-                      <a16:colId xmlns:a16="http://schemas.microsoft.com/office/drawing/2014/main" val="20001"/>
-                    </a:ext>
-                  </a:extLst>
-                </a:gridCol>
-                <a:gridCol w="1463040">
-                  <a:extLst>
-                    <a:ext uri="{9D8B030D-6E8A-4147-A177-3AD203B41FA5}">
-                      <a16:colId xmlns:a16="http://schemas.microsoft.com/office/drawing/2014/main" val="3979882470"/>
-                    </a:ext>
-                  </a:extLst>
-                </a:gridCol>
-                <a:gridCol w="1463040">
-                  <a:extLst>
-                    <a:ext uri="{9D8B030D-6E8A-4147-A177-3AD203B41FA5}">
-                      <a16:colId xmlns:a16="http://schemas.microsoft.com/office/drawing/2014/main" val="3333661334"/>
-                    </a:ext>
-                  </a:extLst>
-                </a:gridCol>
-              </a:tblGrid>
-              <a:tr h="182880">
-                <a:tc>
-                  <a:txBody>
-                    <a:bodyPr/>
-                    <a:lstStyle/>
-                    <a:p>
-                      <a:endParaRPr sz="1000" dirty="0"/>
-                    </a:p>
-                  </a:txBody>
-                  <a:tcPr/>
-                </a:tc>
-                <a:tc>
-                  <a:txBody>
-                    <a:bodyPr/>
-                    <a:lstStyle/>
-                    <a:p>
-                      <a:pPr marL="0" lvl="0" indent="0" algn="r">
-                        <a:buNone/>
-                      </a:pPr>
-                      <a:r>
-                        <a:rPr sz="1000" dirty="0"/>
-                        <a:t>Levels</a:t>
-                      </a:r>
-                    </a:p>
-                  </a:txBody>
-                  <a:tcPr/>
-                </a:tc>
-                <a:tc>
-                  <a:txBody>
-                    <a:bodyPr/>
-                    <a:lstStyle/>
-                    <a:p>
-                      <a:pPr marL="0" lvl="0" indent="0" algn="r">
-                        <a:buNone/>
-                      </a:pPr>
-                      <a:endParaRPr sz="1000"/>
-                    </a:p>
-                  </a:txBody>
-                  <a:tcPr/>
-                </a:tc>
-                <a:tc>
-                  <a:txBody>
-                    <a:bodyPr/>
-                    <a:lstStyle/>
-                    <a:p>
-                      <a:pPr marL="0" marR="0" lvl="0" indent="0" algn="r" defTabSz="457200" rtl="0" eaLnBrk="1" fontAlgn="auto" latinLnBrk="0" hangingPunct="1">
-                        <a:lnSpc>
-                          <a:spcPct val="100000"/>
-                        </a:lnSpc>
-                        <a:spcBef>
-                          <a:spcPts val="0"/>
-                        </a:spcBef>
-                        <a:spcAft>
-                          <a:spcPts val="0"/>
-                        </a:spcAft>
-                        <a:buClrTx/>
-                        <a:buSzTx/>
-                        <a:buFontTx/>
-                        <a:buNone/>
-                        <a:tabLst/>
-                        <a:defRPr/>
-                      </a:pPr>
-                      <a:r>
-                        <a:rPr lang="en-US" sz="1000" dirty="0"/>
-                        <a:t>Levels</a:t>
-                      </a:r>
-                    </a:p>
-                  </a:txBody>
-                  <a:tcPr/>
-                </a:tc>
-                <a:extLst>
-                  <a:ext uri="{0D108BD9-81ED-4DB2-BD59-A6C34878D82A}">
-                    <a16:rowId xmlns:a16="http://schemas.microsoft.com/office/drawing/2014/main" val="10000"/>
-                  </a:ext>
-                </a:extLst>
-              </a:tr>
-              <a:tr h="182880">
-                <a:tc>
-                  <a:txBody>
-                    <a:bodyPr/>
-                    <a:lstStyle/>
-                    <a:p>
-                      <a:pPr marL="0" lvl="0" indent="0">
-                        <a:buNone/>
-                      </a:pPr>
-                      <a:r>
-                        <a:rPr sz="1000" dirty="0"/>
-                        <a:t>Age</a:t>
-                      </a:r>
-                    </a:p>
-                  </a:txBody>
-                  <a:tcPr/>
-                </a:tc>
-                <a:tc>
-                  <a:txBody>
-                    <a:bodyPr/>
-                    <a:lstStyle/>
-                    <a:p>
-                      <a:pPr marL="0" lvl="0" indent="0" algn="r">
-                        <a:buNone/>
-                      </a:pPr>
-                      <a:r>
-                        <a:rPr sz="1000"/>
-                        <a:t>43</a:t>
-                      </a:r>
-                    </a:p>
-                  </a:txBody>
-                  <a:tcPr/>
-                </a:tc>
-                <a:tc>
-                  <a:txBody>
-                    <a:bodyPr/>
-                    <a:lstStyle/>
-                    <a:p>
-                      <a:pPr marL="0" lvl="0" indent="0">
-                        <a:buNone/>
-                      </a:pPr>
-                      <a:r>
-                        <a:rPr sz="1000" dirty="0" err="1"/>
-                        <a:t>JobSatisfaction</a:t>
-                      </a:r>
-                      <a:endParaRPr sz="1000" dirty="0"/>
-                    </a:p>
-                  </a:txBody>
-                  <a:tcPr/>
-                </a:tc>
-                <a:tc>
-                  <a:txBody>
-                    <a:bodyPr/>
-                    <a:lstStyle/>
-                    <a:p>
-                      <a:pPr marL="0" lvl="0" indent="0" algn="r">
-                        <a:buNone/>
-                      </a:pPr>
-                      <a:r>
-                        <a:rPr sz="1000"/>
-                        <a:t>4</a:t>
-                      </a:r>
-                    </a:p>
-                  </a:txBody>
-                  <a:tcPr/>
-                </a:tc>
-                <a:extLst>
-                  <a:ext uri="{0D108BD9-81ED-4DB2-BD59-A6C34878D82A}">
-                    <a16:rowId xmlns:a16="http://schemas.microsoft.com/office/drawing/2014/main" val="10001"/>
-                  </a:ext>
-                </a:extLst>
-              </a:tr>
-              <a:tr h="182880">
-                <a:tc>
-                  <a:txBody>
-                    <a:bodyPr/>
-                    <a:lstStyle/>
-                    <a:p>
-                      <a:pPr marL="0" lvl="0" indent="0">
-                        <a:buNone/>
-                      </a:pPr>
-                      <a:r>
-                        <a:rPr sz="1000" dirty="0"/>
-                        <a:t>Attrition</a:t>
-                      </a:r>
-                    </a:p>
-                  </a:txBody>
-                  <a:tcPr/>
-                </a:tc>
-                <a:tc>
-                  <a:txBody>
-                    <a:bodyPr/>
-                    <a:lstStyle/>
-                    <a:p>
-                      <a:pPr marL="0" lvl="0" indent="0" algn="r">
-                        <a:buNone/>
-                      </a:pPr>
-                      <a:r>
-                        <a:rPr sz="1000"/>
-                        <a:t>2</a:t>
-                      </a:r>
-                    </a:p>
-                  </a:txBody>
-                  <a:tcPr/>
-                </a:tc>
-                <a:tc>
-                  <a:txBody>
-                    <a:bodyPr/>
-                    <a:lstStyle/>
-                    <a:p>
-                      <a:pPr marL="0" lvl="0" indent="0">
-                        <a:buNone/>
-                      </a:pPr>
-                      <a:r>
-                        <a:rPr lang="en-US" sz="1000" dirty="0" err="1"/>
-                        <a:t>MaritalStatus</a:t>
-                      </a:r>
-                      <a:endParaRPr lang="en-US" sz="1000" dirty="0"/>
-                    </a:p>
-                  </a:txBody>
-                  <a:tcPr/>
-                </a:tc>
-                <a:tc>
-                  <a:txBody>
-                    <a:bodyPr/>
-                    <a:lstStyle/>
-                    <a:p>
-                      <a:pPr marL="0" lvl="0" indent="0" algn="r">
-                        <a:buNone/>
-                      </a:pPr>
-                      <a:r>
-                        <a:rPr lang="en-US" sz="1000" dirty="0"/>
-                        <a:t>3</a:t>
-                      </a:r>
-                    </a:p>
-                  </a:txBody>
-                  <a:tcPr/>
-                </a:tc>
-                <a:extLst>
-                  <a:ext uri="{0D108BD9-81ED-4DB2-BD59-A6C34878D82A}">
-                    <a16:rowId xmlns:a16="http://schemas.microsoft.com/office/drawing/2014/main" val="10002"/>
-                  </a:ext>
-                </a:extLst>
-              </a:tr>
-              <a:tr h="182880">
-                <a:tc>
-                  <a:txBody>
-                    <a:bodyPr/>
-                    <a:lstStyle/>
-                    <a:p>
-                      <a:pPr marL="0" lvl="0" indent="0">
-                        <a:buNone/>
-                      </a:pPr>
-                      <a:r>
-                        <a:rPr sz="1000"/>
-                        <a:t>BusinessTravel</a:t>
-                      </a:r>
-                    </a:p>
-                  </a:txBody>
-                  <a:tcPr/>
-                </a:tc>
-                <a:tc>
-                  <a:txBody>
-                    <a:bodyPr/>
-                    <a:lstStyle/>
-                    <a:p>
-                      <a:pPr marL="0" lvl="0" indent="0" algn="r">
-                        <a:buNone/>
-                      </a:pPr>
-                      <a:r>
-                        <a:rPr sz="1000"/>
-                        <a:t>3</a:t>
-                      </a:r>
-                    </a:p>
-                  </a:txBody>
-                  <a:tcPr/>
-                </a:tc>
-                <a:tc>
-                  <a:txBody>
-                    <a:bodyPr/>
-                    <a:lstStyle/>
-                    <a:p>
-                      <a:pPr marL="0" lvl="0" indent="0">
-                        <a:buNone/>
-                      </a:pPr>
-                      <a:r>
-                        <a:rPr lang="en-US" sz="1000"/>
-                        <a:t>MonthlyIncome</a:t>
-                      </a:r>
-                      <a:endParaRPr lang="en-US" sz="1000" dirty="0"/>
-                    </a:p>
-                  </a:txBody>
-                  <a:tcPr/>
-                </a:tc>
-                <a:tc>
-                  <a:txBody>
-                    <a:bodyPr/>
-                    <a:lstStyle/>
-                    <a:p>
-                      <a:pPr marL="0" lvl="0" indent="0" algn="r">
-                        <a:buNone/>
-                      </a:pPr>
-                      <a:r>
-                        <a:rPr lang="en-US" sz="1000" dirty="0"/>
-                        <a:t>826</a:t>
-                      </a:r>
-                    </a:p>
-                  </a:txBody>
-                  <a:tcPr/>
-                </a:tc>
-                <a:extLst>
-                  <a:ext uri="{0D108BD9-81ED-4DB2-BD59-A6C34878D82A}">
-                    <a16:rowId xmlns:a16="http://schemas.microsoft.com/office/drawing/2014/main" val="10003"/>
-                  </a:ext>
-                </a:extLst>
-              </a:tr>
-              <a:tr h="182880">
-                <a:tc>
-                  <a:txBody>
-                    <a:bodyPr/>
-                    <a:lstStyle/>
-                    <a:p>
-                      <a:pPr marL="0" lvl="0" indent="0">
-                        <a:buNone/>
-                      </a:pPr>
-                      <a:r>
-                        <a:rPr sz="1000" dirty="0" err="1"/>
-                        <a:t>DailyRate</a:t>
-                      </a:r>
-                      <a:endParaRPr sz="1000" dirty="0"/>
-                    </a:p>
-                  </a:txBody>
-                  <a:tcPr/>
-                </a:tc>
-                <a:tc>
-                  <a:txBody>
-                    <a:bodyPr/>
-                    <a:lstStyle/>
-                    <a:p>
-                      <a:pPr marL="0" lvl="0" indent="0" algn="r">
-                        <a:buNone/>
-                      </a:pPr>
-                      <a:r>
-                        <a:rPr sz="1000"/>
-                        <a:t>627</a:t>
-                      </a:r>
-                    </a:p>
-                  </a:txBody>
-                  <a:tcPr/>
-                </a:tc>
-                <a:tc>
-                  <a:txBody>
-                    <a:bodyPr/>
-                    <a:lstStyle/>
-                    <a:p>
-                      <a:pPr marL="0" lvl="0" indent="0">
-                        <a:buNone/>
-                      </a:pPr>
-                      <a:r>
-                        <a:rPr lang="en-US" sz="1000"/>
-                        <a:t>MonthlyRate</a:t>
-                      </a:r>
-                      <a:endParaRPr lang="en-US" sz="1000" dirty="0"/>
-                    </a:p>
-                  </a:txBody>
-                  <a:tcPr/>
-                </a:tc>
-                <a:tc>
-                  <a:txBody>
-                    <a:bodyPr/>
-                    <a:lstStyle/>
-                    <a:p>
-                      <a:pPr marL="0" lvl="0" indent="0" algn="r">
-                        <a:buNone/>
-                      </a:pPr>
-                      <a:r>
-                        <a:rPr lang="en-US" sz="1000" dirty="0"/>
-                        <a:t>852</a:t>
-                      </a:r>
-                    </a:p>
-                  </a:txBody>
-                  <a:tcPr/>
-                </a:tc>
-                <a:extLst>
-                  <a:ext uri="{0D108BD9-81ED-4DB2-BD59-A6C34878D82A}">
-                    <a16:rowId xmlns:a16="http://schemas.microsoft.com/office/drawing/2014/main" val="10004"/>
-                  </a:ext>
-                </a:extLst>
-              </a:tr>
-              <a:tr h="182880">
-                <a:tc>
-                  <a:txBody>
-                    <a:bodyPr/>
-                    <a:lstStyle/>
-                    <a:p>
-                      <a:pPr marL="0" lvl="0" indent="0">
-                        <a:buNone/>
-                      </a:pPr>
-                      <a:r>
-                        <a:rPr sz="1000" dirty="0"/>
-                        <a:t>Department</a:t>
-                      </a:r>
-                    </a:p>
-                  </a:txBody>
-                  <a:tcPr/>
-                </a:tc>
-                <a:tc>
-                  <a:txBody>
-                    <a:bodyPr/>
-                    <a:lstStyle/>
-                    <a:p>
-                      <a:pPr marL="0" lvl="0" indent="0" algn="r">
-                        <a:buNone/>
-                      </a:pPr>
-                      <a:r>
-                        <a:rPr sz="1000"/>
-                        <a:t>3</a:t>
-                      </a:r>
-                    </a:p>
-                  </a:txBody>
-                  <a:tcPr/>
-                </a:tc>
-                <a:tc>
-                  <a:txBody>
-                    <a:bodyPr/>
-                    <a:lstStyle/>
-                    <a:p>
-                      <a:pPr marL="0" lvl="0" indent="0">
-                        <a:buNone/>
-                      </a:pPr>
-                      <a:r>
-                        <a:rPr lang="en-US" sz="1000"/>
-                        <a:t>NumCompaniesWorked</a:t>
-                      </a:r>
-                      <a:endParaRPr lang="en-US" sz="1000" dirty="0"/>
-                    </a:p>
-                  </a:txBody>
-                  <a:tcPr/>
-                </a:tc>
-                <a:tc>
-                  <a:txBody>
-                    <a:bodyPr/>
-                    <a:lstStyle/>
-                    <a:p>
-                      <a:pPr marL="0" lvl="0" indent="0" algn="r">
-                        <a:buNone/>
-                      </a:pPr>
-                      <a:r>
-                        <a:rPr lang="en-US" sz="1000" dirty="0"/>
-                        <a:t>10</a:t>
-                      </a:r>
-                    </a:p>
-                  </a:txBody>
-                  <a:tcPr/>
-                </a:tc>
-                <a:extLst>
-                  <a:ext uri="{0D108BD9-81ED-4DB2-BD59-A6C34878D82A}">
-                    <a16:rowId xmlns:a16="http://schemas.microsoft.com/office/drawing/2014/main" val="10005"/>
-                  </a:ext>
-                </a:extLst>
-              </a:tr>
-              <a:tr h="182880">
-                <a:tc>
-                  <a:txBody>
-                    <a:bodyPr/>
-                    <a:lstStyle/>
-                    <a:p>
-                      <a:pPr marL="0" lvl="0" indent="0">
-                        <a:buNone/>
-                      </a:pPr>
-                      <a:r>
-                        <a:rPr sz="1000"/>
-                        <a:t>DistanceFromHome</a:t>
-                      </a:r>
-                    </a:p>
-                  </a:txBody>
-                  <a:tcPr/>
-                </a:tc>
-                <a:tc>
-                  <a:txBody>
-                    <a:bodyPr/>
-                    <a:lstStyle/>
-                    <a:p>
-                      <a:pPr marL="0" lvl="0" indent="0" algn="r">
-                        <a:buNone/>
-                      </a:pPr>
-                      <a:r>
-                        <a:rPr sz="1000"/>
-                        <a:t>29</a:t>
-                      </a:r>
-                    </a:p>
-                  </a:txBody>
-                  <a:tcPr/>
-                </a:tc>
-                <a:tc>
-                  <a:txBody>
-                    <a:bodyPr/>
-                    <a:lstStyle/>
-                    <a:p>
-                      <a:pPr marL="0" lvl="0" indent="0">
-                        <a:buNone/>
-                      </a:pPr>
-                      <a:r>
-                        <a:rPr lang="en-US" sz="1000" dirty="0"/>
-                        <a:t>Over18</a:t>
-                      </a:r>
-                    </a:p>
-                  </a:txBody>
-                  <a:tcPr>
-                    <a:solidFill>
-                      <a:srgbClr val="FFFF00"/>
-                    </a:solidFill>
-                  </a:tcPr>
-                </a:tc>
-                <a:tc>
-                  <a:txBody>
-                    <a:bodyPr/>
-                    <a:lstStyle/>
-                    <a:p>
-                      <a:pPr marL="0" lvl="0" indent="0" algn="r">
-                        <a:buNone/>
-                      </a:pPr>
-                      <a:r>
-                        <a:rPr lang="en-US" sz="1000" dirty="0"/>
-                        <a:t>1</a:t>
-                      </a:r>
-                    </a:p>
-                  </a:txBody>
-                  <a:tcPr>
-                    <a:solidFill>
-                      <a:srgbClr val="FFFF00"/>
-                    </a:solidFill>
-                  </a:tcPr>
-                </a:tc>
-                <a:extLst>
-                  <a:ext uri="{0D108BD9-81ED-4DB2-BD59-A6C34878D82A}">
-                    <a16:rowId xmlns:a16="http://schemas.microsoft.com/office/drawing/2014/main" val="10006"/>
-                  </a:ext>
-                </a:extLst>
-              </a:tr>
-              <a:tr h="182880">
-                <a:tc>
-                  <a:txBody>
-                    <a:bodyPr/>
-                    <a:lstStyle/>
-                    <a:p>
-                      <a:pPr marL="0" lvl="0" indent="0">
-                        <a:buNone/>
-                      </a:pPr>
-                      <a:r>
-                        <a:rPr sz="1000"/>
-                        <a:t>Education</a:t>
-                      </a:r>
-                    </a:p>
-                  </a:txBody>
-                  <a:tcPr/>
-                </a:tc>
-                <a:tc>
-                  <a:txBody>
-                    <a:bodyPr/>
-                    <a:lstStyle/>
-                    <a:p>
-                      <a:pPr marL="0" lvl="0" indent="0" algn="r">
-                        <a:buNone/>
-                      </a:pPr>
-                      <a:r>
-                        <a:rPr sz="1000"/>
-                        <a:t>5</a:t>
-                      </a:r>
-                    </a:p>
-                  </a:txBody>
-                  <a:tcPr/>
-                </a:tc>
-                <a:tc>
-                  <a:txBody>
-                    <a:bodyPr/>
-                    <a:lstStyle/>
-                    <a:p>
-                      <a:pPr marL="0" lvl="0" indent="0">
-                        <a:buNone/>
-                      </a:pPr>
-                      <a:r>
-                        <a:rPr lang="en-US" sz="1000"/>
-                        <a:t>OverTime</a:t>
-                      </a:r>
-                      <a:endParaRPr lang="en-US" sz="1000" dirty="0"/>
-                    </a:p>
-                  </a:txBody>
-                  <a:tcPr/>
-                </a:tc>
-                <a:tc>
-                  <a:txBody>
-                    <a:bodyPr/>
-                    <a:lstStyle/>
-                    <a:p>
-                      <a:pPr marL="0" lvl="0" indent="0" algn="r">
-                        <a:buNone/>
-                      </a:pPr>
-                      <a:r>
-                        <a:rPr lang="en-US" sz="1000" dirty="0"/>
-                        <a:t>2</a:t>
-                      </a:r>
-                    </a:p>
-                  </a:txBody>
-                  <a:tcPr/>
-                </a:tc>
-                <a:extLst>
-                  <a:ext uri="{0D108BD9-81ED-4DB2-BD59-A6C34878D82A}">
-                    <a16:rowId xmlns:a16="http://schemas.microsoft.com/office/drawing/2014/main" val="10007"/>
-                  </a:ext>
-                </a:extLst>
-              </a:tr>
-              <a:tr h="182880">
-                <a:tc>
-                  <a:txBody>
-                    <a:bodyPr/>
-                    <a:lstStyle/>
-                    <a:p>
-                      <a:pPr marL="0" lvl="0" indent="0">
-                        <a:buNone/>
-                      </a:pPr>
-                      <a:r>
-                        <a:rPr sz="1000"/>
-                        <a:t>EducationField</a:t>
-                      </a:r>
-                    </a:p>
-                  </a:txBody>
-                  <a:tcPr/>
-                </a:tc>
-                <a:tc>
-                  <a:txBody>
-                    <a:bodyPr/>
-                    <a:lstStyle/>
-                    <a:p>
-                      <a:pPr marL="0" lvl="0" indent="0" algn="r">
-                        <a:buNone/>
-                      </a:pPr>
-                      <a:r>
-                        <a:rPr sz="1000"/>
-                        <a:t>6</a:t>
-                      </a:r>
-                    </a:p>
-                  </a:txBody>
-                  <a:tcPr/>
-                </a:tc>
-                <a:tc>
-                  <a:txBody>
-                    <a:bodyPr/>
-                    <a:lstStyle/>
-                    <a:p>
-                      <a:pPr marL="0" lvl="0" indent="0">
-                        <a:buNone/>
-                      </a:pPr>
-                      <a:r>
-                        <a:rPr lang="en-US" sz="1000"/>
-                        <a:t>PercentSalaryHike</a:t>
-                      </a:r>
-                      <a:endParaRPr lang="en-US" sz="1000" dirty="0"/>
-                    </a:p>
-                  </a:txBody>
-                  <a:tcPr/>
-                </a:tc>
-                <a:tc>
-                  <a:txBody>
-                    <a:bodyPr/>
-                    <a:lstStyle/>
-                    <a:p>
-                      <a:pPr marL="0" lvl="0" indent="0" algn="r">
-                        <a:buNone/>
-                      </a:pPr>
-                      <a:r>
-                        <a:rPr lang="en-US" sz="1000" dirty="0"/>
-                        <a:t>15</a:t>
-                      </a:r>
-                    </a:p>
-                  </a:txBody>
-                  <a:tcPr/>
-                </a:tc>
-                <a:extLst>
-                  <a:ext uri="{0D108BD9-81ED-4DB2-BD59-A6C34878D82A}">
-                    <a16:rowId xmlns:a16="http://schemas.microsoft.com/office/drawing/2014/main" val="10008"/>
-                  </a:ext>
-                </a:extLst>
-              </a:tr>
-              <a:tr h="182880">
-                <a:tc>
-                  <a:txBody>
-                    <a:bodyPr/>
-                    <a:lstStyle/>
-                    <a:p>
-                      <a:pPr marL="0" lvl="0" indent="0">
-                        <a:buNone/>
-                      </a:pPr>
-                      <a:r>
-                        <a:rPr sz="1000" dirty="0" err="1"/>
-                        <a:t>EmployeeCount</a:t>
-                      </a:r>
-                      <a:endParaRPr sz="1000" dirty="0"/>
-                    </a:p>
-                  </a:txBody>
-                  <a:tcPr>
-                    <a:solidFill>
-                      <a:srgbClr val="FFFF00"/>
-                    </a:solidFill>
-                  </a:tcPr>
-                </a:tc>
-                <a:tc>
-                  <a:txBody>
-                    <a:bodyPr/>
-                    <a:lstStyle/>
-                    <a:p>
-                      <a:pPr marL="0" lvl="0" indent="0" algn="r">
-                        <a:buNone/>
-                      </a:pPr>
-                      <a:r>
-                        <a:rPr sz="1000" dirty="0"/>
-                        <a:t>1</a:t>
-                      </a:r>
-                    </a:p>
-                  </a:txBody>
-                  <a:tcPr>
-                    <a:solidFill>
-                      <a:srgbClr val="FFFF00"/>
-                    </a:solidFill>
-                  </a:tcPr>
-                </a:tc>
-                <a:tc>
-                  <a:txBody>
-                    <a:bodyPr/>
-                    <a:lstStyle/>
-                    <a:p>
-                      <a:pPr marL="0" lvl="0" indent="0">
-                        <a:buNone/>
-                      </a:pPr>
-                      <a:r>
-                        <a:rPr lang="en-US" sz="1000"/>
-                        <a:t>PerformanceRating</a:t>
-                      </a:r>
-                      <a:endParaRPr lang="en-US" sz="1000" dirty="0"/>
-                    </a:p>
-                  </a:txBody>
-                  <a:tcPr/>
-                </a:tc>
-                <a:tc>
-                  <a:txBody>
-                    <a:bodyPr/>
-                    <a:lstStyle/>
-                    <a:p>
-                      <a:pPr marL="0" lvl="0" indent="0" algn="r">
-                        <a:buNone/>
-                      </a:pPr>
-                      <a:r>
-                        <a:rPr lang="en-US" sz="1000" dirty="0"/>
-                        <a:t>2</a:t>
-                      </a:r>
-                    </a:p>
-                  </a:txBody>
-                  <a:tcPr/>
-                </a:tc>
-                <a:extLst>
-                  <a:ext uri="{0D108BD9-81ED-4DB2-BD59-A6C34878D82A}">
-                    <a16:rowId xmlns:a16="http://schemas.microsoft.com/office/drawing/2014/main" val="10009"/>
-                  </a:ext>
-                </a:extLst>
-              </a:tr>
-              <a:tr h="182880">
-                <a:tc>
-                  <a:txBody>
-                    <a:bodyPr/>
-                    <a:lstStyle/>
-                    <a:p>
-                      <a:pPr marL="0" lvl="0" indent="0">
-                        <a:buNone/>
-                      </a:pPr>
-                      <a:r>
-                        <a:rPr sz="1000"/>
-                        <a:t>EmployeeNumber</a:t>
-                      </a:r>
-                    </a:p>
-                  </a:txBody>
-                  <a:tcPr/>
-                </a:tc>
-                <a:tc>
-                  <a:txBody>
-                    <a:bodyPr/>
-                    <a:lstStyle/>
-                    <a:p>
-                      <a:pPr marL="0" lvl="0" indent="0" algn="r">
-                        <a:buNone/>
-                      </a:pPr>
-                      <a:r>
-                        <a:rPr sz="1000"/>
-                        <a:t>870</a:t>
-                      </a:r>
-                    </a:p>
-                  </a:txBody>
-                  <a:tcPr/>
-                </a:tc>
-                <a:tc>
-                  <a:txBody>
-                    <a:bodyPr/>
-                    <a:lstStyle/>
-                    <a:p>
-                      <a:pPr marL="0" lvl="0" indent="0">
-                        <a:buNone/>
-                      </a:pPr>
-                      <a:r>
-                        <a:rPr lang="en-US" sz="1000"/>
-                        <a:t>RelationshipSatisfaction</a:t>
-                      </a:r>
-                      <a:endParaRPr lang="en-US" sz="1000" dirty="0"/>
-                    </a:p>
-                  </a:txBody>
-                  <a:tcPr/>
-                </a:tc>
-                <a:tc>
-                  <a:txBody>
-                    <a:bodyPr/>
-                    <a:lstStyle/>
-                    <a:p>
-                      <a:pPr marL="0" lvl="0" indent="0" algn="r">
-                        <a:buNone/>
-                      </a:pPr>
-                      <a:r>
-                        <a:rPr lang="en-US" sz="1000" dirty="0"/>
-                        <a:t>4</a:t>
-                      </a:r>
-                    </a:p>
-                  </a:txBody>
-                  <a:tcPr/>
-                </a:tc>
-                <a:extLst>
-                  <a:ext uri="{0D108BD9-81ED-4DB2-BD59-A6C34878D82A}">
-                    <a16:rowId xmlns:a16="http://schemas.microsoft.com/office/drawing/2014/main" val="10010"/>
-                  </a:ext>
-                </a:extLst>
-              </a:tr>
-              <a:tr h="182880">
-                <a:tc>
-                  <a:txBody>
-                    <a:bodyPr/>
-                    <a:lstStyle/>
-                    <a:p>
-                      <a:pPr marL="0" lvl="0" indent="0">
-                        <a:buNone/>
-                      </a:pPr>
-                      <a:r>
-                        <a:rPr sz="1000"/>
-                        <a:t>EnvironmentSatisfaction</a:t>
-                      </a:r>
-                    </a:p>
-                  </a:txBody>
-                  <a:tcPr/>
-                </a:tc>
-                <a:tc>
-                  <a:txBody>
-                    <a:bodyPr/>
-                    <a:lstStyle/>
-                    <a:p>
-                      <a:pPr marL="0" lvl="0" indent="0" algn="r">
-                        <a:buNone/>
-                      </a:pPr>
-                      <a:r>
-                        <a:rPr sz="1000"/>
-                        <a:t>4</a:t>
-                      </a:r>
-                    </a:p>
-                  </a:txBody>
-                  <a:tcPr/>
-                </a:tc>
-                <a:tc>
-                  <a:txBody>
-                    <a:bodyPr/>
-                    <a:lstStyle/>
-                    <a:p>
-                      <a:pPr marL="0" lvl="0" indent="0">
-                        <a:buNone/>
-                      </a:pPr>
-                      <a:r>
-                        <a:rPr lang="en-US" sz="1000" dirty="0" err="1"/>
-                        <a:t>StandardHours</a:t>
-                      </a:r>
-                      <a:endParaRPr lang="en-US" sz="1000" dirty="0"/>
-                    </a:p>
-                  </a:txBody>
-                  <a:tcPr>
-                    <a:solidFill>
-                      <a:srgbClr val="FFFF00"/>
-                    </a:solidFill>
-                  </a:tcPr>
-                </a:tc>
-                <a:tc>
-                  <a:txBody>
-                    <a:bodyPr/>
-                    <a:lstStyle/>
-                    <a:p>
-                      <a:pPr marL="0" lvl="0" indent="0" algn="r">
-                        <a:buNone/>
-                      </a:pPr>
-                      <a:r>
-                        <a:rPr lang="en-US" sz="1000" dirty="0"/>
-                        <a:t>1</a:t>
-                      </a:r>
-                    </a:p>
-                  </a:txBody>
-                  <a:tcPr>
-                    <a:solidFill>
-                      <a:srgbClr val="FFFF00"/>
-                    </a:solidFill>
-                  </a:tcPr>
-                </a:tc>
-                <a:extLst>
-                  <a:ext uri="{0D108BD9-81ED-4DB2-BD59-A6C34878D82A}">
-                    <a16:rowId xmlns:a16="http://schemas.microsoft.com/office/drawing/2014/main" val="10011"/>
-                  </a:ext>
-                </a:extLst>
-              </a:tr>
-              <a:tr h="182880">
-                <a:tc>
-                  <a:txBody>
-                    <a:bodyPr/>
-                    <a:lstStyle/>
-                    <a:p>
-                      <a:pPr marL="0" lvl="0" indent="0">
-                        <a:buNone/>
-                      </a:pPr>
-                      <a:r>
-                        <a:rPr sz="1000"/>
-                        <a:t>Gender</a:t>
-                      </a:r>
-                    </a:p>
-                  </a:txBody>
-                  <a:tcPr/>
-                </a:tc>
-                <a:tc>
-                  <a:txBody>
-                    <a:bodyPr/>
-                    <a:lstStyle/>
-                    <a:p>
-                      <a:pPr marL="0" lvl="0" indent="0" algn="r">
-                        <a:buNone/>
-                      </a:pPr>
-                      <a:r>
-                        <a:rPr sz="1000"/>
-                        <a:t>2</a:t>
-                      </a:r>
-                    </a:p>
-                  </a:txBody>
-                  <a:tcPr/>
-                </a:tc>
-                <a:tc>
-                  <a:txBody>
-                    <a:bodyPr/>
-                    <a:lstStyle/>
-                    <a:p>
-                      <a:pPr marL="0" lvl="0" indent="0">
-                        <a:buNone/>
-                      </a:pPr>
-                      <a:r>
-                        <a:rPr lang="en-US" sz="1000"/>
-                        <a:t>StockOptionLevel</a:t>
-                      </a:r>
-                      <a:endParaRPr lang="en-US" sz="1000" dirty="0"/>
-                    </a:p>
-                  </a:txBody>
-                  <a:tcPr/>
-                </a:tc>
-                <a:tc>
-                  <a:txBody>
-                    <a:bodyPr/>
-                    <a:lstStyle/>
-                    <a:p>
-                      <a:pPr marL="0" lvl="0" indent="0" algn="r">
-                        <a:buNone/>
-                      </a:pPr>
-                      <a:r>
-                        <a:rPr lang="en-US" sz="1000" dirty="0"/>
-                        <a:t>4</a:t>
-                      </a:r>
-                    </a:p>
-                  </a:txBody>
-                  <a:tcPr/>
-                </a:tc>
-                <a:extLst>
-                  <a:ext uri="{0D108BD9-81ED-4DB2-BD59-A6C34878D82A}">
-                    <a16:rowId xmlns:a16="http://schemas.microsoft.com/office/drawing/2014/main" val="10012"/>
-                  </a:ext>
-                </a:extLst>
-              </a:tr>
-              <a:tr h="182880">
-                <a:tc>
-                  <a:txBody>
-                    <a:bodyPr/>
-                    <a:lstStyle/>
-                    <a:p>
-                      <a:pPr marL="0" lvl="0" indent="0">
-                        <a:buNone/>
-                      </a:pPr>
-                      <a:r>
-                        <a:rPr sz="1000"/>
-                        <a:t>HourlyRate</a:t>
-                      </a:r>
-                    </a:p>
-                  </a:txBody>
-                  <a:tcPr/>
-                </a:tc>
-                <a:tc>
-                  <a:txBody>
-                    <a:bodyPr/>
-                    <a:lstStyle/>
-                    <a:p>
-                      <a:pPr marL="0" lvl="0" indent="0" algn="r">
-                        <a:buNone/>
-                      </a:pPr>
-                      <a:r>
-                        <a:rPr sz="1000"/>
-                        <a:t>71</a:t>
-                      </a:r>
-                    </a:p>
-                  </a:txBody>
-                  <a:tcPr/>
-                </a:tc>
-                <a:tc>
-                  <a:txBody>
-                    <a:bodyPr/>
-                    <a:lstStyle/>
-                    <a:p>
-                      <a:pPr marL="0" lvl="0" indent="0">
-                        <a:buNone/>
-                      </a:pPr>
-                      <a:r>
-                        <a:rPr lang="en-US" sz="1000"/>
-                        <a:t>TotalWorkingYears</a:t>
-                      </a:r>
-                      <a:endParaRPr lang="en-US" sz="1000" dirty="0"/>
-                    </a:p>
-                  </a:txBody>
-                  <a:tcPr/>
-                </a:tc>
-                <a:tc>
-                  <a:txBody>
-                    <a:bodyPr/>
-                    <a:lstStyle/>
-                    <a:p>
-                      <a:pPr marL="0" lvl="0" indent="0" algn="r">
-                        <a:buNone/>
-                      </a:pPr>
-                      <a:r>
-                        <a:rPr lang="en-US" sz="1000" dirty="0"/>
-                        <a:t>39</a:t>
-                      </a:r>
-                    </a:p>
-                  </a:txBody>
-                  <a:tcPr/>
-                </a:tc>
-                <a:extLst>
-                  <a:ext uri="{0D108BD9-81ED-4DB2-BD59-A6C34878D82A}">
-                    <a16:rowId xmlns:a16="http://schemas.microsoft.com/office/drawing/2014/main" val="10013"/>
-                  </a:ext>
-                </a:extLst>
-              </a:tr>
-              <a:tr h="182880">
-                <a:tc>
-                  <a:txBody>
-                    <a:bodyPr/>
-                    <a:lstStyle/>
-                    <a:p>
-                      <a:pPr marL="0" lvl="0" indent="0">
-                        <a:buNone/>
-                      </a:pPr>
-                      <a:r>
-                        <a:rPr sz="1000"/>
-                        <a:t>JobInvolvement</a:t>
-                      </a:r>
-                    </a:p>
-                  </a:txBody>
-                  <a:tcPr/>
-                </a:tc>
-                <a:tc>
-                  <a:txBody>
-                    <a:bodyPr/>
-                    <a:lstStyle/>
-                    <a:p>
-                      <a:pPr marL="0" lvl="0" indent="0" algn="r">
-                        <a:buNone/>
-                      </a:pPr>
-                      <a:r>
-                        <a:rPr sz="1000"/>
-                        <a:t>4</a:t>
-                      </a:r>
-                    </a:p>
-                  </a:txBody>
-                  <a:tcPr/>
-                </a:tc>
-                <a:tc>
-                  <a:txBody>
-                    <a:bodyPr/>
-                    <a:lstStyle/>
-                    <a:p>
-                      <a:pPr marL="0" lvl="0" indent="0">
-                        <a:buNone/>
-                      </a:pPr>
-                      <a:r>
-                        <a:rPr lang="en-US" sz="1000"/>
-                        <a:t>TrainingTimesLastYear</a:t>
-                      </a:r>
-                      <a:endParaRPr lang="en-US" sz="1000" dirty="0"/>
-                    </a:p>
-                  </a:txBody>
-                  <a:tcPr/>
-                </a:tc>
-                <a:tc>
-                  <a:txBody>
-                    <a:bodyPr/>
-                    <a:lstStyle/>
-                    <a:p>
-                      <a:pPr marL="0" lvl="0" indent="0" algn="r">
-                        <a:buNone/>
-                      </a:pPr>
-                      <a:r>
-                        <a:rPr lang="en-US" sz="1000" dirty="0"/>
-                        <a:t>7</a:t>
-                      </a:r>
-                    </a:p>
-                  </a:txBody>
-                  <a:tcPr/>
-                </a:tc>
-                <a:extLst>
-                  <a:ext uri="{0D108BD9-81ED-4DB2-BD59-A6C34878D82A}">
-                    <a16:rowId xmlns:a16="http://schemas.microsoft.com/office/drawing/2014/main" val="10014"/>
-                  </a:ext>
-                </a:extLst>
-              </a:tr>
-              <a:tr h="182880">
-                <a:tc>
-                  <a:txBody>
-                    <a:bodyPr/>
-                    <a:lstStyle/>
-                    <a:p>
-                      <a:pPr marL="0" lvl="0" indent="0">
-                        <a:buNone/>
-                      </a:pPr>
-                      <a:r>
-                        <a:rPr sz="1000"/>
-                        <a:t>JobLevel</a:t>
-                      </a:r>
-                    </a:p>
-                  </a:txBody>
-                  <a:tcPr/>
-                </a:tc>
-                <a:tc>
-                  <a:txBody>
-                    <a:bodyPr/>
-                    <a:lstStyle/>
-                    <a:p>
-                      <a:pPr marL="0" lvl="0" indent="0" algn="r">
-                        <a:buNone/>
-                      </a:pPr>
-                      <a:r>
-                        <a:rPr sz="1000"/>
-                        <a:t>5</a:t>
-                      </a:r>
-                    </a:p>
-                  </a:txBody>
-                  <a:tcPr/>
-                </a:tc>
-                <a:tc>
-                  <a:txBody>
-                    <a:bodyPr/>
-                    <a:lstStyle/>
-                    <a:p>
-                      <a:pPr marL="0" lvl="0" indent="0">
-                        <a:buNone/>
-                      </a:pPr>
-                      <a:r>
-                        <a:rPr lang="en-US" sz="1000"/>
-                        <a:t>WorkLifeBalance</a:t>
-                      </a:r>
-                      <a:endParaRPr lang="en-US" sz="1000" dirty="0"/>
-                    </a:p>
-                  </a:txBody>
-                  <a:tcPr/>
-                </a:tc>
-                <a:tc>
-                  <a:txBody>
-                    <a:bodyPr/>
-                    <a:lstStyle/>
-                    <a:p>
-                      <a:pPr marL="0" lvl="0" indent="0" algn="r">
-                        <a:buNone/>
-                      </a:pPr>
-                      <a:r>
-                        <a:rPr lang="en-US" sz="1000" dirty="0"/>
-                        <a:t>4</a:t>
-                      </a:r>
-                    </a:p>
-                  </a:txBody>
-                  <a:tcPr/>
-                </a:tc>
-                <a:extLst>
-                  <a:ext uri="{0D108BD9-81ED-4DB2-BD59-A6C34878D82A}">
-                    <a16:rowId xmlns:a16="http://schemas.microsoft.com/office/drawing/2014/main" val="10015"/>
-                  </a:ext>
-                </a:extLst>
-              </a:tr>
-              <a:tr h="182880">
-                <a:tc>
-                  <a:txBody>
-                    <a:bodyPr/>
-                    <a:lstStyle/>
-                    <a:p>
-                      <a:pPr marL="0" lvl="0" indent="0">
-                        <a:buNone/>
-                      </a:pPr>
-                      <a:r>
-                        <a:rPr sz="1000"/>
-                        <a:t>JobRole</a:t>
-                      </a:r>
-                    </a:p>
-                  </a:txBody>
-                  <a:tcPr/>
-                </a:tc>
-                <a:tc>
-                  <a:txBody>
-                    <a:bodyPr/>
-                    <a:lstStyle/>
-                    <a:p>
-                      <a:pPr marL="0" lvl="0" indent="0" algn="r">
-                        <a:buNone/>
-                      </a:pPr>
-                      <a:r>
-                        <a:rPr sz="1000"/>
-                        <a:t>9</a:t>
-                      </a:r>
-                    </a:p>
-                  </a:txBody>
-                  <a:tcPr/>
-                </a:tc>
-                <a:tc>
-                  <a:txBody>
-                    <a:bodyPr/>
-                    <a:lstStyle/>
-                    <a:p>
-                      <a:pPr marL="0" lvl="0" indent="0">
-                        <a:buNone/>
-                      </a:pPr>
-                      <a:r>
-                        <a:rPr lang="en-US" sz="1000"/>
-                        <a:t>YearsAtCompany</a:t>
-                      </a:r>
-                      <a:endParaRPr lang="en-US" sz="1000" dirty="0"/>
-                    </a:p>
-                  </a:txBody>
-                  <a:tcPr/>
-                </a:tc>
-                <a:tc>
-                  <a:txBody>
-                    <a:bodyPr/>
-                    <a:lstStyle/>
-                    <a:p>
-                      <a:pPr marL="0" lvl="0" indent="0" algn="r">
-                        <a:buNone/>
-                      </a:pPr>
-                      <a:r>
-                        <a:rPr lang="en-US" sz="1000" dirty="0"/>
-                        <a:t>32</a:t>
-                      </a:r>
-                    </a:p>
-                  </a:txBody>
-                  <a:tcPr/>
-                </a:tc>
-                <a:extLst>
-                  <a:ext uri="{0D108BD9-81ED-4DB2-BD59-A6C34878D82A}">
-                    <a16:rowId xmlns:a16="http://schemas.microsoft.com/office/drawing/2014/main" val="10016"/>
-                  </a:ext>
-                </a:extLst>
-              </a:tr>
-            </a:tbl>
-          </a:graphicData>
-        </a:graphic>
-      </p:graphicFrame>
-    </p:spTree>
-  </p:cSld>
-  <p:clrMapOvr>
-    <a:masterClrMapping/>
-  </p:clrMapOvr>
-</p:sld>
-</file>
-
-<file path=ppt/slides/slide5.xml><?xml version="1.0" encoding="utf-8"?>
-<p:sld xmlns:a="http://schemas.openxmlformats.org/drawingml/2006/main" xmlns:r="http://schemas.openxmlformats.org/officeDocument/2006/relationships" xmlns:p="http://schemas.openxmlformats.org/presentationml/2006/main">
-  <p:cSld>
-    <p:spTree>
-      <p:nvGrpSpPr>
-        <p:cNvPr id="1" name=""/>
-        <p:cNvGrpSpPr/>
-        <p:nvPr/>
-      </p:nvGrpSpPr>
-      <p:grpSpPr>
-        <a:xfrm>
-          <a:off x="0" y="0"/>
-          <a:ext cx="0" cy="0"/>
-          <a:chOff x="0" y="0"/>
-          <a:chExt cx="0" cy="0"/>
-        </a:xfrm>
-      </p:grpSpPr>
-      <p:sp>
-        <p:nvSpPr>
-          <p:cNvPr id="2" name="Title 1"/>
-          <p:cNvSpPr>
-            <a:spLocks noGrp="1"/>
-          </p:cNvSpPr>
-          <p:nvPr>
-            <p:ph type="title"/>
-          </p:nvPr>
-        </p:nvSpPr>
-        <p:spPr/>
-        <p:txBody>
-          <a:bodyPr/>
-          <a:lstStyle/>
-          <a:p>
-            <a:pPr marL="0" lvl="0" indent="0">
-              <a:buNone/>
-            </a:pPr>
-            <a:r>
-              <a:t>Is the data balanced?</a:t>
-            </a:r>
-          </a:p>
-        </p:txBody>
-      </p:sp>
-      <p:sp>
-        <p:nvSpPr>
-          <p:cNvPr id="3" name="Content Placeholder 2"/>
-          <p:cNvSpPr>
-            <a:spLocks noGrp="1"/>
-          </p:cNvSpPr>
-          <p:nvPr>
-            <p:ph idx="1"/>
-          </p:nvPr>
-        </p:nvSpPr>
-        <p:spPr/>
-        <p:txBody>
-          <a:bodyPr>
-            <a:normAutofit/>
-          </a:bodyPr>
-          <a:lstStyle/>
-          <a:p>
-            <a:pPr marL="0" lvl="0" indent="0">
-              <a:spcBef>
-                <a:spcPts val="3000"/>
-              </a:spcBef>
-              <a:buNone/>
-            </a:pPr>
-            <a:r>
-              <a:rPr sz="1200" b="1" dirty="0"/>
-              <a:t>Modeling to predict attrition needs unbiased data. Too many “no” responses. </a:t>
-            </a:r>
-            <a:r>
-              <a:rPr sz="1200" b="1" dirty="0" err="1"/>
-              <a:t>Downsampled</a:t>
-            </a:r>
-            <a:r>
-              <a:rPr sz="1200" b="1" dirty="0"/>
-              <a:t> to fix.</a:t>
-            </a:r>
-          </a:p>
-        </p:txBody>
-      </p:sp>
-      <p:graphicFrame>
-        <p:nvGraphicFramePr>
-          <p:cNvPr id="4" name="Content Placeholder 5">
-            <a:extLst>
-              <a:ext uri="{FF2B5EF4-FFF2-40B4-BE49-F238E27FC236}">
-                <a16:creationId xmlns:a16="http://schemas.microsoft.com/office/drawing/2014/main" id="{2F1DEA41-0BD3-40D4-8D1D-D7D847C56B4D}"/>
-              </a:ext>
-            </a:extLst>
-          </p:cNvPr>
-          <p:cNvGraphicFramePr>
-            <a:graphicFrameLocks/>
-          </p:cNvGraphicFramePr>
-          <p:nvPr>
-            <p:extLst>
-              <p:ext uri="{D42A27DB-BD31-4B8C-83A1-F6EECF244321}">
-                <p14:modId xmlns:p14="http://schemas.microsoft.com/office/powerpoint/2010/main" val="2345760165"/>
-              </p:ext>
-            </p:extLst>
-          </p:nvPr>
-        </p:nvGraphicFramePr>
-        <p:xfrm>
-          <a:off x="457200" y="2880360"/>
-          <a:ext cx="8229600" cy="1097280"/>
-        </p:xfrm>
-        <a:graphic>
-          <a:graphicData uri="http://schemas.openxmlformats.org/drawingml/2006/table">
-            <a:tbl>
-              <a:tblPr firstRow="1" bandRow="1">
-                <a:tableStyleId>{5C22544A-7EE6-4342-B048-85BDC9FD1C3A}</a:tableStyleId>
-              </a:tblPr>
-              <a:tblGrid>
-                <a:gridCol w="4114800">
-                  <a:extLst>
-                    <a:ext uri="{9D8B030D-6E8A-4147-A177-3AD203B41FA5}">
-                      <a16:colId xmlns:a16="http://schemas.microsoft.com/office/drawing/2014/main" val="20000"/>
-                    </a:ext>
-                  </a:extLst>
-                </a:gridCol>
-                <a:gridCol w="4114800">
-                  <a:extLst>
-                    <a:ext uri="{9D8B030D-6E8A-4147-A177-3AD203B41FA5}">
-                      <a16:colId xmlns:a16="http://schemas.microsoft.com/office/drawing/2014/main" val="20001"/>
-                    </a:ext>
-                  </a:extLst>
-                </a:gridCol>
-              </a:tblGrid>
-              <a:tr h="0">
-                <a:tc>
-                  <a:txBody>
-                    <a:bodyPr/>
-                    <a:lstStyle/>
-                    <a:p>
-                      <a:pPr marL="0" lvl="0" indent="0" algn="l">
-                        <a:buNone/>
-                      </a:pPr>
-                      <a:r>
-                        <a:rPr dirty="0"/>
-                        <a:t>Attrition</a:t>
-                      </a:r>
-                    </a:p>
-                  </a:txBody>
-                  <a:tcPr/>
-                </a:tc>
-                <a:tc>
-                  <a:txBody>
-                    <a:bodyPr/>
-                    <a:lstStyle/>
-                    <a:p>
-                      <a:pPr marL="0" lvl="0" indent="0" algn="r">
-                        <a:buNone/>
-                      </a:pPr>
-                      <a:r>
-                        <a:t>Total</a:t>
-                      </a:r>
-                    </a:p>
-                  </a:txBody>
-                  <a:tcPr/>
-                </a:tc>
-                <a:extLst>
-                  <a:ext uri="{0D108BD9-81ED-4DB2-BD59-A6C34878D82A}">
-                    <a16:rowId xmlns:a16="http://schemas.microsoft.com/office/drawing/2014/main" val="10000"/>
-                  </a:ext>
-                </a:extLst>
-              </a:tr>
-              <a:tr h="0">
-                <a:tc>
-                  <a:txBody>
-                    <a:bodyPr/>
-                    <a:lstStyle/>
-                    <a:p>
-                      <a:pPr marL="0" lvl="0" indent="0" algn="l">
-                        <a:buNone/>
-                      </a:pPr>
-                      <a:r>
-                        <a:t>No</a:t>
-                      </a:r>
-                    </a:p>
-                  </a:txBody>
-                  <a:tcPr/>
-                </a:tc>
-                <a:tc>
-                  <a:txBody>
-                    <a:bodyPr/>
-                    <a:lstStyle/>
-                    <a:p>
-                      <a:pPr marL="0" lvl="0" indent="0" algn="r">
-                        <a:buNone/>
-                      </a:pPr>
-                      <a:r>
-                        <a:t>730</a:t>
-                      </a:r>
-                    </a:p>
-                  </a:txBody>
-                  <a:tcPr/>
-                </a:tc>
-                <a:extLst>
-                  <a:ext uri="{0D108BD9-81ED-4DB2-BD59-A6C34878D82A}">
-                    <a16:rowId xmlns:a16="http://schemas.microsoft.com/office/drawing/2014/main" val="10001"/>
-                  </a:ext>
-                </a:extLst>
-              </a:tr>
-              <a:tr h="0">
-                <a:tc>
-                  <a:txBody>
-                    <a:bodyPr/>
-                    <a:lstStyle/>
-                    <a:p>
-                      <a:pPr marL="0" lvl="0" indent="0" algn="l">
-                        <a:buNone/>
-                      </a:pPr>
-                      <a:r>
-                        <a:t>Yes</a:t>
-                      </a:r>
-                    </a:p>
-                  </a:txBody>
-                  <a:tcPr/>
-                </a:tc>
-                <a:tc>
-                  <a:txBody>
-                    <a:bodyPr/>
-                    <a:lstStyle/>
-                    <a:p>
-                      <a:pPr marL="0" lvl="0" indent="0" algn="r">
-                        <a:buNone/>
-                      </a:pPr>
-                      <a:r>
-                        <a:rPr dirty="0"/>
-                        <a:t>140</a:t>
-                      </a:r>
-                    </a:p>
-                  </a:txBody>
-                  <a:tcPr/>
-                </a:tc>
-                <a:extLst>
-                  <a:ext uri="{0D108BD9-81ED-4DB2-BD59-A6C34878D82A}">
-                    <a16:rowId xmlns:a16="http://schemas.microsoft.com/office/drawing/2014/main" val="10002"/>
-                  </a:ext>
-                </a:extLst>
-              </a:tr>
-            </a:tbl>
-          </a:graphicData>
-        </a:graphic>
-      </p:graphicFrame>
-    </p:spTree>
-  </p:cSld>
-  <p:clrMapOvr>
-    <a:masterClrMapping/>
-  </p:clrMapOvr>
-</p:sld>
-</file>
-
-<file path=ppt/slides/slide6.xml><?xml version="1.0" encoding="utf-8"?>
-<p:sld xmlns:a="http://schemas.openxmlformats.org/drawingml/2006/main" xmlns:r="http://schemas.openxmlformats.org/officeDocument/2006/relationships" xmlns:p="http://schemas.openxmlformats.org/presentationml/2006/main">
-  <p:cSld>
-    <p:spTree>
-      <p:nvGrpSpPr>
-        <p:cNvPr id="1" name=""/>
-        <p:cNvGrpSpPr/>
-        <p:nvPr/>
-      </p:nvGrpSpPr>
-      <p:grpSpPr>
-        <a:xfrm>
-          <a:off x="0" y="0"/>
-          <a:ext cx="0" cy="0"/>
-          <a:chOff x="0" y="0"/>
-          <a:chExt cx="0" cy="0"/>
-        </a:xfrm>
-      </p:grpSpPr>
-      <p:sp>
-        <p:nvSpPr>
-          <p:cNvPr id="2" name="Title 1"/>
-          <p:cNvSpPr>
-            <a:spLocks noGrp="1"/>
-          </p:cNvSpPr>
-          <p:nvPr>
-            <p:ph type="title"/>
-          </p:nvPr>
-        </p:nvSpPr>
-        <p:spPr/>
-        <p:txBody>
-          <a:bodyPr/>
-          <a:lstStyle/>
-          <a:p>
-            <a:pPr marL="0" lvl="0" indent="0">
-              <a:buNone/>
-            </a:pPr>
-            <a:r>
-              <a:t>Run the model.</a:t>
-            </a:r>
+              <a:rPr lang="en-US" dirty="0"/>
+              <a:t>Attrition</a:t>
+            </a:r>
+            <a:endParaRPr dirty="0"/>
           </a:p>
         </p:txBody>
       </p:sp>
@@ -6586,22 +3401,6 @@
               <a:rPr sz="1200" b="1" dirty="0"/>
               <a:t>Specificity: percentage of correct “Yes” responses.</a:t>
             </a:r>
-            <a:br>
-              <a:rPr lang="en-US" sz="1200" b="1" dirty="0"/>
-            </a:br>
-            <a:r>
-              <a:rPr sz="1200" b="1" dirty="0"/>
-              <a:t>Prediction table helps explain.</a:t>
-            </a:r>
-            <a:endParaRPr lang="en-US" sz="1200" b="1" dirty="0"/>
-          </a:p>
-          <a:p>
-            <a:pPr marL="0" lvl="0" indent="0">
-              <a:spcBef>
-                <a:spcPts val="3000"/>
-              </a:spcBef>
-              <a:buNone/>
-            </a:pPr>
             <a:endParaRPr lang="en-US" sz="1200" b="1" dirty="0"/>
           </a:p>
         </p:txBody>
@@ -7025,7 +3824,7 @@
           <p:nvPr>
             <p:extLst>
               <p:ext uri="{D42A27DB-BD31-4B8C-83A1-F6EECF244321}">
-                <p14:modId xmlns:p14="http://schemas.microsoft.com/office/powerpoint/2010/main" val="185216458"/>
+                <p14:modId xmlns:p14="http://schemas.microsoft.com/office/powerpoint/2010/main" val="54749694"/>
               </p:ext>
             </p:extLst>
           </p:nvPr>
@@ -7127,8 +3926,10 @@
                         <a:buNone/>
                       </a:pPr>
                       <a:r>
-                        <a:t>BusinessTravel</a:t>
+                        <a:rPr dirty="0" err="1"/>
+                        <a:t>PerformanceRating</a:t>
                       </a:r>
+                      <a:endParaRPr dirty="0"/>
                     </a:p>
                   </a:txBody>
                   <a:tcPr/>
@@ -7142,110 +3943,7 @@
                         <a:buNone/>
                       </a:pPr>
                       <a:r>
-                        <a:t>Travel_Rarely</a:t>
-                      </a:r>
-                    </a:p>
-                  </a:txBody>
-                  <a:tcPr/>
-                </a:tc>
-                <a:tc>
-                  <a:txBody>
-                    <a:bodyPr/>
-                    <a:lstStyle/>
-                    <a:p>
-                      <a:pPr marL="0" lvl="0" indent="0" algn="r">
-                        <a:buNone/>
-                      </a:pPr>
-                      <a:r>
-                        <a:t>0.6842105</a:t>
-                      </a:r>
-                    </a:p>
-                  </a:txBody>
-                  <a:tcPr/>
-                </a:tc>
-                <a:extLst>
-                  <a:ext uri="{0D108BD9-81ED-4DB2-BD59-A6C34878D82A}">
-                    <a16:rowId xmlns:a16="http://schemas.microsoft.com/office/drawing/2014/main" val="10001"/>
-                  </a:ext>
-                </a:extLst>
-              </a:tr>
-              <a:tr h="0">
-                <a:tc>
-                  <a:txBody>
-                    <a:bodyPr/>
-                    <a:lstStyle/>
-                    <a:p>
-                      <a:pPr marL="0" lvl="0" indent="0" algn="l">
-                        <a:buNone/>
-                      </a:pPr>
-                      <a:r>
-                        <a:t>StockOptionLevel</a:t>
-                      </a:r>
-                    </a:p>
-                  </a:txBody>
-                  <a:tcPr/>
-                </a:tc>
-                <a:tc>
-                  <a:txBody>
-                    <a:bodyPr/>
-                    <a:lstStyle/>
-                    <a:p>
-                      <a:pPr marL="0" lvl="0" indent="0" algn="l">
-                        <a:buNone/>
-                      </a:pPr>
-                      <a:r>
-                        <a:t>0</a:t>
-                      </a:r>
-                    </a:p>
-                  </a:txBody>
-                  <a:tcPr/>
-                </a:tc>
-                <a:tc>
-                  <a:txBody>
-                    <a:bodyPr/>
-                    <a:lstStyle/>
-                    <a:p>
-                      <a:pPr marL="0" lvl="0" indent="0" algn="r">
-                        <a:buNone/>
-                      </a:pPr>
-                      <a:r>
-                        <a:t>0.7157895</a:t>
-                      </a:r>
-                    </a:p>
-                  </a:txBody>
-                  <a:tcPr/>
-                </a:tc>
-                <a:extLst>
-                  <a:ext uri="{0D108BD9-81ED-4DB2-BD59-A6C34878D82A}">
-                    <a16:rowId xmlns:a16="http://schemas.microsoft.com/office/drawing/2014/main" val="10002"/>
-                  </a:ext>
-                </a:extLst>
-              </a:tr>
-              <a:tr h="0">
-                <a:tc>
-                  <a:txBody>
-                    <a:bodyPr/>
-                    <a:lstStyle/>
-                    <a:p>
-                      <a:pPr marL="0" lvl="0" indent="0" algn="l">
-                        <a:buNone/>
-                      </a:pPr>
-                      <a:r>
-                        <a:t>PerformanceRating</a:t>
-                      </a:r>
-                    </a:p>
-                  </a:txBody>
-                  <a:tcPr/>
-                </a:tc>
-                <a:tc>
-                  <a:txBody>
-                    <a:bodyPr/>
-                    <a:lstStyle/>
-                    <a:p>
-                      <a:pPr marL="0" lvl="0" indent="0" algn="l">
-                        <a:buNone/>
-                      </a:pPr>
-                      <a:r>
+                        <a:rPr dirty="0"/>
                         <a:t>3</a:t>
                       </a:r>
                     </a:p>
@@ -7270,111 +3968,24 @@
                 </a:tc>
                 <a:extLst>
                   <a:ext uri="{0D108BD9-81ED-4DB2-BD59-A6C34878D82A}">
-                    <a16:rowId xmlns:a16="http://schemas.microsoft.com/office/drawing/2014/main" val="10003"/>
+                    <a16:rowId xmlns:a16="http://schemas.microsoft.com/office/drawing/2014/main" val="3021663871"/>
                   </a:ext>
                 </a:extLst>
               </a:tr>
-            </a:tbl>
-          </a:graphicData>
-        </a:graphic>
-      </p:graphicFrame>
-    </p:spTree>
-  </p:cSld>
-  <p:clrMapOvr>
-    <a:masterClrMapping/>
-  </p:clrMapOvr>
-</p:sld>
-</file>
-
-<file path=ppt/slides/slide7.xml><?xml version="1.0" encoding="utf-8"?>
-<p:sld xmlns:a="http://schemas.openxmlformats.org/drawingml/2006/main" xmlns:r="http://schemas.openxmlformats.org/officeDocument/2006/relationships" xmlns:p="http://schemas.openxmlformats.org/presentationml/2006/main">
-  <p:cSld>
-    <p:spTree>
-      <p:nvGrpSpPr>
-        <p:cNvPr id="1" name=""/>
-        <p:cNvGrpSpPr/>
-        <p:nvPr/>
-      </p:nvGrpSpPr>
-      <p:grpSpPr>
-        <a:xfrm>
-          <a:off x="0" y="0"/>
-          <a:ext cx="0" cy="0"/>
-          <a:chOff x="0" y="0"/>
-          <a:chExt cx="0" cy="0"/>
-        </a:xfrm>
-      </p:grpSpPr>
-      <p:sp>
-        <p:nvSpPr>
-          <p:cNvPr id="2" name="Title 1"/>
-          <p:cNvSpPr>
-            <a:spLocks noGrp="1"/>
-          </p:cNvSpPr>
-          <p:nvPr>
-            <p:ph type="title"/>
-          </p:nvPr>
-        </p:nvSpPr>
-        <p:spPr/>
-        <p:txBody>
-          <a:bodyPr/>
-          <a:lstStyle/>
-          <a:p>
-            <a:pPr marL="0" lvl="0" indent="0">
-              <a:buNone/>
-            </a:pPr>
-            <a:r>
-              <a:t>Predicted Classifications</a:t>
-            </a:r>
-          </a:p>
-        </p:txBody>
-      </p:sp>
-      <p:graphicFrame>
-        <p:nvGraphicFramePr>
-          <p:cNvPr id="6" name="Content Placeholder 5"/>
-          <p:cNvGraphicFramePr>
-            <a:graphicFrameLocks noGrp="1"/>
-          </p:cNvGraphicFramePr>
-          <p:nvPr>
-            <p:ph idx="1"/>
-          </p:nvPr>
-        </p:nvGraphicFramePr>
-        <p:xfrm>
-          <a:off x="457200" y="1600200"/>
-          <a:ext cx="8229600" cy="2560320"/>
-        </p:xfrm>
-        <a:graphic>
-          <a:graphicData uri="http://schemas.openxmlformats.org/drawingml/2006/table">
-            <a:tbl>
-              <a:tblPr firstRow="1" bandRow="1">
-                <a:tableStyleId>{5C22544A-7EE6-4342-B048-85BDC9FD1C3A}</a:tableStyleId>
-              </a:tblPr>
-              <a:tblGrid>
-                <a:gridCol w="4114800">
-                  <a:extLst>
-                    <a:ext uri="{9D8B030D-6E8A-4147-A177-3AD203B41FA5}">
-                      <a16:colId xmlns:a16="http://schemas.microsoft.com/office/drawing/2014/main" val="20000"/>
-                    </a:ext>
-                  </a:extLst>
-                </a:gridCol>
-                <a:gridCol w="4114800">
-                  <a:extLst>
-                    <a:ext uri="{9D8B030D-6E8A-4147-A177-3AD203B41FA5}">
-                      <a16:colId xmlns:a16="http://schemas.microsoft.com/office/drawing/2014/main" val="20001"/>
-                    </a:ext>
-                  </a:extLst>
-                </a:gridCol>
-              </a:tblGrid>
               <a:tr h="0">
                 <a:tc>
                   <a:txBody>
                     <a:bodyPr/>
                     <a:lstStyle/>
                     <a:p>
-                      <a:pPr marL="0" lvl="0" indent="0" algn="r">
+                      <a:pPr marL="0" lvl="0" indent="0" algn="l">
                         <a:buNone/>
                       </a:pPr>
                       <a:r>
-                        <a:t>ID</a:t>
+                        <a:rPr dirty="0" err="1"/>
+                        <a:t>StockOptionLevel</a:t>
                       </a:r>
+                      <a:endParaRPr dirty="0"/>
                     </a:p>
                   </a:txBody>
                   <a:tcPr/>
@@ -7388,29 +3999,8 @@
                         <a:buNone/>
                       </a:pPr>
                       <a:r>
-                        <a:t>Attrition</a:t>
-                      </a:r>
-                    </a:p>
-                  </a:txBody>
-                  <a:tcPr/>
-                </a:tc>
-                <a:extLst>
-                  <a:ext uri="{0D108BD9-81ED-4DB2-BD59-A6C34878D82A}">
-                    <a16:rowId xmlns:a16="http://schemas.microsoft.com/office/drawing/2014/main" val="10000"/>
-                  </a:ext>
-                </a:extLst>
-              </a:tr>
-              <a:tr h="0">
-                <a:tc>
-                  <a:txBody>
-                    <a:bodyPr/>
-                    <a:lstStyle/>
-                    <a:p>
-                      <a:pPr marL="0" lvl="0" indent="0" algn="r">
-                        <a:buNone/>
-                      </a:pPr>
-                      <a:r>
-                        <a:t>1171</a:t>
+                        <a:rPr dirty="0"/>
+                        <a:t>0</a:t>
                       </a:r>
                     </a:p>
                   </a:txBody>
@@ -7421,85 +4011,12 @@
                     <a:bodyPr/>
                     <a:lstStyle/>
                     <a:p>
-                      <a:pPr marL="0" lvl="0" indent="0" algn="l">
-                        <a:buNone/>
-                      </a:pPr>
-                      <a:r>
-                        <a:t>No</a:t>
-                      </a:r>
-                    </a:p>
-                  </a:txBody>
-                  <a:tcPr/>
-                </a:tc>
-                <a:extLst>
-                  <a:ext uri="{0D108BD9-81ED-4DB2-BD59-A6C34878D82A}">
-                    <a16:rowId xmlns:a16="http://schemas.microsoft.com/office/drawing/2014/main" val="10001"/>
-                  </a:ext>
-                </a:extLst>
-              </a:tr>
-              <a:tr h="0">
-                <a:tc>
-                  <a:txBody>
-                    <a:bodyPr/>
-                    <a:lstStyle/>
-                    <a:p>
                       <a:pPr marL="0" lvl="0" indent="0" algn="r">
                         <a:buNone/>
                       </a:pPr>
                       <a:r>
-                        <a:t>1172</a:t>
-                      </a:r>
-                    </a:p>
-                  </a:txBody>
-                  <a:tcPr/>
-                </a:tc>
-                <a:tc>
-                  <a:txBody>
-                    <a:bodyPr/>
-                    <a:lstStyle/>
-                    <a:p>
-                      <a:pPr marL="0" lvl="0" indent="0" algn="l">
-                        <a:buNone/>
-                      </a:pPr>
-                      <a:r>
-                        <a:t>Yes</a:t>
-                      </a:r>
-                    </a:p>
-                  </a:txBody>
-                  <a:tcPr/>
-                </a:tc>
-                <a:extLst>
-                  <a:ext uri="{0D108BD9-81ED-4DB2-BD59-A6C34878D82A}">
-                    <a16:rowId xmlns:a16="http://schemas.microsoft.com/office/drawing/2014/main" val="10002"/>
-                  </a:ext>
-                </a:extLst>
-              </a:tr>
-              <a:tr h="0">
-                <a:tc>
-                  <a:txBody>
-                    <a:bodyPr/>
-                    <a:lstStyle/>
-                    <a:p>
-                      <a:pPr marL="0" lvl="0" indent="0" algn="r">
-                        <a:buNone/>
-                      </a:pPr>
-                      <a:r>
-                        <a:t>1173</a:t>
-                      </a:r>
-                    </a:p>
-                  </a:txBody>
-                  <a:tcPr/>
-                </a:tc>
-                <a:tc>
-                  <a:txBody>
-                    <a:bodyPr/>
-                    <a:lstStyle/>
-                    <a:p>
-                      <a:pPr marL="0" lvl="0" indent="0" algn="l">
-                        <a:buNone/>
-                      </a:pPr>
-                      <a:r>
-                        <a:t>No</a:t>
+                        <a:rPr dirty="0"/>
+                        <a:t>0.7157895</a:t>
                       </a:r>
                     </a:p>
                   </a:txBody>
@@ -7517,12 +4034,14 @@
                     <a:bodyPr/>
                     <a:lstStyle/>
                     <a:p>
-                      <a:pPr marL="0" lvl="0" indent="0" algn="r">
+                      <a:pPr marL="0" lvl="0" indent="0" algn="l">
                         <a:buNone/>
                       </a:pPr>
                       <a:r>
-                        <a:t>1174</a:t>
+                        <a:rPr dirty="0" err="1"/>
+                        <a:t>BusinessTravel</a:t>
                       </a:r>
+                      <a:endParaRPr dirty="0"/>
                     </a:p>
                   </a:txBody>
                   <a:tcPr/>
@@ -7536,19 +4055,14 @@
                         <a:buNone/>
                       </a:pPr>
                       <a:r>
-                        <a:t>No</a:t>
+                        <a:rPr dirty="0" err="1"/>
+                        <a:t>Travel_Rarely</a:t>
                       </a:r>
+                      <a:endParaRPr dirty="0"/>
                     </a:p>
                   </a:txBody>
                   <a:tcPr/>
                 </a:tc>
-                <a:extLst>
-                  <a:ext uri="{0D108BD9-81ED-4DB2-BD59-A6C34878D82A}">
-                    <a16:rowId xmlns:a16="http://schemas.microsoft.com/office/drawing/2014/main" val="10004"/>
-                  </a:ext>
-                </a:extLst>
-              </a:tr>
-              <a:tr h="0">
                 <a:tc>
                   <a:txBody>
                     <a:bodyPr/>
@@ -7558,22 +4072,8 @@
                         <a:buNone/>
                       </a:pPr>
                       <a:r>
-                        <a:t>1175</a:t>
-                      </a:r>
-                    </a:p>
-                  </a:txBody>
-                  <a:tcPr/>
-                </a:tc>
-                <a:tc>
-                  <a:txBody>
-                    <a:bodyPr/>
-                    <a:lstStyle/>
-                    <a:p>
-                      <a:pPr marL="0" lvl="0" indent="0" algn="l">
-                        <a:buNone/>
-                      </a:pPr>
-                      <a:r>
-                        <a:t>No</a:t>
+                        <a:rPr dirty="0"/>
+                        <a:t>0.6842105</a:t>
                       </a:r>
                     </a:p>
                   </a:txBody>
@@ -7581,44 +4081,7 @@
                 </a:tc>
                 <a:extLst>
                   <a:ext uri="{0D108BD9-81ED-4DB2-BD59-A6C34878D82A}">
-                    <a16:rowId xmlns:a16="http://schemas.microsoft.com/office/drawing/2014/main" val="10005"/>
-                  </a:ext>
-                </a:extLst>
-              </a:tr>
-              <a:tr h="0">
-                <a:tc>
-                  <a:txBody>
-                    <a:bodyPr/>
-                    <a:lstStyle/>
-                    <a:p>
-                      <a:pPr marL="0" lvl="0" indent="0" algn="r">
-                        <a:buNone/>
-                      </a:pPr>
-                      <a:r>
-                        <a:t>1176</a:t>
-                      </a:r>
-                    </a:p>
-                  </a:txBody>
-                  <a:tcPr/>
-                </a:tc>
-                <a:tc>
-                  <a:txBody>
-                    <a:bodyPr/>
-                    <a:lstStyle/>
-                    <a:p>
-                      <a:pPr marL="0" lvl="0" indent="0" algn="l">
-                        <a:buNone/>
-                      </a:pPr>
-                      <a:r>
-                        <a:t>No</a:t>
-                      </a:r>
-                    </a:p>
-                  </a:txBody>
-                  <a:tcPr/>
-                </a:tc>
-                <a:extLst>
-                  <a:ext uri="{0D108BD9-81ED-4DB2-BD59-A6C34878D82A}">
-                    <a16:rowId xmlns:a16="http://schemas.microsoft.com/office/drawing/2014/main" val="10006"/>
+                    <a16:rowId xmlns:a16="http://schemas.microsoft.com/office/drawing/2014/main" val="304525292"/>
                   </a:ext>
                 </a:extLst>
               </a:tr>
@@ -7634,7 +4097,7 @@
 </p:sld>
 </file>
 
-<file path=ppt/slides/slide8.xml><?xml version="1.0" encoding="utf-8"?>
+<file path=ppt/slides/slide3.xml><?xml version="1.0" encoding="utf-8"?>
 <p:sld xmlns:a="http://schemas.openxmlformats.org/drawingml/2006/main" xmlns:r="http://schemas.openxmlformats.org/officeDocument/2006/relationships" xmlns:p="http://schemas.openxmlformats.org/presentationml/2006/main">
   <p:cSld>
     <p:spTree>
@@ -7670,6 +4133,7 @@
               <a:buNone/>
             </a:pPr>
             <a:r>
+              <a:rPr dirty="0"/>
               <a:t>Percentage Distribution of Results</a:t>
             </a:r>
           </a:p>
@@ -7705,6 +4169,41 @@
           </a:ln>
         </p:spPr>
       </p:pic>
+      <p:sp>
+        <p:nvSpPr>
+          <p:cNvPr id="4" name="TextBox 3">
+            <a:extLst>
+              <a:ext uri="{FF2B5EF4-FFF2-40B4-BE49-F238E27FC236}">
+                <a16:creationId xmlns:a16="http://schemas.microsoft.com/office/drawing/2014/main" id="{4ACDBBFA-E331-44DE-85EA-2412D68198BE}"/>
+              </a:ext>
+            </a:extLst>
+          </p:cNvPr>
+          <p:cNvSpPr txBox="1"/>
+          <p:nvPr/>
+        </p:nvSpPr>
+        <p:spPr>
+          <a:xfrm>
+            <a:off x="870012" y="1233996"/>
+            <a:ext cx="3027285" cy="369332"/>
+          </a:xfrm>
+          <a:prstGeom prst="rect">
+            <a:avLst/>
+          </a:prstGeom>
+          <a:noFill/>
+        </p:spPr>
+        <p:txBody>
+          <a:bodyPr wrap="square" rtlCol="0">
+            <a:spAutoFit/>
+          </a:bodyPr>
+          <a:lstStyle/>
+          <a:p>
+            <a:r>
+              <a:rPr lang="en-US" dirty="0"/>
+              <a:t>Original dataset was 84%/16%</a:t>
+            </a:r>
+          </a:p>
+        </p:txBody>
+      </p:sp>
     </p:spTree>
   </p:cSld>
   <p:clrMapOvr>
@@ -7713,7 +4212,7 @@
 </p:sld>
 </file>
 
-<file path=ppt/slides/slide9.xml><?xml version="1.0" encoding="utf-8"?>
+<file path=ppt/slides/slide4.xml><?xml version="1.0" encoding="utf-8"?>
 <p:sld xmlns:a="http://schemas.openxmlformats.org/drawingml/2006/main" xmlns:r="http://schemas.openxmlformats.org/officeDocument/2006/relationships" xmlns:p="http://schemas.openxmlformats.org/presentationml/2006/main">
   <p:cSld>
     <p:spTree>
@@ -7814,14 +4313,14 @@
           <p:nvPr>
             <p:extLst>
               <p:ext uri="{D42A27DB-BD31-4B8C-83A1-F6EECF244321}">
-                <p14:modId xmlns:p14="http://schemas.microsoft.com/office/powerpoint/2010/main" val="664112568"/>
+                <p14:modId xmlns:p14="http://schemas.microsoft.com/office/powerpoint/2010/main" val="1603422495"/>
               </p:ext>
             </p:extLst>
           </p:nvPr>
         </p:nvGraphicFramePr>
         <p:xfrm>
           <a:off x="1668780" y="2280700"/>
-          <a:ext cx="5806440" cy="4023360"/>
+          <a:ext cx="5806440" cy="4027170"/>
         </p:xfrm>
         <a:graphic>
           <a:graphicData uri="http://schemas.openxmlformats.org/drawingml/2006/table">
@@ -7981,8 +4480,10 @@
                         <a:buNone/>
                       </a:pPr>
                       <a:r>
-                        <a:t>0.0081896</a:t>
+                        <a:rPr lang="en-US" dirty="0"/>
+                        <a:t>0.0086473</a:t>
                       </a:r>
+                      <a:endParaRPr dirty="0"/>
                     </a:p>
                   </a:txBody>
                   <a:tcPr/>
@@ -8056,8 +4557,10 @@
                         <a:buNone/>
                       </a:pPr>
                       <a:r>
-                        <a:t>0.0000171</a:t>
+                        <a:rPr lang="en-US" dirty="0"/>
+                        <a:t>0.0000142</a:t>
                       </a:r>
+                      <a:endParaRPr dirty="0"/>
                     </a:p>
                   </a:txBody>
                   <a:tcPr/>
@@ -8093,8 +4596,14 @@
                         <a:buNone/>
                       </a:pPr>
                       <a:r>
-                        <a:t>0.0000008</a:t>
+                        <a:rPr dirty="0"/>
+                        <a:t>0.000000</a:t>
                       </a:r>
+                      <a:r>
+                        <a:rPr lang="en-US" dirty="0"/>
+                        <a:t>9</a:t>
+                      </a:r>
+                      <a:endParaRPr dirty="0"/>
                     </a:p>
                   </a:txBody>
                   <a:tcPr/>
@@ -8126,15 +4635,16 @@
                     <a:bodyPr/>
                     <a:lstStyle/>
                     <a:p>
-                      <a:pPr marL="0" lvl="0" indent="0" algn="r">
-                        <a:buNone/>
-                      </a:pPr>
+                      <a:pPr algn="r" fontAlgn="t"/>
                       <a:r>
-                        <a:t>0.0002293</a:t>
+                        <a:rPr lang="en-US" dirty="0">
+                          <a:effectLst/>
+                        </a:rPr>
+                        <a:t>0.0000625</a:t>
                       </a:r>
                     </a:p>
                   </a:txBody>
-                  <a:tcPr/>
+                  <a:tcPr marL="47625" marR="47625" marT="47625" marB="47625"/>
                 </a:tc>
                 <a:extLst>
                   <a:ext uri="{0D108BD9-81ED-4DB2-BD59-A6C34878D82A}">
@@ -8167,8 +4677,10 @@
                         <a:buNone/>
                       </a:pPr>
                       <a:r>
-                        <a:t>0.0007025</a:t>
+                        <a:rPr lang="en-US" dirty="0"/>
+                        <a:t>0.0006821</a:t>
                       </a:r>
+                      <a:endParaRPr dirty="0"/>
                     </a:p>
                   </a:txBody>
                   <a:tcPr/>
@@ -8259,6 +4771,1512 @@
         </a:graphic>
       </p:graphicFrame>
     </p:spTree>
+  </p:cSld>
+  <p:clrMapOvr>
+    <a:masterClrMapping/>
+  </p:clrMapOvr>
+</p:sld>
+</file>
+
+<file path=ppt/slides/slide5.xml><?xml version="1.0" encoding="utf-8"?>
+<p:sld xmlns:a="http://schemas.openxmlformats.org/drawingml/2006/main" xmlns:r="http://schemas.openxmlformats.org/officeDocument/2006/relationships" xmlns:p="http://schemas.openxmlformats.org/presentationml/2006/main">
+  <p:cSld>
+    <p:spTree>
+      <p:nvGrpSpPr>
+        <p:cNvPr id="1" name=""/>
+        <p:cNvGrpSpPr/>
+        <p:nvPr/>
+      </p:nvGrpSpPr>
+      <p:grpSpPr>
+        <a:xfrm>
+          <a:off x="0" y="0"/>
+          <a:ext cx="0" cy="0"/>
+          <a:chOff x="0" y="0"/>
+          <a:chExt cx="0" cy="0"/>
+        </a:xfrm>
+      </p:grpSpPr>
+      <p:sp>
+        <p:nvSpPr>
+          <p:cNvPr id="2" name="Title 1"/>
+          <p:cNvSpPr>
+            <a:spLocks noGrp="1"/>
+          </p:cNvSpPr>
+          <p:nvPr>
+            <p:ph type="title"/>
+          </p:nvPr>
+        </p:nvSpPr>
+        <p:spPr/>
+        <p:txBody>
+          <a:bodyPr>
+            <a:normAutofit fontScale="90000"/>
+          </a:bodyPr>
+          <a:lstStyle/>
+          <a:p>
+            <a:pPr marL="0" lvl="0" indent="0">
+              <a:buNone/>
+            </a:pPr>
+            <a:r>
+              <a:t>Use linear model to make prediction on test set.</a:t>
+            </a:r>
+          </a:p>
+        </p:txBody>
+      </p:sp>
+      <p:sp>
+        <p:nvSpPr>
+          <p:cNvPr id="3" name="Content Placeholder 2"/>
+          <p:cNvSpPr>
+            <a:spLocks noGrp="1"/>
+          </p:cNvSpPr>
+          <p:nvPr>
+            <p:ph idx="1"/>
+          </p:nvPr>
+        </p:nvSpPr>
+        <p:spPr/>
+        <p:txBody>
+          <a:bodyPr>
+            <a:normAutofit/>
+          </a:bodyPr>
+          <a:lstStyle/>
+          <a:p>
+            <a:pPr marL="0" lvl="0" indent="0">
+              <a:spcBef>
+                <a:spcPts val="3000"/>
+              </a:spcBef>
+              <a:buNone/>
+            </a:pPr>
+            <a:r>
+              <a:rPr sz="1200" b="1" dirty="0"/>
+              <a:t>RMSE tells deviation from our model in dollars.</a:t>
+            </a:r>
+            <a:br>
+              <a:rPr lang="en-US" sz="1200" b="1" dirty="0"/>
+            </a:br>
+            <a:r>
+              <a:rPr sz="1200" b="1" dirty="0"/>
+              <a:t>Here we can see the RMSE when the model is run on our test, training, and full datasets.</a:t>
+            </a:r>
+            <a:endParaRPr lang="en-US" sz="1200" b="1" dirty="0"/>
+          </a:p>
+          <a:p>
+            <a:pPr marL="0" lvl="0" indent="0">
+              <a:spcBef>
+                <a:spcPts val="3000"/>
+              </a:spcBef>
+              <a:buNone/>
+            </a:pPr>
+            <a:endParaRPr sz="1200" b="1" dirty="0"/>
+          </a:p>
+        </p:txBody>
+      </p:sp>
+      <p:graphicFrame>
+        <p:nvGraphicFramePr>
+          <p:cNvPr id="4" name="Content Placeholder 5">
+            <a:extLst>
+              <a:ext uri="{FF2B5EF4-FFF2-40B4-BE49-F238E27FC236}">
+                <a16:creationId xmlns:a16="http://schemas.microsoft.com/office/drawing/2014/main" id="{75951429-1F96-4BBE-9381-BE5BE07A6702}"/>
+              </a:ext>
+            </a:extLst>
+          </p:cNvPr>
+          <p:cNvGraphicFramePr>
+            <a:graphicFrameLocks/>
+          </p:cNvGraphicFramePr>
+          <p:nvPr>
+            <p:extLst>
+              <p:ext uri="{D42A27DB-BD31-4B8C-83A1-F6EECF244321}">
+                <p14:modId xmlns:p14="http://schemas.microsoft.com/office/powerpoint/2010/main" val="4107483172"/>
+              </p:ext>
+            </p:extLst>
+          </p:nvPr>
+        </p:nvGraphicFramePr>
+        <p:xfrm>
+          <a:off x="2103120" y="2468569"/>
+          <a:ext cx="4937760" cy="731520"/>
+        </p:xfrm>
+        <a:graphic>
+          <a:graphicData uri="http://schemas.openxmlformats.org/drawingml/2006/table">
+            <a:tbl>
+              <a:tblPr firstRow="1" bandRow="1">
+                <a:tableStyleId>{5C22544A-7EE6-4342-B048-85BDC9FD1C3A}</a:tableStyleId>
+              </a:tblPr>
+              <a:tblGrid>
+                <a:gridCol w="1645920">
+                  <a:extLst>
+                    <a:ext uri="{9D8B030D-6E8A-4147-A177-3AD203B41FA5}">
+                      <a16:colId xmlns:a16="http://schemas.microsoft.com/office/drawing/2014/main" val="20000"/>
+                    </a:ext>
+                  </a:extLst>
+                </a:gridCol>
+                <a:gridCol w="1645920">
+                  <a:extLst>
+                    <a:ext uri="{9D8B030D-6E8A-4147-A177-3AD203B41FA5}">
+                      <a16:colId xmlns:a16="http://schemas.microsoft.com/office/drawing/2014/main" val="20001"/>
+                    </a:ext>
+                  </a:extLst>
+                </a:gridCol>
+                <a:gridCol w="1645920">
+                  <a:extLst>
+                    <a:ext uri="{9D8B030D-6E8A-4147-A177-3AD203B41FA5}">
+                      <a16:colId xmlns:a16="http://schemas.microsoft.com/office/drawing/2014/main" val="20002"/>
+                    </a:ext>
+                  </a:extLst>
+                </a:gridCol>
+              </a:tblGrid>
+              <a:tr h="0">
+                <a:tc>
+                  <a:txBody>
+                    <a:bodyPr/>
+                    <a:lstStyle/>
+                    <a:p>
+                      <a:pPr marL="0" lvl="0" indent="0" algn="r">
+                        <a:buNone/>
+                      </a:pPr>
+                      <a:r>
+                        <a:t>Test RMSE</a:t>
+                      </a:r>
+                    </a:p>
+                  </a:txBody>
+                  <a:tcPr/>
+                </a:tc>
+                <a:tc>
+                  <a:txBody>
+                    <a:bodyPr/>
+                    <a:lstStyle/>
+                    <a:p>
+                      <a:pPr marL="0" lvl="0" indent="0" algn="r">
+                        <a:buNone/>
+                      </a:pPr>
+                      <a:r>
+                        <a:t>Train RMSE</a:t>
+                      </a:r>
+                    </a:p>
+                  </a:txBody>
+                  <a:tcPr/>
+                </a:tc>
+                <a:tc>
+                  <a:txBody>
+                    <a:bodyPr/>
+                    <a:lstStyle/>
+                    <a:p>
+                      <a:pPr marL="0" lvl="0" indent="0" algn="r">
+                        <a:buNone/>
+                      </a:pPr>
+                      <a:r>
+                        <a:t>Full RMSE</a:t>
+                      </a:r>
+                    </a:p>
+                  </a:txBody>
+                  <a:tcPr/>
+                </a:tc>
+                <a:extLst>
+                  <a:ext uri="{0D108BD9-81ED-4DB2-BD59-A6C34878D82A}">
+                    <a16:rowId xmlns:a16="http://schemas.microsoft.com/office/drawing/2014/main" val="10000"/>
+                  </a:ext>
+                </a:extLst>
+              </a:tr>
+              <a:tr h="0">
+                <a:tc>
+                  <a:txBody>
+                    <a:bodyPr/>
+                    <a:lstStyle/>
+                    <a:p>
+                      <a:pPr marL="0" lvl="0" indent="0" algn="r">
+                        <a:buNone/>
+                      </a:pPr>
+                      <a:r>
+                        <a:rPr lang="en-US" dirty="0"/>
+                        <a:t>$1200.833</a:t>
+                      </a:r>
+                      <a:endParaRPr dirty="0"/>
+                    </a:p>
+                  </a:txBody>
+                  <a:tcPr/>
+                </a:tc>
+                <a:tc>
+                  <a:txBody>
+                    <a:bodyPr/>
+                    <a:lstStyle/>
+                    <a:p>
+                      <a:pPr marL="0" lvl="0" indent="0" algn="r">
+                        <a:buNone/>
+                      </a:pPr>
+                      <a:r>
+                        <a:rPr lang="en-US" dirty="0"/>
+                        <a:t>$973.0891</a:t>
+                      </a:r>
+                      <a:endParaRPr dirty="0"/>
+                    </a:p>
+                  </a:txBody>
+                  <a:tcPr/>
+                </a:tc>
+                <a:tc>
+                  <a:txBody>
+                    <a:bodyPr/>
+                    <a:lstStyle/>
+                    <a:p>
+                      <a:pPr marL="0" lvl="0" indent="0" algn="r">
+                        <a:buNone/>
+                      </a:pPr>
+                      <a:r>
+                        <a:rPr lang="en-US" dirty="0"/>
+                        <a:t>$1064.569</a:t>
+                      </a:r>
+                      <a:endParaRPr dirty="0"/>
+                    </a:p>
+                  </a:txBody>
+                  <a:tcPr/>
+                </a:tc>
+                <a:extLst>
+                  <a:ext uri="{0D108BD9-81ED-4DB2-BD59-A6C34878D82A}">
+                    <a16:rowId xmlns:a16="http://schemas.microsoft.com/office/drawing/2014/main" val="10001"/>
+                  </a:ext>
+                </a:extLst>
+              </a:tr>
+            </a:tbl>
+          </a:graphicData>
+        </a:graphic>
+      </p:graphicFrame>
+    </p:spTree>
+  </p:cSld>
+  <p:clrMapOvr>
+    <a:masterClrMapping/>
+  </p:clrMapOvr>
+</p:sld>
+</file>
+
+<file path=ppt/slides/slide6.xml><?xml version="1.0" encoding="utf-8"?>
+<p:sld xmlns:a="http://schemas.openxmlformats.org/drawingml/2006/main" xmlns:r="http://schemas.openxmlformats.org/officeDocument/2006/relationships" xmlns:p="http://schemas.openxmlformats.org/presentationml/2006/main">
+  <p:cSld>
+    <p:spTree>
+      <p:nvGrpSpPr>
+        <p:cNvPr id="1" name=""/>
+        <p:cNvGrpSpPr/>
+        <p:nvPr/>
+      </p:nvGrpSpPr>
+      <p:grpSpPr>
+        <a:xfrm>
+          <a:off x="0" y="0"/>
+          <a:ext cx="0" cy="0"/>
+          <a:chOff x="0" y="0"/>
+          <a:chExt cx="0" cy="0"/>
+        </a:xfrm>
+      </p:grpSpPr>
+      <p:sp>
+        <p:nvSpPr>
+          <p:cNvPr id="2" name="Title 1"/>
+          <p:cNvSpPr>
+            <a:spLocks noGrp="1"/>
+          </p:cNvSpPr>
+          <p:nvPr>
+            <p:ph type="title"/>
+          </p:nvPr>
+        </p:nvSpPr>
+        <p:spPr>
+          <a:xfrm>
+            <a:off x="457200" y="46343"/>
+            <a:ext cx="8229600" cy="1143000"/>
+          </a:xfrm>
+        </p:spPr>
+        <p:txBody>
+          <a:bodyPr/>
+          <a:lstStyle/>
+          <a:p>
+            <a:pPr marL="0" lvl="0" indent="0">
+              <a:buNone/>
+            </a:pPr>
+            <a:r>
+              <a:rPr dirty="0"/>
+              <a:t>Residual Plot</a:t>
+            </a:r>
+            <a:r>
+              <a:rPr lang="en-US" dirty="0"/>
+              <a:t>s</a:t>
+            </a:r>
+            <a:endParaRPr dirty="0"/>
+          </a:p>
+        </p:txBody>
+      </p:sp>
+      <p:sp>
+        <p:nvSpPr>
+          <p:cNvPr id="3" name="Content Placeholder 2"/>
+          <p:cNvSpPr>
+            <a:spLocks noGrp="1"/>
+          </p:cNvSpPr>
+          <p:nvPr>
+            <p:ph idx="1"/>
+          </p:nvPr>
+        </p:nvSpPr>
+        <p:spPr>
+          <a:xfrm>
+            <a:off x="457200" y="950865"/>
+            <a:ext cx="8229600" cy="4525963"/>
+          </a:xfrm>
+        </p:spPr>
+        <p:txBody>
+          <a:bodyPr>
+            <a:normAutofit/>
+          </a:bodyPr>
+          <a:lstStyle/>
+          <a:p>
+            <a:pPr marL="0" lvl="0" indent="0">
+              <a:spcBef>
+                <a:spcPts val="3000"/>
+              </a:spcBef>
+              <a:buNone/>
+            </a:pPr>
+            <a:r>
+              <a:rPr sz="1200" b="1" dirty="0"/>
+              <a:t>Plot predicted values vs actual to observe residuals on zero line.</a:t>
+            </a:r>
+            <a:br>
+              <a:rPr lang="en-US" sz="1200" b="1" dirty="0"/>
+            </a:br>
+            <a:r>
+              <a:rPr sz="1200" b="1" dirty="0"/>
+              <a:t>Random scattering on both sides of the reference line.</a:t>
+            </a:r>
+            <a:endParaRPr lang="en-US" sz="1200" b="1" dirty="0"/>
+          </a:p>
+          <a:p>
+            <a:pPr marL="0" lvl="0" indent="0">
+              <a:spcBef>
+                <a:spcPts val="3000"/>
+              </a:spcBef>
+              <a:buNone/>
+            </a:pPr>
+            <a:endParaRPr sz="1200" b="1" dirty="0"/>
+          </a:p>
+        </p:txBody>
+      </p:sp>
+      <p:pic>
+        <p:nvPicPr>
+          <p:cNvPr id="7" name="Picture 6">
+            <a:extLst>
+              <a:ext uri="{FF2B5EF4-FFF2-40B4-BE49-F238E27FC236}">
+                <a16:creationId xmlns:a16="http://schemas.microsoft.com/office/drawing/2014/main" id="{8A04B6AF-D7D1-439F-8C31-EE5B700830F3}"/>
+              </a:ext>
+            </a:extLst>
+          </p:cNvPr>
+          <p:cNvPicPr>
+            <a:picLocks noChangeAspect="1"/>
+          </p:cNvPicPr>
+          <p:nvPr/>
+        </p:nvPicPr>
+        <p:blipFill>
+          <a:blip r:embed="rId2"/>
+          <a:stretch>
+            <a:fillRect/>
+          </a:stretch>
+        </p:blipFill>
+        <p:spPr>
+          <a:xfrm>
+            <a:off x="341426" y="1381171"/>
+            <a:ext cx="3495477" cy="2715305"/>
+          </a:xfrm>
+          <a:prstGeom prst="rect">
+            <a:avLst/>
+          </a:prstGeom>
+        </p:spPr>
+      </p:pic>
+      <p:pic>
+        <p:nvPicPr>
+          <p:cNvPr id="10" name="Picture 9">
+            <a:extLst>
+              <a:ext uri="{FF2B5EF4-FFF2-40B4-BE49-F238E27FC236}">
+                <a16:creationId xmlns:a16="http://schemas.microsoft.com/office/drawing/2014/main" id="{C82E1B11-7175-47CD-AEF3-CA90D429C334}"/>
+              </a:ext>
+            </a:extLst>
+          </p:cNvPr>
+          <p:cNvPicPr>
+            <a:picLocks noChangeAspect="1"/>
+          </p:cNvPicPr>
+          <p:nvPr/>
+        </p:nvPicPr>
+        <p:blipFill>
+          <a:blip r:embed="rId3"/>
+          <a:stretch>
+            <a:fillRect/>
+          </a:stretch>
+        </p:blipFill>
+        <p:spPr>
+          <a:xfrm>
+            <a:off x="5307097" y="1381171"/>
+            <a:ext cx="3495477" cy="2715305"/>
+          </a:xfrm>
+          <a:prstGeom prst="rect">
+            <a:avLst/>
+          </a:prstGeom>
+        </p:spPr>
+      </p:pic>
+      <p:pic>
+        <p:nvPicPr>
+          <p:cNvPr id="12" name="Picture 11">
+            <a:extLst>
+              <a:ext uri="{FF2B5EF4-FFF2-40B4-BE49-F238E27FC236}">
+                <a16:creationId xmlns:a16="http://schemas.microsoft.com/office/drawing/2014/main" id="{483844E9-761C-43EE-808B-0B09ABD05613}"/>
+              </a:ext>
+            </a:extLst>
+          </p:cNvPr>
+          <p:cNvPicPr>
+            <a:picLocks noChangeAspect="1"/>
+          </p:cNvPicPr>
+          <p:nvPr/>
+        </p:nvPicPr>
+        <p:blipFill>
+          <a:blip r:embed="rId4"/>
+          <a:stretch>
+            <a:fillRect/>
+          </a:stretch>
+        </p:blipFill>
+        <p:spPr>
+          <a:xfrm>
+            <a:off x="2825439" y="4096476"/>
+            <a:ext cx="3493123" cy="2713476"/>
+          </a:xfrm>
+          <a:prstGeom prst="rect">
+            <a:avLst/>
+          </a:prstGeom>
+        </p:spPr>
+      </p:pic>
+    </p:spTree>
+  </p:cSld>
+  <p:clrMapOvr>
+    <a:masterClrMapping/>
+  </p:clrMapOvr>
+</p:sld>
+</file>
+
+<file path=ppt/slides/slide7.xml><?xml version="1.0" encoding="utf-8"?>
+<p:sld xmlns:a="http://schemas.openxmlformats.org/drawingml/2006/main" xmlns:r="http://schemas.openxmlformats.org/officeDocument/2006/relationships" xmlns:p="http://schemas.openxmlformats.org/presentationml/2006/main">
+  <p:cSld>
+    <p:spTree>
+      <p:nvGrpSpPr>
+        <p:cNvPr id="1" name=""/>
+        <p:cNvGrpSpPr/>
+        <p:nvPr/>
+      </p:nvGrpSpPr>
+      <p:grpSpPr>
+        <a:xfrm>
+          <a:off x="0" y="0"/>
+          <a:ext cx="0" cy="0"/>
+          <a:chOff x="0" y="0"/>
+          <a:chExt cx="0" cy="0"/>
+        </a:xfrm>
+      </p:grpSpPr>
+      <p:sp>
+        <p:nvSpPr>
+          <p:cNvPr id="2" name="Title 1"/>
+          <p:cNvSpPr>
+            <a:spLocks noGrp="1"/>
+          </p:cNvSpPr>
+          <p:nvPr>
+            <p:ph type="title"/>
+          </p:nvPr>
+        </p:nvSpPr>
+        <p:spPr/>
+        <p:txBody>
+          <a:bodyPr/>
+          <a:lstStyle/>
+          <a:p>
+            <a:pPr marL="0" lvl="0" indent="0">
+              <a:buNone/>
+            </a:pPr>
+            <a:r>
+              <a:rPr dirty="0"/>
+              <a:t>Percentage Distribution of Results</a:t>
+            </a:r>
+          </a:p>
+        </p:txBody>
+      </p:sp>
+      <p:sp>
+        <p:nvSpPr>
+          <p:cNvPr id="3" name="Content Placeholder 2"/>
+          <p:cNvSpPr>
+            <a:spLocks noGrp="1"/>
+          </p:cNvSpPr>
+          <p:nvPr>
+            <p:ph idx="1"/>
+          </p:nvPr>
+        </p:nvSpPr>
+        <p:spPr/>
+        <p:txBody>
+          <a:bodyPr>
+            <a:normAutofit/>
+          </a:bodyPr>
+          <a:lstStyle/>
+          <a:p>
+            <a:pPr marL="0" lvl="0" indent="0">
+              <a:spcBef>
+                <a:spcPts val="3000"/>
+              </a:spcBef>
+              <a:buNone/>
+            </a:pPr>
+            <a:r>
+              <a:rPr sz="1200" b="1" dirty="0"/>
+              <a:t>Similar shape to </a:t>
+            </a:r>
+            <a:r>
+              <a:rPr sz="1200" b="1" dirty="0" err="1"/>
+              <a:t>downsampled</a:t>
+            </a:r>
+            <a:r>
+              <a:rPr sz="1200" b="1" dirty="0"/>
+              <a:t> dataset.</a:t>
+            </a:r>
+          </a:p>
+        </p:txBody>
+      </p:sp>
+      <p:pic>
+        <p:nvPicPr>
+          <p:cNvPr id="9" name="Picture 8">
+            <a:extLst>
+              <a:ext uri="{FF2B5EF4-FFF2-40B4-BE49-F238E27FC236}">
+                <a16:creationId xmlns:a16="http://schemas.microsoft.com/office/drawing/2014/main" id="{6BAAD544-0D26-46A3-9256-738883881EBC}"/>
+              </a:ext>
+            </a:extLst>
+          </p:cNvPr>
+          <p:cNvPicPr>
+            <a:picLocks noChangeAspect="1"/>
+          </p:cNvPicPr>
+          <p:nvPr/>
+        </p:nvPicPr>
+        <p:blipFill>
+          <a:blip r:embed="rId2"/>
+          <a:stretch>
+            <a:fillRect/>
+          </a:stretch>
+        </p:blipFill>
+        <p:spPr>
+          <a:xfrm>
+            <a:off x="4572000" y="2180769"/>
+            <a:ext cx="3865205" cy="3077031"/>
+          </a:xfrm>
+          <a:prstGeom prst="rect">
+            <a:avLst/>
+          </a:prstGeom>
+        </p:spPr>
+      </p:pic>
+      <p:pic>
+        <p:nvPicPr>
+          <p:cNvPr id="11" name="Picture 10">
+            <a:extLst>
+              <a:ext uri="{FF2B5EF4-FFF2-40B4-BE49-F238E27FC236}">
+                <a16:creationId xmlns:a16="http://schemas.microsoft.com/office/drawing/2014/main" id="{1C7E2832-895A-4E30-AED6-2E7709DF9B06}"/>
+              </a:ext>
+            </a:extLst>
+          </p:cNvPr>
+          <p:cNvPicPr>
+            <a:picLocks noChangeAspect="1"/>
+          </p:cNvPicPr>
+          <p:nvPr/>
+        </p:nvPicPr>
+        <p:blipFill>
+          <a:blip r:embed="rId3"/>
+          <a:stretch>
+            <a:fillRect/>
+          </a:stretch>
+        </p:blipFill>
+        <p:spPr>
+          <a:xfrm>
+            <a:off x="581998" y="2180768"/>
+            <a:ext cx="3865205" cy="3077031"/>
+          </a:xfrm>
+          <a:prstGeom prst="rect">
+            <a:avLst/>
+          </a:prstGeom>
+        </p:spPr>
+      </p:pic>
+    </p:spTree>
+  </p:cSld>
+  <p:clrMapOvr>
+    <a:masterClrMapping/>
+  </p:clrMapOvr>
+</p:sld>
+</file>
+
+<file path=ppt/slides/slide8.xml><?xml version="1.0" encoding="utf-8"?>
+<p:sld xmlns:a="http://schemas.openxmlformats.org/drawingml/2006/main" xmlns:r="http://schemas.openxmlformats.org/officeDocument/2006/relationships" xmlns:p="http://schemas.openxmlformats.org/presentationml/2006/main">
+  <p:cSld>
+    <p:spTree>
+      <p:nvGrpSpPr>
+        <p:cNvPr id="1" name=""/>
+        <p:cNvGrpSpPr/>
+        <p:nvPr/>
+      </p:nvGrpSpPr>
+      <p:grpSpPr>
+        <a:xfrm>
+          <a:off x="0" y="0"/>
+          <a:ext cx="0" cy="0"/>
+          <a:chOff x="0" y="0"/>
+          <a:chExt cx="0" cy="0"/>
+        </a:xfrm>
+      </p:grpSpPr>
+      <p:pic>
+        <p:nvPicPr>
+          <p:cNvPr id="3" name="Picture 26">
+            <a:extLst>
+              <a:ext uri="{FF2B5EF4-FFF2-40B4-BE49-F238E27FC236}">
+                <a16:creationId xmlns:a16="http://schemas.microsoft.com/office/drawing/2014/main" id="{D75D4FFC-33CB-44F8-833C-3A2FB63CB7AD}"/>
+              </a:ext>
+            </a:extLst>
+          </p:cNvPr>
+          <p:cNvPicPr>
+            <a:picLocks noChangeAspect="1" noChangeArrowheads="1"/>
+          </p:cNvPicPr>
+          <p:nvPr/>
+        </p:nvPicPr>
+        <p:blipFill>
+          <a:blip r:embed="rId2">
+            <a:extLst>
+              <a:ext uri="{28A0092B-C50C-407E-A947-70E740481C1C}">
+                <a14:useLocalDpi xmlns:a14="http://schemas.microsoft.com/office/drawing/2010/main" val="0"/>
+              </a:ext>
+            </a:extLst>
+          </a:blip>
+          <a:srcRect/>
+          <a:stretch>
+            <a:fillRect/>
+          </a:stretch>
+        </p:blipFill>
+        <p:spPr bwMode="auto">
+          <a:xfrm>
+            <a:off x="77302" y="1656035"/>
+            <a:ext cx="2882080" cy="2060842"/>
+          </a:xfrm>
+          <a:prstGeom prst="rect">
+            <a:avLst/>
+          </a:prstGeom>
+          <a:noFill/>
+          <a:extLst>
+            <a:ext uri="{909E8E84-426E-40DD-AFC4-6F175D3DCCD1}">
+              <a14:hiddenFill xmlns:a14="http://schemas.microsoft.com/office/drawing/2010/main">
+                <a:solidFill>
+                  <a:srgbClr val="FFFFFF"/>
+                </a:solidFill>
+              </a14:hiddenFill>
+            </a:ext>
+          </a:extLst>
+        </p:spPr>
+      </p:pic>
+      <p:pic>
+        <p:nvPicPr>
+          <p:cNvPr id="5" name="Picture 27">
+            <a:extLst>
+              <a:ext uri="{FF2B5EF4-FFF2-40B4-BE49-F238E27FC236}">
+                <a16:creationId xmlns:a16="http://schemas.microsoft.com/office/drawing/2014/main" id="{EA53F1E6-B397-4A9E-8736-D29416FF7A72}"/>
+              </a:ext>
+            </a:extLst>
+          </p:cNvPr>
+          <p:cNvPicPr>
+            <a:picLocks noChangeAspect="1" noChangeArrowheads="1"/>
+          </p:cNvPicPr>
+          <p:nvPr/>
+        </p:nvPicPr>
+        <p:blipFill>
+          <a:blip r:embed="rId3">
+            <a:extLst>
+              <a:ext uri="{28A0092B-C50C-407E-A947-70E740481C1C}">
+                <a14:useLocalDpi xmlns:a14="http://schemas.microsoft.com/office/drawing/2010/main" val="0"/>
+              </a:ext>
+            </a:extLst>
+          </a:blip>
+          <a:srcRect/>
+          <a:stretch>
+            <a:fillRect/>
+          </a:stretch>
+        </p:blipFill>
+        <p:spPr bwMode="auto">
+          <a:xfrm>
+            <a:off x="3138636" y="1654345"/>
+            <a:ext cx="2895151" cy="2062406"/>
+          </a:xfrm>
+          <a:prstGeom prst="rect">
+            <a:avLst/>
+          </a:prstGeom>
+          <a:noFill/>
+          <a:extLst>
+            <a:ext uri="{909E8E84-426E-40DD-AFC4-6F175D3DCCD1}">
+              <a14:hiddenFill xmlns:a14="http://schemas.microsoft.com/office/drawing/2010/main">
+                <a:solidFill>
+                  <a:srgbClr val="FFFFFF"/>
+                </a:solidFill>
+              </a14:hiddenFill>
+            </a:ext>
+          </a:extLst>
+        </p:spPr>
+      </p:pic>
+      <p:pic>
+        <p:nvPicPr>
+          <p:cNvPr id="7" name="Picture 28">
+            <a:extLst>
+              <a:ext uri="{FF2B5EF4-FFF2-40B4-BE49-F238E27FC236}">
+                <a16:creationId xmlns:a16="http://schemas.microsoft.com/office/drawing/2014/main" id="{90E0C36B-E45C-419D-9B7F-DE48BC59D36E}"/>
+              </a:ext>
+            </a:extLst>
+          </p:cNvPr>
+          <p:cNvPicPr>
+            <a:picLocks noChangeAspect="1" noChangeArrowheads="1"/>
+          </p:cNvPicPr>
+          <p:nvPr/>
+        </p:nvPicPr>
+        <p:blipFill>
+          <a:blip r:embed="rId4">
+            <a:extLst>
+              <a:ext uri="{28A0092B-C50C-407E-A947-70E740481C1C}">
+                <a14:useLocalDpi xmlns:a14="http://schemas.microsoft.com/office/drawing/2010/main" val="0"/>
+              </a:ext>
+            </a:extLst>
+          </a:blip>
+          <a:srcRect/>
+          <a:stretch>
+            <a:fillRect/>
+          </a:stretch>
+        </p:blipFill>
+        <p:spPr bwMode="auto">
+          <a:xfrm>
+            <a:off x="6109760" y="1657725"/>
+            <a:ext cx="2895151" cy="2071759"/>
+          </a:xfrm>
+          <a:prstGeom prst="rect">
+            <a:avLst/>
+          </a:prstGeom>
+          <a:noFill/>
+          <a:extLst>
+            <a:ext uri="{909E8E84-426E-40DD-AFC4-6F175D3DCCD1}">
+              <a14:hiddenFill xmlns:a14="http://schemas.microsoft.com/office/drawing/2010/main">
+                <a:solidFill>
+                  <a:srgbClr val="FFFFFF"/>
+                </a:solidFill>
+              </a14:hiddenFill>
+            </a:ext>
+          </a:extLst>
+        </p:spPr>
+      </p:pic>
+      <p:pic>
+        <p:nvPicPr>
+          <p:cNvPr id="9" name="Picture 29">
+            <a:extLst>
+              <a:ext uri="{FF2B5EF4-FFF2-40B4-BE49-F238E27FC236}">
+                <a16:creationId xmlns:a16="http://schemas.microsoft.com/office/drawing/2014/main" id="{59C6911A-5132-493B-A38E-1929E668B44C}"/>
+              </a:ext>
+            </a:extLst>
+          </p:cNvPr>
+          <p:cNvPicPr>
+            <a:picLocks noChangeAspect="1" noChangeArrowheads="1"/>
+          </p:cNvPicPr>
+          <p:nvPr/>
+        </p:nvPicPr>
+        <p:blipFill>
+          <a:blip r:embed="rId5">
+            <a:extLst>
+              <a:ext uri="{28A0092B-C50C-407E-A947-70E740481C1C}">
+                <a14:useLocalDpi xmlns:a14="http://schemas.microsoft.com/office/drawing/2010/main" val="0"/>
+              </a:ext>
+            </a:extLst>
+          </a:blip>
+          <a:srcRect/>
+          <a:stretch>
+            <a:fillRect/>
+          </a:stretch>
+        </p:blipFill>
+        <p:spPr bwMode="auto">
+          <a:xfrm>
+            <a:off x="1720737" y="4086628"/>
+            <a:ext cx="2835153" cy="2028825"/>
+          </a:xfrm>
+          <a:prstGeom prst="rect">
+            <a:avLst/>
+          </a:prstGeom>
+          <a:noFill/>
+          <a:extLst>
+            <a:ext uri="{909E8E84-426E-40DD-AFC4-6F175D3DCCD1}">
+              <a14:hiddenFill xmlns:a14="http://schemas.microsoft.com/office/drawing/2010/main">
+                <a:solidFill>
+                  <a:srgbClr val="FFFFFF"/>
+                </a:solidFill>
+              </a14:hiddenFill>
+            </a:ext>
+          </a:extLst>
+        </p:spPr>
+      </p:pic>
+      <p:pic>
+        <p:nvPicPr>
+          <p:cNvPr id="11" name="Picture 30">
+            <a:extLst>
+              <a:ext uri="{FF2B5EF4-FFF2-40B4-BE49-F238E27FC236}">
+                <a16:creationId xmlns:a16="http://schemas.microsoft.com/office/drawing/2014/main" id="{3A24F6B8-7E95-474C-B30D-96C8BFBBE399}"/>
+              </a:ext>
+            </a:extLst>
+          </p:cNvPr>
+          <p:cNvPicPr>
+            <a:picLocks noChangeAspect="1" noChangeArrowheads="1"/>
+          </p:cNvPicPr>
+          <p:nvPr/>
+        </p:nvPicPr>
+        <p:blipFill>
+          <a:blip r:embed="rId6">
+            <a:extLst>
+              <a:ext uri="{28A0092B-C50C-407E-A947-70E740481C1C}">
+                <a14:useLocalDpi xmlns:a14="http://schemas.microsoft.com/office/drawing/2010/main" val="0"/>
+              </a:ext>
+            </a:extLst>
+          </a:blip>
+          <a:srcRect/>
+          <a:stretch>
+            <a:fillRect/>
+          </a:stretch>
+        </p:blipFill>
+        <p:spPr bwMode="auto">
+          <a:xfrm>
+            <a:off x="4657521" y="4086629"/>
+            <a:ext cx="2835154" cy="2025110"/>
+          </a:xfrm>
+          <a:prstGeom prst="rect">
+            <a:avLst/>
+          </a:prstGeom>
+          <a:noFill/>
+          <a:extLst>
+            <a:ext uri="{909E8E84-426E-40DD-AFC4-6F175D3DCCD1}">
+              <a14:hiddenFill xmlns:a14="http://schemas.microsoft.com/office/drawing/2010/main">
+                <a:solidFill>
+                  <a:srgbClr val="FFFFFF"/>
+                </a:solidFill>
+              </a14:hiddenFill>
+            </a:ext>
+          </a:extLst>
+        </p:spPr>
+      </p:pic>
+      <p:sp>
+        <p:nvSpPr>
+          <p:cNvPr id="13" name="Oval 12">
+            <a:extLst>
+              <a:ext uri="{FF2B5EF4-FFF2-40B4-BE49-F238E27FC236}">
+                <a16:creationId xmlns:a16="http://schemas.microsoft.com/office/drawing/2014/main" id="{29FB16A0-1007-47C1-B68D-AA8814C024DF}"/>
+              </a:ext>
+            </a:extLst>
+          </p:cNvPr>
+          <p:cNvSpPr/>
+          <p:nvPr/>
+        </p:nvSpPr>
+        <p:spPr>
+          <a:xfrm>
+            <a:off x="7185316" y="5259634"/>
+            <a:ext cx="200025" cy="171450"/>
+          </a:xfrm>
+          <a:prstGeom prst="ellipse">
+            <a:avLst/>
+          </a:prstGeom>
+          <a:noFill/>
+          <a:ln w="28575">
+            <a:solidFill>
+              <a:srgbClr val="FF0000"/>
+            </a:solidFill>
+          </a:ln>
+        </p:spPr>
+        <p:style>
+          <a:lnRef idx="2">
+            <a:schemeClr val="accent1">
+              <a:shade val="50000"/>
+            </a:schemeClr>
+          </a:lnRef>
+          <a:fillRef idx="1">
+            <a:schemeClr val="accent1"/>
+          </a:fillRef>
+          <a:effectRef idx="0">
+            <a:schemeClr val="accent1"/>
+          </a:effectRef>
+          <a:fontRef idx="minor">
+            <a:schemeClr val="lt1"/>
+          </a:fontRef>
+        </p:style>
+        <p:txBody>
+          <a:bodyPr rot="0" spcFirstLastPara="0" vert="horz" wrap="square" lIns="91440" tIns="45720" rIns="91440" bIns="45720" numCol="1" spcCol="0" rtlCol="0" fromWordArt="0" anchor="ctr" anchorCtr="0" forceAA="0" compatLnSpc="1">
+            <a:prstTxWarp prst="textNoShape">
+              <a:avLst/>
+            </a:prstTxWarp>
+            <a:noAutofit/>
+          </a:bodyPr>
+          <a:lstStyle/>
+          <a:p>
+            <a:endParaRPr lang="en-US"/>
+          </a:p>
+        </p:txBody>
+      </p:sp>
+      <p:sp>
+        <p:nvSpPr>
+          <p:cNvPr id="15" name="Oval 14">
+            <a:extLst>
+              <a:ext uri="{FF2B5EF4-FFF2-40B4-BE49-F238E27FC236}">
+                <a16:creationId xmlns:a16="http://schemas.microsoft.com/office/drawing/2014/main" id="{0504B9EA-14A4-4C01-BD24-D541A211C6FF}"/>
+              </a:ext>
+            </a:extLst>
+          </p:cNvPr>
+          <p:cNvSpPr/>
+          <p:nvPr/>
+        </p:nvSpPr>
+        <p:spPr>
+          <a:xfrm>
+            <a:off x="2669276" y="2854870"/>
+            <a:ext cx="183772" cy="158647"/>
+          </a:xfrm>
+          <a:prstGeom prst="ellipse">
+            <a:avLst/>
+          </a:prstGeom>
+          <a:noFill/>
+          <a:ln w="28575">
+            <a:solidFill>
+              <a:srgbClr val="FF0000"/>
+            </a:solidFill>
+          </a:ln>
+        </p:spPr>
+        <p:style>
+          <a:lnRef idx="2">
+            <a:schemeClr val="accent1">
+              <a:shade val="50000"/>
+            </a:schemeClr>
+          </a:lnRef>
+          <a:fillRef idx="1">
+            <a:schemeClr val="accent1"/>
+          </a:fillRef>
+          <a:effectRef idx="0">
+            <a:schemeClr val="accent1"/>
+          </a:effectRef>
+          <a:fontRef idx="minor">
+            <a:schemeClr val="lt1"/>
+          </a:fontRef>
+        </p:style>
+        <p:txBody>
+          <a:bodyPr rot="0" spcFirstLastPara="0" vert="horz" wrap="square" lIns="91440" tIns="45720" rIns="91440" bIns="45720" numCol="1" spcCol="0" rtlCol="0" fromWordArt="0" anchor="ctr" anchorCtr="0" forceAA="0" compatLnSpc="1">
+            <a:prstTxWarp prst="textNoShape">
+              <a:avLst/>
+            </a:prstTxWarp>
+            <a:noAutofit/>
+          </a:bodyPr>
+          <a:lstStyle/>
+          <a:p>
+            <a:endParaRPr lang="en-US"/>
+          </a:p>
+        </p:txBody>
+      </p:sp>
+      <p:sp>
+        <p:nvSpPr>
+          <p:cNvPr id="17" name="Oval 16">
+            <a:extLst>
+              <a:ext uri="{FF2B5EF4-FFF2-40B4-BE49-F238E27FC236}">
+                <a16:creationId xmlns:a16="http://schemas.microsoft.com/office/drawing/2014/main" id="{097BC1F2-7D53-4B18-BC29-FCF340134BB4}"/>
+              </a:ext>
+            </a:extLst>
+          </p:cNvPr>
+          <p:cNvSpPr/>
+          <p:nvPr/>
+        </p:nvSpPr>
+        <p:spPr>
+          <a:xfrm>
+            <a:off x="5730611" y="2842528"/>
+            <a:ext cx="183772" cy="158647"/>
+          </a:xfrm>
+          <a:prstGeom prst="ellipse">
+            <a:avLst/>
+          </a:prstGeom>
+          <a:noFill/>
+          <a:ln w="28575">
+            <a:solidFill>
+              <a:srgbClr val="FF0000"/>
+            </a:solidFill>
+          </a:ln>
+        </p:spPr>
+        <p:style>
+          <a:lnRef idx="2">
+            <a:schemeClr val="accent1">
+              <a:shade val="50000"/>
+            </a:schemeClr>
+          </a:lnRef>
+          <a:fillRef idx="1">
+            <a:schemeClr val="accent1"/>
+          </a:fillRef>
+          <a:effectRef idx="0">
+            <a:schemeClr val="accent1"/>
+          </a:effectRef>
+          <a:fontRef idx="minor">
+            <a:schemeClr val="lt1"/>
+          </a:fontRef>
+        </p:style>
+        <p:txBody>
+          <a:bodyPr rot="0" spcFirstLastPara="0" vert="horz" wrap="square" lIns="91440" tIns="45720" rIns="91440" bIns="45720" numCol="1" spcCol="0" rtlCol="0" fromWordArt="0" anchor="ctr" anchorCtr="0" forceAA="0" compatLnSpc="1">
+            <a:prstTxWarp prst="textNoShape">
+              <a:avLst/>
+            </a:prstTxWarp>
+            <a:noAutofit/>
+          </a:bodyPr>
+          <a:lstStyle/>
+          <a:p>
+            <a:endParaRPr lang="en-US"/>
+          </a:p>
+        </p:txBody>
+      </p:sp>
+      <p:sp>
+        <p:nvSpPr>
+          <p:cNvPr id="19" name="Oval 18">
+            <a:extLst>
+              <a:ext uri="{FF2B5EF4-FFF2-40B4-BE49-F238E27FC236}">
+                <a16:creationId xmlns:a16="http://schemas.microsoft.com/office/drawing/2014/main" id="{09657C10-B648-4260-A1B3-E18BDCC53DB8}"/>
+              </a:ext>
+            </a:extLst>
+          </p:cNvPr>
+          <p:cNvSpPr/>
+          <p:nvPr/>
+        </p:nvSpPr>
+        <p:spPr>
+          <a:xfrm>
+            <a:off x="8705533" y="2854870"/>
+            <a:ext cx="200025" cy="171450"/>
+          </a:xfrm>
+          <a:prstGeom prst="ellipse">
+            <a:avLst/>
+          </a:prstGeom>
+          <a:noFill/>
+          <a:ln w="28575">
+            <a:solidFill>
+              <a:srgbClr val="FF0000"/>
+            </a:solidFill>
+          </a:ln>
+        </p:spPr>
+        <p:style>
+          <a:lnRef idx="2">
+            <a:schemeClr val="accent1">
+              <a:shade val="50000"/>
+            </a:schemeClr>
+          </a:lnRef>
+          <a:fillRef idx="1">
+            <a:schemeClr val="accent1"/>
+          </a:fillRef>
+          <a:effectRef idx="0">
+            <a:schemeClr val="accent1"/>
+          </a:effectRef>
+          <a:fontRef idx="minor">
+            <a:schemeClr val="lt1"/>
+          </a:fontRef>
+        </p:style>
+        <p:txBody>
+          <a:bodyPr rot="0" spcFirstLastPara="0" vert="horz" wrap="square" lIns="91440" tIns="45720" rIns="91440" bIns="45720" numCol="1" spcCol="0" rtlCol="0" fromWordArt="0" anchor="ctr" anchorCtr="0" forceAA="0" compatLnSpc="1">
+            <a:prstTxWarp prst="textNoShape">
+              <a:avLst/>
+            </a:prstTxWarp>
+            <a:noAutofit/>
+          </a:bodyPr>
+          <a:lstStyle/>
+          <a:p>
+            <a:endParaRPr lang="en-US"/>
+          </a:p>
+        </p:txBody>
+      </p:sp>
+      <p:sp>
+        <p:nvSpPr>
+          <p:cNvPr id="21" name="Oval 20">
+            <a:extLst>
+              <a:ext uri="{FF2B5EF4-FFF2-40B4-BE49-F238E27FC236}">
+                <a16:creationId xmlns:a16="http://schemas.microsoft.com/office/drawing/2014/main" id="{AA0EA93A-BE81-49E3-BFA6-288C3383C51A}"/>
+              </a:ext>
+            </a:extLst>
+          </p:cNvPr>
+          <p:cNvSpPr/>
+          <p:nvPr/>
+        </p:nvSpPr>
+        <p:spPr>
+          <a:xfrm>
+            <a:off x="4267179" y="5273547"/>
+            <a:ext cx="177110" cy="156063"/>
+          </a:xfrm>
+          <a:prstGeom prst="ellipse">
+            <a:avLst/>
+          </a:prstGeom>
+          <a:noFill/>
+          <a:ln w="28575">
+            <a:solidFill>
+              <a:srgbClr val="FF0000"/>
+            </a:solidFill>
+          </a:ln>
+        </p:spPr>
+        <p:style>
+          <a:lnRef idx="2">
+            <a:schemeClr val="accent1">
+              <a:shade val="50000"/>
+            </a:schemeClr>
+          </a:lnRef>
+          <a:fillRef idx="1">
+            <a:schemeClr val="accent1"/>
+          </a:fillRef>
+          <a:effectRef idx="0">
+            <a:schemeClr val="accent1"/>
+          </a:effectRef>
+          <a:fontRef idx="minor">
+            <a:schemeClr val="lt1"/>
+          </a:fontRef>
+        </p:style>
+        <p:txBody>
+          <a:bodyPr rot="0" spcFirstLastPara="0" vert="horz" wrap="square" lIns="91440" tIns="45720" rIns="91440" bIns="45720" numCol="1" spcCol="0" rtlCol="0" fromWordArt="0" anchor="ctr" anchorCtr="0" forceAA="0" compatLnSpc="1">
+            <a:prstTxWarp prst="textNoShape">
+              <a:avLst/>
+            </a:prstTxWarp>
+            <a:noAutofit/>
+          </a:bodyPr>
+          <a:lstStyle/>
+          <a:p>
+            <a:endParaRPr lang="en-US"/>
+          </a:p>
+        </p:txBody>
+      </p:sp>
+      <p:sp>
+        <p:nvSpPr>
+          <p:cNvPr id="26" name="Title 1">
+            <a:extLst>
+              <a:ext uri="{FF2B5EF4-FFF2-40B4-BE49-F238E27FC236}">
+                <a16:creationId xmlns:a16="http://schemas.microsoft.com/office/drawing/2014/main" id="{495BF29C-A199-4044-91F8-D4C4EC976EAF}"/>
+              </a:ext>
+            </a:extLst>
+          </p:cNvPr>
+          <p:cNvSpPr txBox="1">
+            <a:spLocks/>
+          </p:cNvSpPr>
+          <p:nvPr/>
+        </p:nvSpPr>
+        <p:spPr>
+          <a:xfrm>
+            <a:off x="457200" y="274638"/>
+            <a:ext cx="8229600" cy="1143000"/>
+          </a:xfrm>
+          <a:prstGeom prst="rect">
+            <a:avLst/>
+          </a:prstGeom>
+        </p:spPr>
+        <p:txBody>
+          <a:bodyPr/>
+          <a:lstStyle>
+            <a:lvl1pPr algn="ctr" defTabSz="457200" rtl="0" eaLnBrk="1" latinLnBrk="0" hangingPunct="1">
+              <a:spcBef>
+                <a:spcPct val="0"/>
+              </a:spcBef>
+              <a:buNone/>
+              <a:defRPr sz="4400" kern="1200">
+                <a:solidFill>
+                  <a:schemeClr val="tx1"/>
+                </a:solidFill>
+                <a:latin typeface="+mj-lt"/>
+                <a:ea typeface="+mj-ea"/>
+                <a:cs typeface="+mj-cs"/>
+              </a:defRPr>
+            </a:lvl1pPr>
+          </a:lstStyle>
+          <a:p>
+            <a:r>
+              <a:rPr lang="en-US" dirty="0"/>
+              <a:t>Job Role Graphical Analysis</a:t>
+            </a:r>
+          </a:p>
+        </p:txBody>
+      </p:sp>
+    </p:spTree>
+    <p:extLst>
+      <p:ext uri="{BB962C8B-B14F-4D97-AF65-F5344CB8AC3E}">
+        <p14:creationId xmlns:p14="http://schemas.microsoft.com/office/powerpoint/2010/main" val="3993996781"/>
+      </p:ext>
+    </p:extLst>
+  </p:cSld>
+  <p:clrMapOvr>
+    <a:masterClrMapping/>
+  </p:clrMapOvr>
+</p:sld>
+</file>
+
+<file path=ppt/slides/slide9.xml><?xml version="1.0" encoding="utf-8"?>
+<p:sld xmlns:a="http://schemas.openxmlformats.org/drawingml/2006/main" xmlns:r="http://schemas.openxmlformats.org/officeDocument/2006/relationships" xmlns:p="http://schemas.openxmlformats.org/presentationml/2006/main">
+  <p:cSld>
+    <p:spTree>
+      <p:nvGrpSpPr>
+        <p:cNvPr id="1" name=""/>
+        <p:cNvGrpSpPr/>
+        <p:nvPr/>
+      </p:nvGrpSpPr>
+      <p:grpSpPr>
+        <a:xfrm>
+          <a:off x="0" y="0"/>
+          <a:ext cx="0" cy="0"/>
+          <a:chOff x="0" y="0"/>
+          <a:chExt cx="0" cy="0"/>
+        </a:xfrm>
+      </p:grpSpPr>
+      <p:pic>
+        <p:nvPicPr>
+          <p:cNvPr id="2" name="Picture 1">
+            <a:extLst>
+              <a:ext uri="{FF2B5EF4-FFF2-40B4-BE49-F238E27FC236}">
+                <a16:creationId xmlns:a16="http://schemas.microsoft.com/office/drawing/2014/main" id="{F136F412-ADCF-462E-B4E7-A2F8DA6F30F0}"/>
+              </a:ext>
+            </a:extLst>
+          </p:cNvPr>
+          <p:cNvPicPr/>
+          <p:nvPr/>
+        </p:nvPicPr>
+        <p:blipFill>
+          <a:blip r:embed="rId2" cstate="print">
+            <a:extLst>
+              <a:ext uri="{28A0092B-C50C-407E-A947-70E740481C1C}">
+                <a14:useLocalDpi xmlns:a14="http://schemas.microsoft.com/office/drawing/2010/main" val="0"/>
+              </a:ext>
+            </a:extLst>
+          </a:blip>
+          <a:srcRect/>
+          <a:stretch>
+            <a:fillRect/>
+          </a:stretch>
+        </p:blipFill>
+        <p:spPr bwMode="auto">
+          <a:xfrm>
+            <a:off x="445629" y="892348"/>
+            <a:ext cx="3942265" cy="2703575"/>
+          </a:xfrm>
+          <a:prstGeom prst="rect">
+            <a:avLst/>
+          </a:prstGeom>
+          <a:noFill/>
+          <a:ln>
+            <a:noFill/>
+          </a:ln>
+        </p:spPr>
+      </p:pic>
+      <p:sp>
+        <p:nvSpPr>
+          <p:cNvPr id="3" name="Arrow: Down 2">
+            <a:extLst>
+              <a:ext uri="{FF2B5EF4-FFF2-40B4-BE49-F238E27FC236}">
+                <a16:creationId xmlns:a16="http://schemas.microsoft.com/office/drawing/2014/main" id="{91B8186B-36AA-4C05-BD47-739B6287339E}"/>
+              </a:ext>
+            </a:extLst>
+          </p:cNvPr>
+          <p:cNvSpPr/>
+          <p:nvPr/>
+        </p:nvSpPr>
+        <p:spPr>
+          <a:xfrm rot="1267103">
+            <a:off x="2664793" y="1405450"/>
+            <a:ext cx="285750" cy="781050"/>
+          </a:xfrm>
+          <a:prstGeom prst="downArrow">
+            <a:avLst/>
+          </a:prstGeom>
+        </p:spPr>
+        <p:style>
+          <a:lnRef idx="2">
+            <a:schemeClr val="accent1">
+              <a:shade val="50000"/>
+            </a:schemeClr>
+          </a:lnRef>
+          <a:fillRef idx="1">
+            <a:schemeClr val="accent1"/>
+          </a:fillRef>
+          <a:effectRef idx="0">
+            <a:schemeClr val="accent1"/>
+          </a:effectRef>
+          <a:fontRef idx="minor">
+            <a:schemeClr val="lt1"/>
+          </a:fontRef>
+        </p:style>
+        <p:txBody>
+          <a:bodyPr rot="0" spcFirstLastPara="0" vert="horz" wrap="square" lIns="91440" tIns="45720" rIns="91440" bIns="45720" numCol="1" spcCol="0" rtlCol="0" fromWordArt="0" anchor="ctr" anchorCtr="0" forceAA="0" compatLnSpc="1">
+            <a:prstTxWarp prst="textNoShape">
+              <a:avLst/>
+            </a:prstTxWarp>
+            <a:noAutofit/>
+          </a:bodyPr>
+          <a:lstStyle/>
+          <a:p>
+            <a:endParaRPr lang="en-US"/>
+          </a:p>
+        </p:txBody>
+      </p:sp>
+      <p:pic>
+        <p:nvPicPr>
+          <p:cNvPr id="4" name="Picture 3">
+            <a:extLst>
+              <a:ext uri="{FF2B5EF4-FFF2-40B4-BE49-F238E27FC236}">
+                <a16:creationId xmlns:a16="http://schemas.microsoft.com/office/drawing/2014/main" id="{E8ED9E1C-4961-411F-AA63-923254941F4A}"/>
+              </a:ext>
+            </a:extLst>
+          </p:cNvPr>
+          <p:cNvPicPr/>
+          <p:nvPr/>
+        </p:nvPicPr>
+        <p:blipFill>
+          <a:blip r:embed="rId3" cstate="print">
+            <a:extLst>
+              <a:ext uri="{28A0092B-C50C-407E-A947-70E740481C1C}">
+                <a14:useLocalDpi xmlns:a14="http://schemas.microsoft.com/office/drawing/2010/main" val="0"/>
+              </a:ext>
+            </a:extLst>
+          </a:blip>
+          <a:srcRect/>
+          <a:stretch>
+            <a:fillRect/>
+          </a:stretch>
+        </p:blipFill>
+        <p:spPr bwMode="auto">
+          <a:xfrm>
+            <a:off x="4501664" y="855952"/>
+            <a:ext cx="3942265" cy="2703575"/>
+          </a:xfrm>
+          <a:prstGeom prst="rect">
+            <a:avLst/>
+          </a:prstGeom>
+          <a:noFill/>
+          <a:ln>
+            <a:noFill/>
+          </a:ln>
+        </p:spPr>
+      </p:pic>
+      <p:sp>
+        <p:nvSpPr>
+          <p:cNvPr id="5" name="Arrow: Down 4">
+            <a:extLst>
+              <a:ext uri="{FF2B5EF4-FFF2-40B4-BE49-F238E27FC236}">
+                <a16:creationId xmlns:a16="http://schemas.microsoft.com/office/drawing/2014/main" id="{632FA002-85A2-4FE3-A3CD-2BE3DE2A018F}"/>
+              </a:ext>
+            </a:extLst>
+          </p:cNvPr>
+          <p:cNvSpPr/>
+          <p:nvPr/>
+        </p:nvSpPr>
+        <p:spPr>
+          <a:xfrm rot="1267103">
+            <a:off x="6459179" y="1401440"/>
+            <a:ext cx="285750" cy="781050"/>
+          </a:xfrm>
+          <a:prstGeom prst="downArrow">
+            <a:avLst/>
+          </a:prstGeom>
+        </p:spPr>
+        <p:style>
+          <a:lnRef idx="2">
+            <a:schemeClr val="accent1">
+              <a:shade val="50000"/>
+            </a:schemeClr>
+          </a:lnRef>
+          <a:fillRef idx="1">
+            <a:schemeClr val="accent1"/>
+          </a:fillRef>
+          <a:effectRef idx="0">
+            <a:schemeClr val="accent1"/>
+          </a:effectRef>
+          <a:fontRef idx="minor">
+            <a:schemeClr val="lt1"/>
+          </a:fontRef>
+        </p:style>
+        <p:txBody>
+          <a:bodyPr rot="0" spcFirstLastPara="0" vert="horz" wrap="square" lIns="91440" tIns="45720" rIns="91440" bIns="45720" numCol="1" spcCol="0" rtlCol="0" fromWordArt="0" anchor="ctr" anchorCtr="0" forceAA="0" compatLnSpc="1">
+            <a:prstTxWarp prst="textNoShape">
+              <a:avLst/>
+            </a:prstTxWarp>
+            <a:noAutofit/>
+          </a:bodyPr>
+          <a:lstStyle/>
+          <a:p>
+            <a:endParaRPr lang="en-US"/>
+          </a:p>
+        </p:txBody>
+      </p:sp>
+      <p:pic>
+        <p:nvPicPr>
+          <p:cNvPr id="6" name="Picture 5">
+            <a:extLst>
+              <a:ext uri="{FF2B5EF4-FFF2-40B4-BE49-F238E27FC236}">
+                <a16:creationId xmlns:a16="http://schemas.microsoft.com/office/drawing/2014/main" id="{33182DE8-7FB0-447C-95FA-30D85E273419}"/>
+              </a:ext>
+            </a:extLst>
+          </p:cNvPr>
+          <p:cNvPicPr/>
+          <p:nvPr/>
+        </p:nvPicPr>
+        <p:blipFill>
+          <a:blip r:embed="rId4" cstate="print">
+            <a:extLst>
+              <a:ext uri="{28A0092B-C50C-407E-A947-70E740481C1C}">
+                <a14:useLocalDpi xmlns:a14="http://schemas.microsoft.com/office/drawing/2010/main" val="0"/>
+              </a:ext>
+            </a:extLst>
+          </a:blip>
+          <a:srcRect/>
+          <a:stretch>
+            <a:fillRect/>
+          </a:stretch>
+        </p:blipFill>
+        <p:spPr bwMode="auto">
+          <a:xfrm>
+            <a:off x="2614396" y="4047380"/>
+            <a:ext cx="3942265" cy="2703575"/>
+          </a:xfrm>
+          <a:prstGeom prst="rect">
+            <a:avLst/>
+          </a:prstGeom>
+          <a:noFill/>
+          <a:ln>
+            <a:noFill/>
+          </a:ln>
+        </p:spPr>
+      </p:pic>
+      <p:sp>
+        <p:nvSpPr>
+          <p:cNvPr id="7" name="Arrow: Down 6">
+            <a:extLst>
+              <a:ext uri="{FF2B5EF4-FFF2-40B4-BE49-F238E27FC236}">
+                <a16:creationId xmlns:a16="http://schemas.microsoft.com/office/drawing/2014/main" id="{CF18291C-CEF9-4918-BFA5-1329D94B91FF}"/>
+              </a:ext>
+            </a:extLst>
+          </p:cNvPr>
+          <p:cNvSpPr/>
+          <p:nvPr/>
+        </p:nvSpPr>
+        <p:spPr>
+          <a:xfrm rot="1267103">
+            <a:off x="4442653" y="4592869"/>
+            <a:ext cx="285750" cy="781050"/>
+          </a:xfrm>
+          <a:prstGeom prst="downArrow">
+            <a:avLst/>
+          </a:prstGeom>
+        </p:spPr>
+        <p:style>
+          <a:lnRef idx="2">
+            <a:schemeClr val="accent1">
+              <a:shade val="50000"/>
+            </a:schemeClr>
+          </a:lnRef>
+          <a:fillRef idx="1">
+            <a:schemeClr val="accent1"/>
+          </a:fillRef>
+          <a:effectRef idx="0">
+            <a:schemeClr val="accent1"/>
+          </a:effectRef>
+          <a:fontRef idx="minor">
+            <a:schemeClr val="lt1"/>
+          </a:fontRef>
+        </p:style>
+        <p:txBody>
+          <a:bodyPr rot="0" spcFirstLastPara="0" vert="horz" wrap="square" lIns="91440" tIns="45720" rIns="91440" bIns="45720" numCol="1" spcCol="0" rtlCol="0" fromWordArt="0" anchor="ctr" anchorCtr="0" forceAA="0" compatLnSpc="1">
+            <a:prstTxWarp prst="textNoShape">
+              <a:avLst/>
+            </a:prstTxWarp>
+            <a:noAutofit/>
+          </a:bodyPr>
+          <a:lstStyle/>
+          <a:p>
+            <a:endParaRPr lang="en-US"/>
+          </a:p>
+        </p:txBody>
+      </p:sp>
+    </p:spTree>
+    <p:extLst>
+      <p:ext uri="{BB962C8B-B14F-4D97-AF65-F5344CB8AC3E}">
+        <p14:creationId xmlns:p14="http://schemas.microsoft.com/office/powerpoint/2010/main" val="822694535"/>
+      </p:ext>
+    </p:extLst>
   </p:cSld>
   <p:clrMapOvr>
     <a:masterClrMapping/>
